--- a/week09/iteratorsgenerators.pptx
+++ b/week09/iteratorsgenerators.pptx
@@ -34,7 +34,7 @@
   <p:notesSz cx="6858000" cy="9144000"/>
   <p:embeddedFontLst>
     <p:embeddedFont>
-      <p:font typeface="Cabin" panose="020B0604020202020204" charset="0"/>
+      <p:font typeface="Cabin" charset="0"/>
       <p:regular r:id="rId24"/>
       <p:bold r:id="rId25"/>
       <p:italic r:id="rId26"/>
@@ -245,7 +245,7 @@
   </p:defaultTextStyle>
   <p:extLst>
     <p:ext uri="{EFAFB233-063F-42B5-8137-9DF3F51BA10A}">
-      <p15:sldGuideLst xmlns:p15="http://schemas.microsoft.com/office/powerpoint/2012/main" xmlns="">
+      <p15:sldGuideLst xmlns="" xmlns:p15="http://schemas.microsoft.com/office/powerpoint/2012/main">
         <p15:guide id="1" orient="horz" pos="2880">
           <p15:clr>
             <a:srgbClr val="A4A3A4"/>
@@ -13354,11 +13354,6 @@
               </a:rPr>
               <a:t>Генераторы</a:t>
             </a:r>
-            <a:endParaRPr lang="ru-RU" sz="3200" dirty="0" smtClean="0">
-              <a:solidFill>
-                <a:schemeClr val="tx1"/>
-              </a:solidFill>
-            </a:endParaRPr>
           </a:p>
         </p:txBody>
       </p:sp>
@@ -14020,9 +14015,6 @@
               </a:rPr>
               <a:t>значение:</a:t>
             </a:r>
-            <a:endParaRPr lang="ru-RU" sz="3200" dirty="0" smtClean="0">
-              <a:latin typeface="+mn-lt"/>
-            </a:endParaRPr>
           </a:p>
           <a:p>
             <a:endParaRPr lang="ru-RU" sz="3200" dirty="0">
@@ -17385,7 +17377,7 @@
         </p:nvSpPr>
         <p:spPr>
           <a:xfrm>
-            <a:off x="8955490" y="5358348"/>
+            <a:off x="8955489" y="5358348"/>
             <a:ext cx="5906265" cy="3785652"/>
           </a:xfrm>
           <a:prstGeom prst="rect">
@@ -18247,7 +18239,34 @@
                 </a:solidFill>
                 <a:latin typeface="+mj-lt"/>
               </a:rPr>
-              <a:t>[0, 1, 2, 3, 42]</a:t>
+              <a:t>[0, 1</a:t>
+            </a:r>
+            <a:r>
+              <a:rPr lang="ru-RU" sz="3200">
+                <a:solidFill>
+                  <a:srgbClr val="888888"/>
+                </a:solidFill>
+                <a:latin typeface="+mj-lt"/>
+              </a:rPr>
+              <a:t>, </a:t>
+            </a:r>
+            <a:r>
+              <a:rPr lang="ru-RU" sz="3200" smtClean="0">
+                <a:solidFill>
+                  <a:srgbClr val="888888"/>
+                </a:solidFill>
+                <a:latin typeface="+mj-lt"/>
+              </a:rPr>
+              <a:t>2, </a:t>
+            </a:r>
+            <a:r>
+              <a:rPr lang="ru-RU" sz="3200" dirty="0">
+                <a:solidFill>
+                  <a:srgbClr val="888888"/>
+                </a:solidFill>
+                <a:latin typeface="+mj-lt"/>
+              </a:rPr>
+              <a:t>42]</a:t>
             </a:r>
           </a:p>
           <a:p>
@@ -21170,17 +21189,6 @@
               </a:rPr>
               <a:t>    </a:t>
             </a:r>
-            <a:endParaRPr kumimoji="0" lang="ru-RU" altLang="ru-RU" sz="3200" b="0" i="0" u="none" strike="noStrike" cap="none" normalizeH="0" baseline="0" dirty="0" smtClean="0">
-              <a:ln>
-                <a:noFill/>
-              </a:ln>
-              <a:solidFill>
-                <a:srgbClr val="000000"/>
-              </a:solidFill>
-              <a:effectLst/>
-              <a:latin typeface="Courier New" panose="02070309020205020404" pitchFamily="49" charset="0"/>
-              <a:cs typeface="Courier New" panose="02070309020205020404" pitchFamily="49" charset="0"/>
-            </a:endParaRPr>
           </a:p>
           <a:p>
             <a:pPr marL="0" marR="0" lvl="0" indent="0" algn="l" defTabSz="914400" rtl="0" eaLnBrk="0" fontAlgn="base" latinLnBrk="0" hangingPunct="0">
@@ -21370,21 +21378,7 @@
                 <a:latin typeface="Courier New" panose="02070309020205020404" pitchFamily="49" charset="0"/>
                 <a:cs typeface="Courier New" panose="02070309020205020404" pitchFamily="49" charset="0"/>
               </a:rPr>
-              <a:t> </a:t>
-            </a:r>
-            <a:r>
-              <a:rPr kumimoji="0" lang="ru-RU" altLang="ru-RU" sz="3200" b="0" i="0" u="none" strike="noStrike" cap="none" normalizeH="0" baseline="0" dirty="0" smtClean="0">
-                <a:ln>
-                  <a:noFill/>
-                </a:ln>
-                <a:solidFill>
-                  <a:srgbClr val="000080"/>
-                </a:solidFill>
-                <a:effectLst/>
-                <a:latin typeface="Courier New" panose="02070309020205020404" pitchFamily="49" charset="0"/>
-                <a:cs typeface="Courier New" panose="02070309020205020404" pitchFamily="49" charset="0"/>
-              </a:rPr>
-              <a:t>(</a:t>
+              <a:t> (</a:t>
             </a:r>
             <a:r>
               <a:rPr kumimoji="0" lang="ru-RU" altLang="ru-RU" sz="3200" b="0" i="0" u="none" strike="noStrike" cap="none" normalizeH="0" baseline="0" dirty="0" err="1" smtClean="0">

--- a/week09/iteratorsgenerators.pptx
+++ b/week09/iteratorsgenerators.pptx
@@ -7,7 +7,7 @@
     <p:sldMasterId id="2147483731" r:id="rId3"/>
   </p:sldMasterIdLst>
   <p:notesMasterIdLst>
-    <p:notesMasterId r:id="rId23"/>
+    <p:notesMasterId r:id="rId24"/>
   </p:notesMasterIdLst>
   <p:sldIdLst>
     <p:sldId id="285" r:id="rId4"/>
@@ -26,19 +26,20 @@
     <p:sldId id="389" r:id="rId17"/>
     <p:sldId id="390" r:id="rId18"/>
     <p:sldId id="391" r:id="rId19"/>
-    <p:sldId id="399" r:id="rId20"/>
-    <p:sldId id="393" r:id="rId21"/>
-    <p:sldId id="394" r:id="rId22"/>
+    <p:sldId id="404" r:id="rId20"/>
+    <p:sldId id="399" r:id="rId21"/>
+    <p:sldId id="393" r:id="rId22"/>
+    <p:sldId id="394" r:id="rId23"/>
   </p:sldIdLst>
   <p:sldSz cx="16256000" cy="9144000"/>
   <p:notesSz cx="6858000" cy="9144000"/>
   <p:embeddedFontLst>
     <p:embeddedFont>
-      <p:font typeface="Cabin" charset="0"/>
-      <p:regular r:id="rId24"/>
-      <p:bold r:id="rId25"/>
-      <p:italic r:id="rId26"/>
-      <p:boldItalic r:id="rId27"/>
+      <p:font typeface="Cabin" panose="020B0604020202020204" charset="0"/>
+      <p:regular r:id="rId25"/>
+      <p:bold r:id="rId26"/>
+      <p:italic r:id="rId27"/>
+      <p:boldItalic r:id="rId28"/>
     </p:embeddedFont>
   </p:embeddedFontLst>
   <p:defaultTextStyle>
@@ -245,7 +246,7 @@
   </p:defaultTextStyle>
   <p:extLst>
     <p:ext uri="{EFAFB233-063F-42B5-8137-9DF3F51BA10A}">
-      <p15:sldGuideLst xmlns="" xmlns:p15="http://schemas.microsoft.com/office/powerpoint/2012/main">
+      <p15:sldGuideLst xmlns:p15="http://schemas.microsoft.com/office/powerpoint/2012/main">
         <p15:guide id="1" orient="horz" pos="2880">
           <p15:clr>
             <a:srgbClr val="A4A3A4"/>
@@ -1292,6 +1293,116 @@
     </p:spTree>
     <p:extLst>
       <p:ext uri="{BB962C8B-B14F-4D97-AF65-F5344CB8AC3E}">
+        <p14:creationId xmlns:p14="http://schemas.microsoft.com/office/powerpoint/2010/main" val="1820701956"/>
+      </p:ext>
+    </p:extLst>
+  </p:cSld>
+  <p:clrMapOvr>
+    <a:masterClrMapping/>
+  </p:clrMapOvr>
+</p:notes>
+</file>
+
+<file path=ppt/notesSlides/notesSlide16.xml><?xml version="1.0" encoding="utf-8"?>
+<p:notes xmlns:a="http://schemas.openxmlformats.org/drawingml/2006/main" xmlns:r="http://schemas.openxmlformats.org/officeDocument/2006/relationships" xmlns:p="http://schemas.openxmlformats.org/presentationml/2006/main" showMasterSp="0" showMasterPhAnim="0">
+  <p:cSld>
+    <p:spTree>
+      <p:nvGrpSpPr>
+        <p:cNvPr id="1" name="Shape 209"/>
+        <p:cNvGrpSpPr/>
+        <p:nvPr/>
+      </p:nvGrpSpPr>
+      <p:grpSpPr>
+        <a:xfrm>
+          <a:off x="0" y="0"/>
+          <a:ext cx="0" cy="0"/>
+          <a:chOff x="0" y="0"/>
+          <a:chExt cx="0" cy="0"/>
+        </a:xfrm>
+      </p:grpSpPr>
+      <p:sp>
+        <p:nvSpPr>
+          <p:cNvPr id="210" name="Shape 210"/>
+          <p:cNvSpPr txBox="1">
+            <a:spLocks noGrp="1"/>
+          </p:cNvSpPr>
+          <p:nvPr>
+            <p:ph type="body" idx="1"/>
+          </p:nvPr>
+        </p:nvSpPr>
+        <p:spPr>
+          <a:xfrm>
+            <a:off x="685800" y="4343400"/>
+            <a:ext cx="5486399" cy="4114800"/>
+          </a:xfrm>
+          <a:prstGeom prst="rect">
+            <a:avLst/>
+          </a:prstGeom>
+          <a:noFill/>
+          <a:ln>
+            <a:noFill/>
+          </a:ln>
+        </p:spPr>
+        <p:txBody>
+          <a:bodyPr lIns="91425" tIns="91425" rIns="91425" bIns="91425" anchor="ctr" anchorCtr="0">
+            <a:noAutofit/>
+          </a:bodyPr>
+          <a:lstStyle/>
+          <a:p>
+            <a:pPr lvl="0">
+              <a:spcBef>
+                <a:spcPts val="0"/>
+              </a:spcBef>
+              <a:buNone/>
+            </a:pPr>
+            <a:endParaRPr/>
+          </a:p>
+        </p:txBody>
+      </p:sp>
+      <p:sp>
+        <p:nvSpPr>
+          <p:cNvPr id="211" name="Shape 211"/>
+          <p:cNvSpPr>
+            <a:spLocks noGrp="1" noRot="1" noChangeAspect="1"/>
+          </p:cNvSpPr>
+          <p:nvPr>
+            <p:ph type="sldImg" idx="2"/>
+          </p:nvPr>
+        </p:nvSpPr>
+        <p:spPr>
+          <a:xfrm>
+            <a:off x="381000" y="685800"/>
+            <a:ext cx="6096000" cy="3429000"/>
+          </a:xfrm>
+          <a:custGeom>
+            <a:avLst/>
+            <a:gdLst/>
+            <a:ahLst/>
+            <a:cxnLst/>
+            <a:rect l="0" t="0" r="0" b="0"/>
+            <a:pathLst>
+              <a:path w="120000" h="120000" extrusionOk="0">
+                <a:moveTo>
+                  <a:pt x="0" y="0"/>
+                </a:moveTo>
+                <a:lnTo>
+                  <a:pt x="120000" y="0"/>
+                </a:lnTo>
+                <a:lnTo>
+                  <a:pt x="120000" y="120000"/>
+                </a:lnTo>
+                <a:lnTo>
+                  <a:pt x="0" y="120000"/>
+                </a:lnTo>
+                <a:close/>
+              </a:path>
+            </a:pathLst>
+          </a:custGeom>
+        </p:spPr>
+      </p:sp>
+    </p:spTree>
+    <p:extLst>
+      <p:ext uri="{BB962C8B-B14F-4D97-AF65-F5344CB8AC3E}">
         <p14:creationId xmlns:p14="http://schemas.microsoft.com/office/powerpoint/2010/main" val="3497921806"/>
       </p:ext>
     </p:extLst>
@@ -1302,7 +1413,7 @@
 </p:notes>
 </file>
 
-<file path=ppt/notesSlides/notesSlide16.xml><?xml version="1.0" encoding="utf-8"?>
+<file path=ppt/notesSlides/notesSlide17.xml><?xml version="1.0" encoding="utf-8"?>
 <p:notes xmlns:a="http://schemas.openxmlformats.org/drawingml/2006/main" xmlns:r="http://schemas.openxmlformats.org/officeDocument/2006/relationships" xmlns:p="http://schemas.openxmlformats.org/presentationml/2006/main" showMasterSp="0" showMasterPhAnim="0">
   <p:cSld>
     <p:spTree>
@@ -1412,7 +1523,7 @@
 </p:notes>
 </file>
 
-<file path=ppt/notesSlides/notesSlide17.xml><?xml version="1.0" encoding="utf-8"?>
+<file path=ppt/notesSlides/notesSlide18.xml><?xml version="1.0" encoding="utf-8"?>
 <p:notes xmlns:a="http://schemas.openxmlformats.org/drawingml/2006/main" xmlns:r="http://schemas.openxmlformats.org/officeDocument/2006/relationships" xmlns:p="http://schemas.openxmlformats.org/presentationml/2006/main" showMasterSp="0" showMasterPhAnim="0">
   <p:cSld>
     <p:spTree>
@@ -13234,19 +13345,15 @@
           <a:lstStyle/>
           <a:p>
             <a:r>
-              <a:rPr lang="ru-RU" sz="4800" dirty="0" smtClean="0"/>
+              <a:rPr lang="ru-RU" sz="4800" dirty="0"/>
               <a:t>Программирование на </a:t>
             </a:r>
             <a:r>
-              <a:rPr lang="ru-RU" sz="4800" dirty="0" err="1" smtClean="0"/>
+              <a:rPr lang="ru-RU" sz="4800" dirty="0" err="1"/>
               <a:t>Python</a:t>
             </a:r>
-            <a:r>
-              <a:rPr lang="ru-RU" dirty="0" smtClean="0"/>
-              <a:t/>
-            </a:r>
             <a:br>
-              <a:rPr lang="ru-RU" dirty="0" smtClean="0"/>
+              <a:rPr lang="ru-RU" dirty="0"/>
             </a:br>
             <a:endParaRPr lang="ru-RU" dirty="0"/>
           </a:p>
@@ -13278,7 +13385,7 @@
           <a:lstStyle/>
           <a:p>
             <a:r>
-              <a:rPr lang="ru-RU" sz="3200" dirty="0" smtClean="0">
+              <a:rPr lang="ru-RU" sz="3200" dirty="0">
                 <a:solidFill>
                   <a:schemeClr val="tx1"/>
                 </a:solidFill>
@@ -13286,7 +13393,7 @@
               <a:t>Лекция 1</a:t>
             </a:r>
             <a:r>
-              <a:rPr lang="en-US" sz="3200" dirty="0" smtClean="0">
+              <a:rPr lang="en-US" sz="3200" dirty="0">
                 <a:solidFill>
                   <a:schemeClr val="tx1"/>
                 </a:solidFill>
@@ -13313,41 +13420,28 @@
                   <a:schemeClr val="tx1"/>
                 </a:solidFill>
               </a:rPr>
-              <a:t>Методы </a:t>
-            </a:r>
-            <a:r>
-              <a:rPr lang="ru-RU" sz="3200" dirty="0" smtClean="0">
+              <a:t>Методы классов</a:t>
+            </a:r>
+          </a:p>
+          <a:p>
+            <a:r>
+              <a:rPr lang="ru-RU" sz="3200" dirty="0">
                 <a:solidFill>
                   <a:schemeClr val="tx1"/>
                 </a:solidFill>
               </a:rPr>
-              <a:t>классов</a:t>
-            </a:r>
-            <a:endParaRPr lang="ru-RU" sz="3200" dirty="0">
+              <a:t>Итераторы</a:t>
+            </a:r>
+            <a:endParaRPr lang="en-US" sz="3200" dirty="0">
               <a:solidFill>
                 <a:schemeClr val="tx1"/>
               </a:solidFill>
             </a:endParaRPr>
           </a:p>
           <a:p>
-            <a:r>
-              <a:rPr lang="ru-RU" sz="3200" dirty="0" smtClean="0">
-                <a:solidFill>
-                  <a:schemeClr val="tx1"/>
-                </a:solidFill>
-              </a:rPr>
-              <a:t>Итераторы</a:t>
-            </a:r>
-            <a:endParaRPr lang="en-US" sz="3200" dirty="0" smtClean="0">
-              <a:solidFill>
-                <a:schemeClr val="tx1"/>
-              </a:solidFill>
-            </a:endParaRPr>
-          </a:p>
-          <a:p>
             <a:pPr lvl="0"/>
             <a:r>
-              <a:rPr lang="ru-RU" sz="3200" dirty="0" smtClean="0">
+              <a:rPr lang="ru-RU" sz="3200" dirty="0">
                 <a:solidFill>
                   <a:schemeClr val="tx1"/>
                 </a:solidFill>
@@ -13367,13 +13461,6 @@
   <p:clrMapOvr>
     <a:masterClrMapping/>
   </p:clrMapOvr>
-  <p:timing>
-    <p:tnLst>
-      <p:par>
-        <p:cTn id="1" dur="indefinite" restart="never" nodeType="tmRoot"/>
-      </p:par>
-    </p:tnLst>
-  </p:timing>
 </p:sld>
 </file>
 
@@ -13438,7 +13525,7 @@
               <a:buSzPct val="25000"/>
             </a:pPr>
             <a:r>
-              <a:rPr lang="ru-RU" sz="7800" dirty="0" smtClean="0">
+              <a:rPr lang="ru-RU" sz="7800" dirty="0">
                 <a:solidFill>
                   <a:srgbClr val="00FF00"/>
                 </a:solidFill>
@@ -13483,24 +13570,12 @@
           <a:lstStyle/>
           <a:p>
             <a:r>
-              <a:rPr lang="ru-RU" sz="3200" dirty="0" smtClean="0">
-                <a:latin typeface="+mn-lt"/>
-              </a:rPr>
-              <a:t>Реализация </a:t>
-            </a:r>
-            <a:r>
               <a:rPr lang="ru-RU" sz="3200" dirty="0">
                 <a:latin typeface="+mn-lt"/>
               </a:rPr>
-              <a:t>итераторов состоит из двух методов</a:t>
-            </a:r>
-            <a:r>
-              <a:rPr lang="ru-RU" sz="3200" dirty="0" smtClean="0">
-                <a:latin typeface="+mn-lt"/>
-              </a:rPr>
-              <a:t>:</a:t>
-            </a:r>
-            <a:endParaRPr lang="en-US" sz="3200" dirty="0" smtClean="0">
+              <a:t>Реализация итераторов состоит из двух методов:</a:t>
+            </a:r>
+            <a:endParaRPr lang="en-US" sz="3200" dirty="0">
               <a:latin typeface="+mn-lt"/>
             </a:endParaRPr>
           </a:p>
@@ -13512,7 +13587,7 @@
           <a:p>
             <a:pPr lvl="7"/>
             <a:r>
-              <a:rPr lang="en-US" sz="3200" dirty="0" smtClean="0">
+              <a:rPr lang="en-US" sz="3200" dirty="0">
                 <a:solidFill>
                   <a:srgbClr val="3333B3"/>
                 </a:solidFill>
@@ -13521,7 +13596,7 @@
               <a:t>	</a:t>
             </a:r>
             <a:r>
-              <a:rPr lang="ru-RU" sz="3200" dirty="0" smtClean="0">
+              <a:rPr lang="ru-RU" sz="3200" dirty="0">
                 <a:solidFill>
                   <a:srgbClr val="3333B3"/>
                 </a:solidFill>
@@ -13533,31 +13608,19 @@
               <a:rPr lang="ru-RU" sz="3200" dirty="0">
                 <a:latin typeface="+mn-lt"/>
               </a:rPr>
-              <a:t>Метод __iter__ возвращает экземпляр класса</a:t>
-            </a:r>
-            <a:r>
-              <a:rPr lang="ru-RU" sz="3200" dirty="0" smtClean="0">
+              <a:t>Метод __iter__ возвращает экземпляр класса,</a:t>
+            </a:r>
+            <a:r>
+              <a:rPr lang="en-US" sz="3200" dirty="0">
                 <a:latin typeface="+mn-lt"/>
               </a:rPr>
-              <a:t>,</a:t>
-            </a:r>
-            <a:r>
-              <a:rPr lang="en-US" sz="3200" dirty="0" smtClean="0">
-                <a:latin typeface="+mn-lt"/>
-              </a:rPr>
               <a:t> </a:t>
-            </a:r>
-            <a:r>
-              <a:rPr lang="ru-RU" sz="3200" dirty="0" smtClean="0">
-                <a:latin typeface="+mn-lt"/>
-              </a:rPr>
-              <a:t>реализующего </a:t>
             </a:r>
             <a:r>
               <a:rPr lang="ru-RU" sz="3200" dirty="0">
                 <a:latin typeface="+mn-lt"/>
               </a:rPr>
-              <a:t>протокол итераторов, например, </a:t>
+              <a:t>реализующего протокол итераторов, например, </a:t>
             </a:r>
             <a:r>
               <a:rPr lang="ru-RU" sz="3200" dirty="0">
@@ -13569,12 +13632,12 @@
               <a:t>self</a:t>
             </a:r>
             <a:r>
-              <a:rPr lang="ru-RU" sz="3200" dirty="0" smtClean="0">
+              <a:rPr lang="ru-RU" sz="3200" dirty="0">
                 <a:latin typeface="+mn-lt"/>
               </a:rPr>
               <a:t>.</a:t>
             </a:r>
-            <a:endParaRPr lang="en-US" sz="3200" dirty="0" smtClean="0">
+            <a:endParaRPr lang="en-US" sz="3200" dirty="0">
               <a:latin typeface="+mn-lt"/>
             </a:endParaRPr>
           </a:p>
@@ -13587,7 +13650,7 @@
           <a:p>
             <a:pPr lvl="7"/>
             <a:r>
-              <a:rPr lang="en-US" sz="3200" dirty="0" smtClean="0">
+              <a:rPr lang="en-US" sz="3200" dirty="0">
                 <a:solidFill>
                   <a:srgbClr val="3333B3"/>
                 </a:solidFill>
@@ -13596,7 +13659,7 @@
               <a:t>	</a:t>
             </a:r>
             <a:r>
-              <a:rPr lang="ru-RU" sz="3200" dirty="0" smtClean="0">
+              <a:rPr lang="ru-RU" sz="3200" dirty="0">
                 <a:solidFill>
                   <a:srgbClr val="3333B3"/>
                 </a:solidFill>
@@ -13608,55 +13671,31 @@
               <a:rPr lang="ru-RU" sz="3200" dirty="0">
                 <a:latin typeface="+mn-lt"/>
               </a:rPr>
-              <a:t>Метод __next__ возвращает следующий по </a:t>
-            </a:r>
-            <a:r>
-              <a:rPr lang="ru-RU" sz="3200" dirty="0" smtClean="0">
+              <a:t>Метод __next__ возвращает следующий по порядку</a:t>
+            </a:r>
+            <a:r>
+              <a:rPr lang="en-US" sz="3200" dirty="0">
                 <a:latin typeface="+mn-lt"/>
               </a:rPr>
-              <a:t>порядку</a:t>
-            </a:r>
-            <a:r>
-              <a:rPr lang="en-US" sz="3200" dirty="0" smtClean="0">
-                <a:latin typeface="+mn-lt"/>
-              </a:rPr>
               <a:t> </a:t>
-            </a:r>
-            <a:r>
-              <a:rPr lang="ru-RU" sz="3200" dirty="0" smtClean="0">
-                <a:latin typeface="+mn-lt"/>
-              </a:rPr>
-              <a:t>элемент </a:t>
             </a:r>
             <a:r>
               <a:rPr lang="ru-RU" sz="3200" dirty="0">
                 <a:latin typeface="+mn-lt"/>
               </a:rPr>
-              <a:t>итератора. Если такого элемента нет, то </a:t>
-            </a:r>
-            <a:r>
-              <a:rPr lang="ru-RU" sz="3200" dirty="0" smtClean="0">
+              <a:t>элемент итератора. Если такого элемента нет, то метод</a:t>
+            </a:r>
+            <a:r>
+              <a:rPr lang="en-US" sz="3200" dirty="0">
                 <a:latin typeface="+mn-lt"/>
               </a:rPr>
-              <a:t>метод</a:t>
-            </a:r>
-            <a:r>
-              <a:rPr lang="en-US" sz="3200" dirty="0" smtClean="0">
-                <a:latin typeface="+mn-lt"/>
-              </a:rPr>
               <a:t> </a:t>
-            </a:r>
-            <a:r>
-              <a:rPr lang="ru-RU" sz="3200" dirty="0" smtClean="0">
-                <a:latin typeface="+mn-lt"/>
-              </a:rPr>
-              <a:t>должен </a:t>
             </a:r>
             <a:r>
               <a:rPr lang="ru-RU" sz="3200" dirty="0">
                 <a:latin typeface="+mn-lt"/>
               </a:rPr>
-              <a:t>поднять исключение </a:t>
+              <a:t>должен поднять исключение </a:t>
             </a:r>
             <a:r>
               <a:rPr lang="en-US" sz="3200" b="1" dirty="0" err="1">
@@ -13668,7 +13707,7 @@
               <a:t>StopIteration</a:t>
             </a:r>
             <a:r>
-              <a:rPr lang="en-US" sz="3200" dirty="0" smtClean="0">
+              <a:rPr lang="en-US" sz="3200" dirty="0">
                 <a:latin typeface="+mn-lt"/>
               </a:rPr>
               <a:t>.</a:t>
@@ -13682,7 +13721,7 @@
           </a:p>
           <a:p>
             <a:r>
-              <a:rPr lang="en-US" sz="3200" dirty="0" smtClean="0">
+              <a:rPr lang="en-US" sz="3200" dirty="0">
                 <a:solidFill>
                   <a:srgbClr val="3333B3"/>
                 </a:solidFill>
@@ -13691,7 +13730,7 @@
               <a:t>	</a:t>
             </a:r>
             <a:r>
-              <a:rPr lang="ru-RU" sz="3200" dirty="0" smtClean="0">
+              <a:rPr lang="ru-RU" sz="3200" dirty="0">
                 <a:solidFill>
                   <a:srgbClr val="3333B3"/>
                 </a:solidFill>
@@ -13700,82 +13739,58 @@
               <a:t>• </a:t>
             </a:r>
             <a:r>
-              <a:rPr lang="ru-RU" sz="3200" dirty="0" smtClean="0">
+              <a:rPr lang="ru-RU" sz="3200" dirty="0">
                 <a:solidFill>
                   <a:schemeClr val="bg2"/>
                 </a:solidFill>
                 <a:latin typeface="+mn-lt"/>
               </a:rPr>
               <a:t>Е</a:t>
-            </a:r>
-            <a:r>
-              <a:rPr lang="ru-RU" sz="3200" dirty="0" smtClean="0">
-                <a:latin typeface="+mn-lt"/>
-              </a:rPr>
-              <a:t>сли метод </a:t>
             </a:r>
             <a:r>
               <a:rPr lang="ru-RU" sz="3200" dirty="0">
                 <a:latin typeface="+mn-lt"/>
               </a:rPr>
-              <a:t>__next__</a:t>
-            </a:r>
-            <a:r>
-              <a:rPr lang="ru-RU" sz="3200" dirty="0" smtClean="0">
+              <a:t>сли метод __next__ поднял</a:t>
+            </a:r>
+            <a:r>
+              <a:rPr lang="en-US" sz="3200" dirty="0">
                 <a:latin typeface="+mn-lt"/>
               </a:rPr>
-              <a:t> поднял</a:t>
-            </a:r>
-            <a:r>
-              <a:rPr lang="en-US" sz="3200" dirty="0" smtClean="0">
-                <a:latin typeface="+mn-lt"/>
-              </a:rPr>
               <a:t> </a:t>
-            </a:r>
-            <a:r>
-              <a:rPr lang="ru-RU" sz="3200" dirty="0" smtClean="0">
-                <a:latin typeface="+mn-lt"/>
-              </a:rPr>
-              <a:t>исключение </a:t>
-            </a:r>
-            <a:r>
-              <a:rPr lang="ru-RU" sz="3200" b="1" dirty="0">
-                <a:solidFill>
-                  <a:srgbClr val="D2403B"/>
-                </a:solidFill>
-                <a:latin typeface="+mn-lt"/>
-              </a:rPr>
-              <a:t>StopIteration</a:t>
             </a:r>
             <a:r>
               <a:rPr lang="ru-RU" sz="3200" dirty="0">
                 <a:latin typeface="+mn-lt"/>
               </a:rPr>
-              <a:t>, то все последующие </a:t>
-            </a:r>
-            <a:r>
-              <a:rPr lang="ru-RU" sz="3200" dirty="0" smtClean="0">
+              <a:t>исключение </a:t>
+            </a:r>
+            <a:r>
+              <a:rPr lang="ru-RU" sz="3200" b="1" dirty="0">
+                <a:solidFill>
+                  <a:srgbClr val="D2403B"/>
+                </a:solidFill>
                 <a:latin typeface="+mn-lt"/>
               </a:rPr>
-              <a:t>вызовы</a:t>
-            </a:r>
-            <a:r>
-              <a:rPr lang="en-US" sz="3200" dirty="0" smtClean="0">
-                <a:latin typeface="+mn-lt"/>
-              </a:rPr>
-              <a:t> </a:t>
-            </a:r>
-            <a:r>
-              <a:rPr lang="ru-RU" sz="3200" dirty="0" smtClean="0">
-                <a:latin typeface="+mn-lt"/>
-              </a:rPr>
-              <a:t>метода </a:t>
+              <a:t>StopIteration</a:t>
             </a:r>
             <a:r>
               <a:rPr lang="ru-RU" sz="3200" dirty="0">
                 <a:latin typeface="+mn-lt"/>
               </a:rPr>
-              <a:t>__next__ тоже должны поднимать исключение.</a:t>
+              <a:t>, то все последующие вызовы</a:t>
+            </a:r>
+            <a:r>
+              <a:rPr lang="en-US" sz="3200" dirty="0">
+                <a:latin typeface="+mn-lt"/>
+              </a:rPr>
+              <a:t> </a:t>
+            </a:r>
+            <a:r>
+              <a:rPr lang="ru-RU" sz="3200" dirty="0">
+                <a:latin typeface="+mn-lt"/>
+              </a:rPr>
+              <a:t>метода __next__ тоже должны поднимать исключение.</a:t>
             </a:r>
           </a:p>
         </p:txBody>
@@ -13790,13 +13805,6 @@
   <p:clrMapOvr>
     <a:masterClrMapping/>
   </p:clrMapOvr>
-  <p:timing>
-    <p:tnLst>
-      <p:par>
-        <p:cTn id="1" dur="indefinite" restart="never" nodeType="tmRoot"/>
-      </p:par>
-    </p:tnLst>
-  </p:timing>
 </p:sld>
 </file>
 
@@ -13861,7 +13869,7 @@
               <a:buSzPct val="25000"/>
             </a:pPr>
             <a:r>
-              <a:rPr lang="ru-RU" sz="7800" dirty="0" smtClean="0">
+              <a:rPr lang="ru-RU" sz="7800" dirty="0">
                 <a:solidFill>
                   <a:srgbClr val="00FF00"/>
                 </a:solidFill>
@@ -13927,15 +13935,9 @@
               <a:rPr lang="ru-RU" sz="3200" dirty="0">
                 <a:latin typeface="+mn-lt"/>
               </a:rPr>
-              <a:t>две формы вызова</a:t>
-            </a:r>
-            <a:r>
-              <a:rPr lang="ru-RU" sz="3200" dirty="0" smtClean="0">
-                <a:latin typeface="+mn-lt"/>
-              </a:rPr>
-              <a:t>:</a:t>
-            </a:r>
-            <a:endParaRPr lang="en-US" sz="3200" dirty="0" smtClean="0">
+              <a:t>две формы вызова:</a:t>
+            </a:r>
+            <a:endParaRPr lang="en-US" sz="3200" dirty="0">
               <a:latin typeface="+mn-lt"/>
             </a:endParaRPr>
           </a:p>
@@ -13946,7 +13948,7 @@
           </a:p>
           <a:p>
             <a:r>
-              <a:rPr lang="ru-RU" sz="3200" dirty="0" smtClean="0">
+              <a:rPr lang="ru-RU" sz="3200" dirty="0">
                 <a:solidFill>
                   <a:srgbClr val="3333B3"/>
                 </a:solidFill>
@@ -13967,12 +13969,12 @@
               <a:t>iter</a:t>
             </a:r>
             <a:r>
-              <a:rPr lang="ru-RU" sz="3200" dirty="0" smtClean="0">
+              <a:rPr lang="ru-RU" sz="3200" dirty="0">
                 <a:latin typeface="+mn-lt"/>
               </a:rPr>
               <a:t>__,</a:t>
             </a:r>
-            <a:endParaRPr lang="en-US" sz="3200" dirty="0" smtClean="0">
+            <a:endParaRPr lang="en-US" sz="3200" dirty="0">
               <a:latin typeface="+mn-lt"/>
             </a:endParaRPr>
           </a:p>
@@ -13983,7 +13985,7 @@
           </a:p>
           <a:p>
             <a:r>
-              <a:rPr lang="ru-RU" sz="3200" dirty="0" smtClean="0">
+              <a:rPr lang="ru-RU" sz="3200" dirty="0">
                 <a:solidFill>
                   <a:srgbClr val="3333B3"/>
                 </a:solidFill>
@@ -13995,25 +13997,7 @@
               <a:rPr lang="ru-RU" sz="3200" dirty="0">
                 <a:latin typeface="+mn-lt"/>
               </a:rPr>
-              <a:t>принимает функцию и терминальное значение и </a:t>
-            </a:r>
-            <a:r>
-              <a:rPr lang="ru-RU" sz="3200" dirty="0" smtClean="0">
-                <a:latin typeface="+mn-lt"/>
-              </a:rPr>
-              <a:t>вызывает функцию </a:t>
-            </a:r>
-            <a:r>
-              <a:rPr lang="ru-RU" sz="3200" dirty="0">
-                <a:latin typeface="+mn-lt"/>
-              </a:rPr>
-              <a:t>до тех пор, пока она не вернёт нужное </a:t>
-            </a:r>
-            <a:r>
-              <a:rPr lang="ru-RU" sz="3200" dirty="0" smtClean="0">
-                <a:latin typeface="+mn-lt"/>
-              </a:rPr>
-              <a:t>значение:</a:t>
+              <a:t>принимает функцию и терминальное значение и вызывает функцию до тех пор, пока она не вернёт нужное значение:</a:t>
             </a:r>
           </a:p>
           <a:p>
@@ -14033,13 +14017,6 @@
   <p:clrMapOvr>
     <a:masterClrMapping/>
   </p:clrMapOvr>
-  <p:timing>
-    <p:tnLst>
-      <p:par>
-        <p:cTn id="1" dur="indefinite" restart="never" nodeType="tmRoot"/>
-      </p:par>
-    </p:tnLst>
-  </p:timing>
 </p:sld>
 </file>
 
@@ -14116,7 +14093,7 @@
               <a:t>O</a:t>
             </a:r>
             <a:r>
-              <a:rPr lang="ru-RU" sz="7800" dirty="0" smtClean="0">
+              <a:rPr lang="ru-RU" sz="7800" dirty="0">
                 <a:solidFill>
                   <a:srgbClr val="00FF00"/>
                 </a:solidFill>
@@ -14125,19 +14102,7 @@
                 <a:cs typeface="Cabin"/>
                 <a:sym typeface="Cabin"/>
               </a:rPr>
-              <a:t>ператоры </a:t>
-            </a:r>
-            <a:r>
-              <a:rPr lang="ru-RU" sz="7800" dirty="0">
-                <a:solidFill>
-                  <a:srgbClr val="00FF00"/>
-                </a:solidFill>
-                <a:latin typeface="Cabin"/>
-                <a:ea typeface="Cabin"/>
-                <a:cs typeface="Cabin"/>
-                <a:sym typeface="Cabin"/>
-              </a:rPr>
-              <a:t>in и not in</a:t>
+              <a:t>ператоры in и not in</a:t>
             </a:r>
             <a:endParaRPr lang="en-US" sz="7800" dirty="0">
               <a:solidFill>
@@ -14206,54 +14171,24 @@
               <a:rPr lang="ru-RU" sz="3200" dirty="0">
                 <a:latin typeface="+mj-lt"/>
               </a:rPr>
-              <a:t>используют “магический” </a:t>
-            </a:r>
-            <a:r>
-              <a:rPr lang="ru-RU" sz="3200" dirty="0" smtClean="0">
+              <a:t>используют “магический” метод __contains__, который возвращает </a:t>
+            </a:r>
+            <a:r>
+              <a:rPr lang="ru-RU" sz="3200" b="1" dirty="0">
+                <a:solidFill>
+                  <a:srgbClr val="008000"/>
+                </a:solidFill>
                 <a:latin typeface="+mj-lt"/>
               </a:rPr>
-              <a:t>метод __</a:t>
+              <a:t>True</a:t>
             </a:r>
             <a:r>
               <a:rPr lang="ru-RU" sz="3200" dirty="0">
                 <a:latin typeface="+mj-lt"/>
               </a:rPr>
-              <a:t>contains__, который возвращает </a:t>
-            </a:r>
-            <a:r>
-              <a:rPr lang="ru-RU" sz="3200" b="1" dirty="0">
-                <a:solidFill>
-                  <a:srgbClr val="008000"/>
-                </a:solidFill>
-                <a:latin typeface="+mj-lt"/>
-              </a:rPr>
-              <a:t>True</a:t>
-            </a:r>
-            <a:r>
-              <a:rPr lang="ru-RU" sz="3200" dirty="0">
-                <a:latin typeface="+mj-lt"/>
-              </a:rPr>
-              <a:t>, если </a:t>
-            </a:r>
-            <a:r>
-              <a:rPr lang="ru-RU" sz="3200" dirty="0" smtClean="0">
-                <a:latin typeface="+mj-lt"/>
-              </a:rPr>
-              <a:t>переданный элемент </a:t>
-            </a:r>
-            <a:r>
-              <a:rPr lang="ru-RU" sz="3200" dirty="0">
-                <a:latin typeface="+mj-lt"/>
-              </a:rPr>
-              <a:t>содержится в экземпляре класса</a:t>
-            </a:r>
-            <a:r>
-              <a:rPr lang="ru-RU" sz="3200" dirty="0" smtClean="0">
-                <a:latin typeface="+mj-lt"/>
-              </a:rPr>
-              <a:t>.</a:t>
-            </a:r>
-            <a:endParaRPr lang="en-US" sz="3200" dirty="0" smtClean="0">
+              <a:t>, если переданный элемент содержится в экземпляре класса.</a:t>
+            </a:r>
+            <a:endParaRPr lang="en-US" sz="3200" dirty="0">
               <a:latin typeface="+mj-lt"/>
             </a:endParaRPr>
           </a:p>
@@ -14276,37 +14211,25 @@
               <a:rPr lang="ru-RU" sz="3200" dirty="0">
                 <a:latin typeface="+mj-lt"/>
               </a:rPr>
-              <a:t>По умолчанию метод __contains__ реализован </a:t>
-            </a:r>
-            <a:r>
-              <a:rPr lang="ru-RU" sz="3200" dirty="0" smtClean="0">
+              <a:t>По умолчанию метод __contains__ реализован через</a:t>
+            </a:r>
+            <a:r>
+              <a:rPr lang="en-US" sz="3200" dirty="0">
                 <a:latin typeface="+mj-lt"/>
               </a:rPr>
-              <a:t>через</a:t>
-            </a:r>
-            <a:r>
-              <a:rPr lang="en-US" sz="3200" dirty="0" smtClean="0">
-                <a:latin typeface="+mj-lt"/>
-              </a:rPr>
               <a:t> </a:t>
-            </a:r>
-            <a:r>
-              <a:rPr lang="ru-RU" sz="3200" dirty="0" smtClean="0">
-                <a:latin typeface="+mj-lt"/>
-              </a:rPr>
-              <a:t>протокол </a:t>
             </a:r>
             <a:r>
               <a:rPr lang="ru-RU" sz="3200" dirty="0">
                 <a:latin typeface="+mj-lt"/>
               </a:rPr>
-              <a:t>итераторов:</a:t>
+              <a:t>протокол итераторов:</a:t>
             </a:r>
           </a:p>
           <a:p>
             <a:pPr lvl="1"/>
             <a:r>
-              <a:rPr lang="en-US" sz="3200" b="1" dirty="0" smtClean="0">
+              <a:rPr lang="en-US" sz="3200" b="1" dirty="0">
                 <a:solidFill>
                   <a:srgbClr val="008000"/>
                 </a:solidFill>
@@ -14333,7 +14256,7 @@
           <a:p>
             <a:pPr lvl="3"/>
             <a:r>
-              <a:rPr lang="ru-RU" sz="3200" dirty="0" smtClean="0">
+              <a:rPr lang="ru-RU" sz="3200" dirty="0">
                 <a:solidFill>
                   <a:srgbClr val="408080"/>
                 </a:solidFill>
@@ -14342,7 +14265,7 @@
               <a:t>	</a:t>
             </a:r>
             <a:r>
-              <a:rPr lang="en-US" sz="3200" dirty="0" smtClean="0">
+              <a:rPr lang="en-US" sz="3200" dirty="0">
                 <a:solidFill>
                   <a:srgbClr val="408080"/>
                 </a:solidFill>
@@ -14351,28 +14274,28 @@
               <a:t>	</a:t>
             </a:r>
             <a:r>
-              <a:rPr lang="ru-RU" sz="3200" dirty="0" smtClean="0">
+              <a:rPr lang="ru-RU" sz="3200" dirty="0">
                 <a:solidFill>
                   <a:srgbClr val="408080"/>
                 </a:solidFill>
                 <a:latin typeface="+mj-lt"/>
               </a:rPr>
-              <a:t># </a:t>
-            </a:r>
-            <a:r>
-              <a:rPr lang="ru-RU" sz="3200" dirty="0">
-                <a:solidFill>
-                  <a:srgbClr val="408080"/>
+              <a:t># ...</a:t>
+            </a:r>
+          </a:p>
+          <a:p>
+            <a:pPr lvl="3"/>
+            <a:r>
+              <a:rPr lang="ru-RU" sz="3200" b="1" dirty="0">
+                <a:solidFill>
+                  <a:srgbClr val="008000"/>
                 </a:solidFill>
                 <a:latin typeface="+mj-lt"/>
               </a:rPr>
-              <a:t>...</a:t>
-            </a:r>
-          </a:p>
-          <a:p>
-            <a:pPr lvl="3"/>
-            <a:r>
-              <a:rPr lang="ru-RU" sz="3200" b="1" dirty="0" smtClean="0">
+              <a:t>	</a:t>
+            </a:r>
+            <a:r>
+              <a:rPr lang="en-US" sz="3200" b="1" dirty="0">
                 <a:solidFill>
                   <a:srgbClr val="008000"/>
                 </a:solidFill>
@@ -14381,25 +14304,16 @@
               <a:t>	</a:t>
             </a:r>
             <a:r>
-              <a:rPr lang="en-US" sz="3200" b="1" dirty="0" smtClean="0">
+              <a:rPr lang="en-US" sz="3200" b="1" dirty="0" err="1">
                 <a:solidFill>
                   <a:srgbClr val="008000"/>
                 </a:solidFill>
                 <a:latin typeface="+mj-lt"/>
               </a:rPr>
-              <a:t>	</a:t>
-            </a:r>
-            <a:r>
-              <a:rPr lang="en-US" sz="3200" b="1" dirty="0" err="1" smtClean="0">
-                <a:solidFill>
-                  <a:srgbClr val="008000"/>
-                </a:solidFill>
-                <a:latin typeface="+mj-lt"/>
-              </a:rPr>
               <a:t>def</a:t>
             </a:r>
             <a:r>
-              <a:rPr lang="en-US" sz="3200" b="1" dirty="0" smtClean="0">
+              <a:rPr lang="en-US" sz="3200" b="1" dirty="0">
                 <a:solidFill>
                   <a:srgbClr val="008000"/>
                 </a:solidFill>
@@ -14441,7 +14355,7 @@
           <a:p>
             <a:pPr lvl="4"/>
             <a:r>
-              <a:rPr lang="ru-RU" sz="3200" b="1" dirty="0" smtClean="0">
+              <a:rPr lang="ru-RU" sz="3200" b="1" dirty="0">
                 <a:solidFill>
                   <a:srgbClr val="008000"/>
                 </a:solidFill>
@@ -14450,7 +14364,7 @@
               <a:t>		</a:t>
             </a:r>
             <a:r>
-              <a:rPr lang="en-US" sz="3200" b="1" dirty="0" smtClean="0">
+              <a:rPr lang="en-US" sz="3200" b="1" dirty="0">
                 <a:solidFill>
                   <a:srgbClr val="008000"/>
                 </a:solidFill>
@@ -14483,19 +14397,19 @@
               <a:t>self</a:t>
             </a:r>
             <a:r>
-              <a:rPr lang="en-US" sz="3200" dirty="0" smtClean="0">
+              <a:rPr lang="en-US" sz="3200" dirty="0">
                 <a:latin typeface="+mj-lt"/>
               </a:rPr>
               <a:t>:</a:t>
             </a:r>
-            <a:endParaRPr lang="ru-RU" sz="3200" dirty="0" smtClean="0">
+            <a:endParaRPr lang="ru-RU" sz="3200" dirty="0">
               <a:latin typeface="+mj-lt"/>
             </a:endParaRPr>
           </a:p>
           <a:p>
             <a:pPr lvl="4"/>
             <a:r>
-              <a:rPr lang="ru-RU" sz="3200" b="1" dirty="0" smtClean="0">
+              <a:rPr lang="ru-RU" sz="3200" b="1" dirty="0">
                 <a:solidFill>
                   <a:srgbClr val="008000"/>
                 </a:solidFill>
@@ -14504,7 +14418,7 @@
               <a:t>		</a:t>
             </a:r>
             <a:r>
-              <a:rPr lang="en-US" sz="3200" b="1" dirty="0" smtClean="0">
+              <a:rPr lang="en-US" sz="3200" b="1" dirty="0">
                 <a:solidFill>
                   <a:srgbClr val="008000"/>
                 </a:solidFill>
@@ -14513,7 +14427,7 @@
               <a:t>	</a:t>
             </a:r>
             <a:r>
-              <a:rPr lang="ru-RU" sz="3200" b="1" dirty="0" smtClean="0">
+              <a:rPr lang="ru-RU" sz="3200" b="1" dirty="0">
                 <a:solidFill>
                   <a:srgbClr val="008000"/>
                 </a:solidFill>
@@ -14522,7 +14436,7 @@
               <a:t>	</a:t>
             </a:r>
             <a:r>
-              <a:rPr lang="en-US" sz="3200" b="1" dirty="0" smtClean="0">
+              <a:rPr lang="en-US" sz="3200" b="1" dirty="0">
                 <a:solidFill>
                   <a:srgbClr val="008000"/>
                 </a:solidFill>
@@ -14555,7 +14469,7 @@
           <a:p>
             <a:pPr lvl="4"/>
             <a:r>
-              <a:rPr lang="ru-RU" sz="3200" b="1" dirty="0" smtClean="0">
+              <a:rPr lang="ru-RU" sz="3200" b="1" dirty="0">
                 <a:solidFill>
                   <a:srgbClr val="008000"/>
                 </a:solidFill>
@@ -14564,7 +14478,7 @@
               <a:t>			</a:t>
             </a:r>
             <a:r>
-              <a:rPr lang="en-US" sz="3200" b="1" dirty="0" smtClean="0">
+              <a:rPr lang="en-US" sz="3200" b="1" dirty="0">
                 <a:solidFill>
                   <a:srgbClr val="008000"/>
                 </a:solidFill>
@@ -14573,7 +14487,7 @@
               <a:t>	</a:t>
             </a:r>
             <a:r>
-              <a:rPr lang="ru-RU" sz="3200" b="1" dirty="0" smtClean="0">
+              <a:rPr lang="ru-RU" sz="3200" b="1" dirty="0">
                 <a:solidFill>
                   <a:srgbClr val="008000"/>
                 </a:solidFill>
@@ -14582,13 +14496,25 @@
               <a:t>	</a:t>
             </a:r>
             <a:r>
-              <a:rPr lang="en-US" sz="3200" b="1" dirty="0" smtClean="0">
+              <a:rPr lang="en-US" sz="3200" b="1" dirty="0">
                 <a:solidFill>
                   <a:srgbClr val="008000"/>
                 </a:solidFill>
                 <a:latin typeface="+mj-lt"/>
               </a:rPr>
-              <a:t>return </a:t>
+              <a:t>return True</a:t>
+            </a:r>
+          </a:p>
+          <a:p>
+            <a:pPr lvl="4"/>
+            <a:r>
+              <a:rPr lang="ru-RU" sz="3200" b="1" dirty="0">
+                <a:solidFill>
+                  <a:srgbClr val="008000"/>
+                </a:solidFill>
+                <a:latin typeface="+mj-lt"/>
+              </a:rPr>
+              <a:t>		</a:t>
             </a:r>
             <a:r>
               <a:rPr lang="en-US" sz="3200" b="1" dirty="0">
@@ -14597,37 +14523,7 @@
                 </a:solidFill>
                 <a:latin typeface="+mj-lt"/>
               </a:rPr>
-              <a:t>True</a:t>
-            </a:r>
-          </a:p>
-          <a:p>
-            <a:pPr lvl="4"/>
-            <a:r>
-              <a:rPr lang="ru-RU" sz="3200" b="1" dirty="0" smtClean="0">
-                <a:solidFill>
-                  <a:srgbClr val="008000"/>
-                </a:solidFill>
-                <a:latin typeface="+mj-lt"/>
-              </a:rPr>
-              <a:t>		</a:t>
-            </a:r>
-            <a:r>
-              <a:rPr lang="en-US" sz="3200" b="1" dirty="0" smtClean="0">
-                <a:solidFill>
-                  <a:srgbClr val="008000"/>
-                </a:solidFill>
-                <a:latin typeface="+mj-lt"/>
-              </a:rPr>
-              <a:t>	return </a:t>
-            </a:r>
-            <a:r>
-              <a:rPr lang="en-US" sz="3200" b="1" dirty="0">
-                <a:solidFill>
-                  <a:srgbClr val="008000"/>
-                </a:solidFill>
-                <a:latin typeface="+mj-lt"/>
-              </a:rPr>
-              <a:t>False</a:t>
+              <a:t>	return False</a:t>
             </a:r>
             <a:endParaRPr lang="ru-RU" sz="3200" dirty="0">
               <a:latin typeface="+mj-lt"/>
@@ -14645,13 +14541,6 @@
   <p:clrMapOvr>
     <a:masterClrMapping/>
   </p:clrMapOvr>
-  <p:timing>
-    <p:tnLst>
-      <p:par>
-        <p:cTn id="1" dur="indefinite" restart="never" nodeType="tmRoot"/>
-      </p:par>
-    </p:tnLst>
-  </p:timing>
 </p:sld>
 </file>
 
@@ -14725,31 +14614,7 @@
                 <a:cs typeface="Cabin"/>
                 <a:sym typeface="Cabin"/>
               </a:rPr>
-              <a:t>О</a:t>
-            </a:r>
-            <a:r>
-              <a:rPr lang="ru-RU" sz="7800" dirty="0" smtClean="0">
-                <a:solidFill>
-                  <a:srgbClr val="00FF00"/>
-                </a:solidFill>
-                <a:latin typeface="+mn-lt"/>
-                <a:ea typeface="Cabin"/>
-                <a:cs typeface="Cabin"/>
-                <a:sym typeface="Cabin"/>
-              </a:rPr>
-              <a:t>ператоры </a:t>
-            </a:r>
-            <a:r>
-              <a:rPr lang="ru-RU" sz="7800" dirty="0">
-                <a:solidFill>
-                  <a:srgbClr val="00FF00"/>
-                </a:solidFill>
-                <a:latin typeface="+mn-lt"/>
-                <a:ea typeface="Cabin"/>
-                <a:cs typeface="Cabin"/>
-                <a:sym typeface="Cabin"/>
-              </a:rPr>
-              <a:t>in и not in</a:t>
+              <a:t>Операторы in и not in</a:t>
             </a:r>
             <a:endParaRPr lang="en-US" sz="7800" dirty="0">
               <a:solidFill>
@@ -14788,15 +14653,9 @@
               <a:rPr lang="ru-RU" sz="4000" dirty="0">
                 <a:latin typeface="+mn-lt"/>
               </a:rPr>
-              <a:t>Пример</a:t>
-            </a:r>
-            <a:r>
-              <a:rPr lang="ru-RU" sz="4000" dirty="0" smtClean="0">
-                <a:latin typeface="+mn-lt"/>
-              </a:rPr>
-              <a:t>:</a:t>
-            </a:r>
-            <a:endParaRPr lang="en-US" sz="4000" dirty="0" smtClean="0">
+              <a:t>Пример:</a:t>
+            </a:r>
+            <a:endParaRPr lang="en-US" sz="4000" dirty="0">
               <a:latin typeface="+mn-lt"/>
             </a:endParaRPr>
           </a:p>
@@ -14875,86 +14734,77 @@
                 </a:solidFill>
                 <a:latin typeface="+mn-lt"/>
               </a:rPr>
-              <a:t>id </a:t>
-            </a:r>
-            <a:r>
-              <a:rPr lang="en-US" sz="4000" dirty="0" smtClean="0">
-                <a:solidFill>
-                  <a:srgbClr val="008000"/>
+              <a:t>id 		</a:t>
+            </a:r>
+            <a:r>
+              <a:rPr lang="en-US" sz="4000" dirty="0">
+                <a:solidFill>
+                  <a:srgbClr val="408080"/>
                 </a:solidFill>
                 <a:latin typeface="+mn-lt"/>
               </a:rPr>
-              <a:t>		</a:t>
-            </a:r>
-            <a:r>
-              <a:rPr lang="en-US" sz="4000" dirty="0" smtClean="0">
+              <a:t>#  </a:t>
+            </a:r>
+            <a:r>
+              <a:rPr lang="en-US" sz="4000" dirty="0" err="1">
                 <a:solidFill>
                   <a:srgbClr val="408080"/>
                 </a:solidFill>
                 <a:latin typeface="+mn-lt"/>
               </a:rPr>
-              <a:t>#  </a:t>
-            </a:r>
-            <a:r>
-              <a:rPr lang="en-US" sz="4000" dirty="0" err="1">
+              <a:t>id.__contains</a:t>
+            </a:r>
+            <a:r>
+              <a:rPr lang="en-US" sz="4000" dirty="0">
                 <a:solidFill>
                   <a:srgbClr val="408080"/>
                 </a:solidFill>
                 <a:latin typeface="+mn-lt"/>
               </a:rPr>
-              <a:t>id.__contains</a:t>
-            </a:r>
+              <a:t>__(5)</a:t>
+            </a:r>
+          </a:p>
+          <a:p>
             <a:r>
               <a:rPr lang="en-US" sz="4000" dirty="0">
                 <a:solidFill>
-                  <a:srgbClr val="408080"/>
+                  <a:srgbClr val="888888"/>
                 </a:solidFill>
                 <a:latin typeface="+mn-lt"/>
               </a:rPr>
-              <a:t>__(5)</a:t>
-            </a:r>
-          </a:p>
-          <a:p>
+              <a:t>True</a:t>
+            </a:r>
+          </a:p>
+          <a:p>
+            <a:r>
+              <a:rPr lang="en-US" sz="4000" b="1" dirty="0">
+                <a:solidFill>
+                  <a:srgbClr val="000080"/>
+                </a:solidFill>
+                <a:latin typeface="+mn-lt"/>
+              </a:rPr>
+              <a:t>&gt;&gt;&gt; </a:t>
+            </a:r>
             <a:r>
               <a:rPr lang="en-US" sz="4000" dirty="0">
                 <a:solidFill>
-                  <a:srgbClr val="888888"/>
+                  <a:srgbClr val="666666"/>
                 </a:solidFill>
                 <a:latin typeface="+mn-lt"/>
               </a:rPr>
-              <a:t>True</a:t>
-            </a:r>
-          </a:p>
-          <a:p>
+              <a:t>42 </a:t>
+            </a:r>
             <a:r>
               <a:rPr lang="en-US" sz="4000" b="1" dirty="0">
                 <a:solidFill>
-                  <a:srgbClr val="000080"/>
+                  <a:srgbClr val="AC21FF"/>
                 </a:solidFill>
                 <a:latin typeface="+mn-lt"/>
               </a:rPr>
-              <a:t>&gt;&gt;&gt; </a:t>
+              <a:t>not in </a:t>
             </a:r>
             <a:r>
               <a:rPr lang="en-US" sz="4000" dirty="0">
-                <a:solidFill>
-                  <a:srgbClr val="666666"/>
-                </a:solidFill>
-                <a:latin typeface="+mn-lt"/>
-              </a:rPr>
-              <a:t>42 </a:t>
-            </a:r>
-            <a:r>
-              <a:rPr lang="en-US" sz="4000" b="1" dirty="0">
-                <a:solidFill>
-                  <a:srgbClr val="AC21FF"/>
-                </a:solidFill>
-                <a:latin typeface="+mn-lt"/>
-              </a:rPr>
-              <a:t>not in </a:t>
-            </a:r>
-            <a:r>
-              <a:rPr lang="en-US" sz="4000" dirty="0" smtClean="0">
                 <a:solidFill>
                   <a:srgbClr val="008000"/>
                 </a:solidFill>
@@ -15016,13 +14866,6 @@
   <p:clrMapOvr>
     <a:masterClrMapping/>
   </p:clrMapOvr>
-  <p:timing>
-    <p:tnLst>
-      <p:par>
-        <p:cTn id="1" dur="indefinite" restart="never" nodeType="tmRoot"/>
-      </p:par>
-    </p:tnLst>
-  </p:timing>
 </p:sld>
 </file>
 
@@ -15096,31 +14939,7 @@
                 <a:cs typeface="Cabin"/>
                 <a:sym typeface="Cabin"/>
               </a:rPr>
-              <a:t>Р</a:t>
-            </a:r>
-            <a:r>
-              <a:rPr lang="ru-RU" sz="7800" dirty="0" smtClean="0">
-                <a:solidFill>
-                  <a:srgbClr val="00FF00"/>
-                </a:solidFill>
-                <a:latin typeface="Cabin"/>
-                <a:ea typeface="Cabin"/>
-                <a:cs typeface="Cabin"/>
-                <a:sym typeface="Cabin"/>
-              </a:rPr>
-              <a:t>еализация </a:t>
-            </a:r>
-            <a:r>
-              <a:rPr lang="ru-RU" sz="7800" dirty="0">
-                <a:solidFill>
-                  <a:srgbClr val="00FF00"/>
-                </a:solidFill>
-                <a:latin typeface="Cabin"/>
-                <a:ea typeface="Cabin"/>
-                <a:cs typeface="Cabin"/>
-                <a:sym typeface="Cabin"/>
-              </a:rPr>
-              <a:t>“по умолчанию”</a:t>
+              <a:t>Реализация “по умолчанию”</a:t>
             </a:r>
             <a:endParaRPr lang="en-US" sz="7800" dirty="0">
               <a:solidFill>
@@ -15159,40 +14978,22 @@
               <a:rPr lang="ru-RU" sz="3200" dirty="0">
                 <a:latin typeface="+mj-lt"/>
               </a:rPr>
-              <a:t>В Python предусмотрен </a:t>
-            </a:r>
-            <a:r>
-              <a:rPr lang="ru-RU" sz="3200" dirty="0" smtClean="0">
+              <a:t>В Python предусмотрен упрощённ</a:t>
+            </a:r>
+            <a:r>
+              <a:rPr lang="uk-UA" sz="3200" dirty="0">
                 <a:latin typeface="+mj-lt"/>
               </a:rPr>
-              <a:t>упрощённ</a:t>
-            </a:r>
-            <a:r>
-              <a:rPr lang="uk-UA" sz="3200" dirty="0" smtClean="0">
-                <a:latin typeface="+mj-lt"/>
-              </a:rPr>
               <a:t>ая </a:t>
-            </a:r>
-            <a:r>
-              <a:rPr lang="ru-RU" sz="3200" dirty="0" smtClean="0">
-                <a:latin typeface="+mj-lt"/>
-              </a:rPr>
-              <a:t>реализация </a:t>
             </a:r>
             <a:r>
               <a:rPr lang="ru-RU" sz="3200" dirty="0">
                 <a:latin typeface="+mj-lt"/>
               </a:rPr>
-              <a:t>итераторов с использованием </a:t>
-            </a:r>
-            <a:r>
-              <a:rPr lang="ru-RU" sz="3200" dirty="0" smtClean="0">
-                <a:latin typeface="+mj-lt"/>
-              </a:rPr>
-              <a:t>метода </a:t>
-            </a:r>
-            <a:r>
-              <a:rPr lang="en-US" sz="3200" dirty="0" smtClean="0">
+              <a:t>реализация итераторов с использованием метода </a:t>
+            </a:r>
+            <a:r>
+              <a:rPr lang="en-US" sz="3200" dirty="0">
                 <a:latin typeface="+mj-lt"/>
               </a:rPr>
               <a:t>__</a:t>
@@ -15204,12 +15005,12 @@
               <a:t>getitem</a:t>
             </a:r>
             <a:r>
-              <a:rPr lang="en-US" sz="3200" dirty="0" smtClean="0">
+              <a:rPr lang="en-US" sz="3200" dirty="0">
                 <a:latin typeface="+mj-lt"/>
               </a:rPr>
               <a:t>__.</a:t>
             </a:r>
-            <a:endParaRPr lang="uk-UA" sz="3200" dirty="0" smtClean="0">
+            <a:endParaRPr lang="uk-UA" sz="3200" dirty="0">
               <a:latin typeface="+mj-lt"/>
             </a:endParaRPr>
           </a:p>
@@ -15220,7 +15021,7 @@
           </a:p>
           <a:p>
             <a:r>
-              <a:rPr lang="ru-RU" sz="3200" dirty="0" smtClean="0">
+              <a:rPr lang="ru-RU" sz="3200" dirty="0">
                 <a:solidFill>
                   <a:srgbClr val="3333B3"/>
                 </a:solidFill>
@@ -15244,7 +15045,7 @@
             </a:r>
           </a:p>
           <a:p>
-            <a:endParaRPr lang="ru-RU" sz="3200" dirty="0" smtClean="0">
+            <a:endParaRPr lang="ru-RU" sz="3200" dirty="0">
               <a:solidFill>
                 <a:srgbClr val="3333B3"/>
               </a:solidFill>
@@ -15253,7 +15054,7 @@
           </a:p>
           <a:p>
             <a:r>
-              <a:rPr lang="ru-RU" sz="3200" dirty="0" smtClean="0">
+              <a:rPr lang="ru-RU" sz="3200" dirty="0">
                 <a:solidFill>
                   <a:srgbClr val="3333B3"/>
                 </a:solidFill>
@@ -15269,7 +15070,7 @@
             </a:r>
           </a:p>
           <a:p>
-            <a:endParaRPr lang="ru-RU" sz="3200" dirty="0" smtClean="0">
+            <a:endParaRPr lang="ru-RU" sz="3200" dirty="0">
               <a:solidFill>
                 <a:srgbClr val="3333B3"/>
               </a:solidFill>
@@ -15278,7 +15079,7 @@
           </a:p>
           <a:p>
             <a:r>
-              <a:rPr lang="ru-RU" sz="3200" dirty="0" smtClean="0">
+              <a:rPr lang="ru-RU" sz="3200" dirty="0">
                 <a:solidFill>
                   <a:srgbClr val="3333B3"/>
                 </a:solidFill>
@@ -15305,19 +15106,7 @@
               <a:rPr lang="ru-RU" sz="3200" dirty="0">
                 <a:latin typeface="+mj-lt"/>
               </a:rPr>
-              <a:t>, если элемента с </a:t>
-            </a:r>
-            <a:r>
-              <a:rPr lang="ru-RU" sz="3200" dirty="0" smtClean="0">
-                <a:latin typeface="+mj-lt"/>
-              </a:rPr>
-              <a:t>таким индексом </a:t>
-            </a:r>
-            <a:r>
-              <a:rPr lang="ru-RU" sz="3200" dirty="0">
-                <a:latin typeface="+mj-lt"/>
-              </a:rPr>
-              <a:t>нет.</a:t>
+              <a:t>, если элемента с таким индексом нет.</a:t>
             </a:r>
           </a:p>
         </p:txBody>
@@ -15332,13 +15121,6 @@
   <p:clrMapOvr>
     <a:masterClrMapping/>
   </p:clrMapOvr>
-  <p:timing>
-    <p:tnLst>
-      <p:par>
-        <p:cTn id="1" dur="indefinite" restart="never" nodeType="tmRoot"/>
-      </p:par>
-    </p:tnLst>
-  </p:timing>
 </p:sld>
 </file>
 
@@ -15403,7 +15185,7 @@
               <a:buSzPct val="25000"/>
             </a:pPr>
             <a:r>
-              <a:rPr lang="ru-RU" sz="7800" dirty="0" smtClean="0">
+              <a:rPr lang="ru-RU" sz="7800" dirty="0">
                 <a:solidFill>
                   <a:srgbClr val="00FF00"/>
                 </a:solidFill>
@@ -15412,19 +15194,7 @@
                 <a:cs typeface="Cabin"/>
                 <a:sym typeface="Cabin"/>
               </a:rPr>
-              <a:t>Реализация </a:t>
-            </a:r>
-            <a:r>
-              <a:rPr lang="ru-RU" sz="7800" dirty="0">
-                <a:solidFill>
-                  <a:srgbClr val="00FF00"/>
-                </a:solidFill>
-                <a:latin typeface="Cabin"/>
-                <a:ea typeface="Cabin"/>
-                <a:cs typeface="Cabin"/>
-                <a:sym typeface="Cabin"/>
-              </a:rPr>
-              <a:t>“по умолчанию”</a:t>
+              <a:t>Реализация “по умолчанию”</a:t>
             </a:r>
             <a:endParaRPr lang="en-US" sz="7800" dirty="0">
               <a:solidFill>
@@ -15463,13 +15233,7 @@
               <a:rPr lang="ru-RU" sz="3200" dirty="0">
                 <a:latin typeface="+mn-lt"/>
               </a:rPr>
-              <a:t>Пример</a:t>
-            </a:r>
-            <a:r>
-              <a:rPr lang="ru-RU" sz="3200" dirty="0" smtClean="0">
-                <a:latin typeface="+mn-lt"/>
-              </a:rPr>
-              <a:t>:</a:t>
+              <a:t>Пример:</a:t>
             </a:r>
           </a:p>
           <a:p>
@@ -15514,7 +15278,7 @@
           </a:p>
           <a:p>
             <a:r>
-              <a:rPr lang="uk-UA" sz="3200" b="1" dirty="0" smtClean="0">
+              <a:rPr lang="uk-UA" sz="3200" b="1" dirty="0">
                 <a:solidFill>
                   <a:srgbClr val="008000"/>
                 </a:solidFill>
@@ -15523,7 +15287,7 @@
               <a:t>	</a:t>
             </a:r>
             <a:r>
-              <a:rPr lang="en-US" sz="3200" b="1" dirty="0" smtClean="0">
+              <a:rPr lang="en-US" sz="3200" b="1" dirty="0">
                 <a:solidFill>
                   <a:srgbClr val="008000"/>
                 </a:solidFill>
@@ -15532,7 +15296,7 @@
               <a:t>	</a:t>
             </a:r>
             <a:r>
-              <a:rPr lang="en-US" sz="3200" b="1" dirty="0" err="1" smtClean="0">
+              <a:rPr lang="en-US" sz="3200" b="1" dirty="0" err="1">
                 <a:solidFill>
                   <a:srgbClr val="008000"/>
                 </a:solidFill>
@@ -15541,7 +15305,7 @@
               <a:t>def</a:t>
             </a:r>
             <a:r>
-              <a:rPr lang="en-US" sz="3200" b="1" dirty="0" smtClean="0">
+              <a:rPr lang="en-US" sz="3200" b="1" dirty="0">
                 <a:solidFill>
                   <a:srgbClr val="008000"/>
                 </a:solidFill>
@@ -15612,7 +15376,7 @@
           </a:p>
           <a:p>
             <a:r>
-              <a:rPr lang="uk-UA" sz="3200" b="1" dirty="0" smtClean="0">
+              <a:rPr lang="uk-UA" sz="3200" b="1" dirty="0">
                 <a:solidFill>
                   <a:srgbClr val="008000"/>
                 </a:solidFill>
@@ -15621,7 +15385,7 @@
               <a:t>		</a:t>
             </a:r>
             <a:r>
-              <a:rPr lang="en-US" sz="3200" b="1" dirty="0" smtClean="0">
+              <a:rPr lang="en-US" sz="3200" b="1" dirty="0">
                 <a:solidFill>
                   <a:srgbClr val="008000"/>
                 </a:solidFill>
@@ -15659,7 +15423,7 @@
           </a:p>
           <a:p>
             <a:r>
-              <a:rPr lang="uk-UA" sz="3200" b="1" dirty="0" smtClean="0">
+              <a:rPr lang="uk-UA" sz="3200" b="1" dirty="0">
                 <a:solidFill>
                   <a:srgbClr val="008000"/>
                 </a:solidFill>
@@ -15668,7 +15432,7 @@
               <a:t>			</a:t>
             </a:r>
             <a:r>
-              <a:rPr lang="en-US" sz="3200" b="1" dirty="0" smtClean="0">
+              <a:rPr lang="en-US" sz="3200" b="1" dirty="0">
                 <a:solidFill>
                   <a:srgbClr val="008000"/>
                 </a:solidFill>
@@ -15706,7 +15470,7 @@
           </a:p>
           <a:p>
             <a:r>
-              <a:rPr lang="uk-UA" sz="3200" b="1" dirty="0" smtClean="0">
+              <a:rPr lang="uk-UA" sz="3200" b="1" dirty="0">
                 <a:solidFill>
                   <a:srgbClr val="008000"/>
                 </a:solidFill>
@@ -15715,7 +15479,7 @@
               <a:t>		</a:t>
             </a:r>
             <a:r>
-              <a:rPr lang="en-US" sz="3200" b="1" dirty="0" smtClean="0">
+              <a:rPr lang="en-US" sz="3200" b="1" dirty="0">
                 <a:solidFill>
                   <a:srgbClr val="008000"/>
                 </a:solidFill>
@@ -15796,13 +15560,6 @@
   <p:clrMapOvr>
     <a:masterClrMapping/>
   </p:clrMapOvr>
-  <p:timing>
-    <p:tnLst>
-      <p:par>
-        <p:cTn id="1" dur="indefinite" restart="never" nodeType="tmRoot"/>
-      </p:par>
-    </p:tnLst>
-  </p:timing>
 </p:sld>
 </file>
 
@@ -15867,7 +15624,7 @@
               <a:buSzPct val="25000"/>
             </a:pPr>
             <a:r>
-              <a:rPr lang="ru-RU" sz="7800" dirty="0" smtClean="0">
+              <a:rPr lang="ru-RU" sz="7800" dirty="0">
                 <a:solidFill>
                   <a:srgbClr val="00FF00"/>
                 </a:solidFill>
@@ -15932,14 +15689,14 @@
               <a:t>seq_iter</a:t>
             </a:r>
             <a:r>
-              <a:rPr lang="en-US" sz="3200" dirty="0" smtClean="0">
+              <a:rPr lang="en-US" sz="3200" dirty="0">
                 <a:latin typeface="Arial" panose="020B0604020202020204" pitchFamily="34" charset="0"/>
                 <a:cs typeface="Arial" panose="020B0604020202020204" pitchFamily="34" charset="0"/>
               </a:rPr>
               <a:t>:</a:t>
             </a:r>
             <a:r>
-              <a:rPr lang="ru-RU" sz="3200" dirty="0" smtClean="0">
+              <a:rPr lang="ru-RU" sz="3200" dirty="0">
                 <a:latin typeface="Arial" panose="020B0604020202020204" pitchFamily="34" charset="0"/>
                 <a:cs typeface="Arial" panose="020B0604020202020204" pitchFamily="34" charset="0"/>
               </a:rPr>
@@ -15952,7 +15709,7 @@
           </a:p>
           <a:p>
             <a:r>
-              <a:rPr lang="ru-RU" sz="3200" b="1" dirty="0" smtClean="0">
+              <a:rPr lang="ru-RU" sz="3200" b="1" dirty="0">
                 <a:solidFill>
                   <a:srgbClr val="008000"/>
                 </a:solidFill>
@@ -15962,7 +15719,7 @@
               <a:t>	</a:t>
             </a:r>
             <a:r>
-              <a:rPr lang="en-US" sz="3200" b="1" dirty="0" err="1" smtClean="0">
+              <a:rPr lang="en-US" sz="3200" b="1" dirty="0" err="1">
                 <a:solidFill>
                   <a:srgbClr val="008000"/>
                 </a:solidFill>
@@ -15972,7 +15729,7 @@
               <a:t>def</a:t>
             </a:r>
             <a:r>
-              <a:rPr lang="en-US" sz="3200" b="1" dirty="0" smtClean="0">
+              <a:rPr lang="en-US" sz="3200" b="1" dirty="0">
                 <a:solidFill>
                   <a:srgbClr val="008000"/>
                 </a:solidFill>
@@ -16039,7 +15796,7 @@
           <a:p>
             <a:pPr lvl="2"/>
             <a:r>
-              <a:rPr lang="ru-RU" sz="3200" dirty="0" smtClean="0">
+              <a:rPr lang="ru-RU" sz="3200" dirty="0">
                 <a:solidFill>
                   <a:srgbClr val="008000"/>
                 </a:solidFill>
@@ -16049,7 +15806,7 @@
               <a:t>		</a:t>
             </a:r>
             <a:r>
-              <a:rPr lang="en-US" sz="3200" dirty="0" err="1" smtClean="0">
+              <a:rPr lang="en-US" sz="3200" dirty="0" err="1">
                 <a:solidFill>
                   <a:srgbClr val="008000"/>
                 </a:solidFill>
@@ -16059,7 +15816,7 @@
               <a:t>self</a:t>
             </a:r>
             <a:r>
-              <a:rPr lang="en-US" sz="3200" dirty="0" err="1" smtClean="0">
+              <a:rPr lang="en-US" sz="3200" dirty="0" err="1">
                 <a:solidFill>
                   <a:srgbClr val="666666"/>
                 </a:solidFill>
@@ -16069,242 +15826,144 @@
               <a:t>.</a:t>
             </a:r>
             <a:r>
-              <a:rPr lang="en-US" sz="3200" dirty="0" err="1" smtClean="0">
+              <a:rPr lang="en-US" sz="3200" dirty="0" err="1">
                 <a:latin typeface="Arial" panose="020B0604020202020204" pitchFamily="34" charset="0"/>
                 <a:cs typeface="Arial" panose="020B0604020202020204" pitchFamily="34" charset="0"/>
               </a:rPr>
               <a:t>instance</a:t>
-            </a:r>
-            <a:r>
-              <a:rPr lang="en-US" sz="3200" dirty="0" smtClean="0">
-                <a:latin typeface="Arial" panose="020B0604020202020204" pitchFamily="34" charset="0"/>
-                <a:cs typeface="Arial" panose="020B0604020202020204" pitchFamily="34" charset="0"/>
-              </a:rPr>
-              <a:t> </a:t>
-            </a:r>
-            <a:r>
-              <a:rPr lang="en-US" sz="3200" dirty="0">
-                <a:solidFill>
-                  <a:srgbClr val="666666"/>
-                </a:solidFill>
-                <a:latin typeface="Arial" panose="020B0604020202020204" pitchFamily="34" charset="0"/>
-                <a:cs typeface="Arial" panose="020B0604020202020204" pitchFamily="34" charset="0"/>
-              </a:rPr>
-              <a:t>= </a:t>
             </a:r>
             <a:r>
               <a:rPr lang="en-US" sz="3200" dirty="0">
                 <a:latin typeface="Arial" panose="020B0604020202020204" pitchFamily="34" charset="0"/>
                 <a:cs typeface="Arial" panose="020B0604020202020204" pitchFamily="34" charset="0"/>
               </a:rPr>
-              <a:t>instance</a:t>
-            </a:r>
-          </a:p>
-          <a:p>
-            <a:pPr lvl="2"/>
-            <a:r>
-              <a:rPr lang="ru-RU" sz="3200" dirty="0" smtClean="0">
-                <a:solidFill>
-                  <a:srgbClr val="008000"/>
+              <a:t> </a:t>
+            </a:r>
+            <a:r>
+              <a:rPr lang="en-US" sz="3200" dirty="0">
+                <a:solidFill>
+                  <a:srgbClr val="666666"/>
                 </a:solidFill>
                 <a:latin typeface="Arial" panose="020B0604020202020204" pitchFamily="34" charset="0"/>
                 <a:cs typeface="Arial" panose="020B0604020202020204" pitchFamily="34" charset="0"/>
               </a:rPr>
-              <a:t>		</a:t>
-            </a:r>
-            <a:r>
-              <a:rPr lang="en-US" sz="3200" dirty="0" err="1" smtClean="0">
-                <a:solidFill>
-                  <a:srgbClr val="008000"/>
-                </a:solidFill>
-                <a:latin typeface="Arial" panose="020B0604020202020204" pitchFamily="34" charset="0"/>
-                <a:cs typeface="Arial" panose="020B0604020202020204" pitchFamily="34" charset="0"/>
-              </a:rPr>
-              <a:t>self</a:t>
-            </a:r>
-            <a:r>
-              <a:rPr lang="en-US" sz="3200" dirty="0" err="1" smtClean="0">
-                <a:solidFill>
-                  <a:srgbClr val="666666"/>
-                </a:solidFill>
-                <a:latin typeface="Arial" panose="020B0604020202020204" pitchFamily="34" charset="0"/>
-                <a:cs typeface="Arial" panose="020B0604020202020204" pitchFamily="34" charset="0"/>
-              </a:rPr>
-              <a:t>.</a:t>
-            </a:r>
-            <a:r>
-              <a:rPr lang="en-US" sz="3200" dirty="0" err="1" smtClean="0">
-                <a:latin typeface="Arial" panose="020B0604020202020204" pitchFamily="34" charset="0"/>
-                <a:cs typeface="Arial" panose="020B0604020202020204" pitchFamily="34" charset="0"/>
-              </a:rPr>
-              <a:t>idx</a:t>
-            </a:r>
-            <a:r>
-              <a:rPr lang="en-US" sz="3200" dirty="0" smtClean="0">
-                <a:latin typeface="Arial" panose="020B0604020202020204" pitchFamily="34" charset="0"/>
-                <a:cs typeface="Arial" panose="020B0604020202020204" pitchFamily="34" charset="0"/>
-              </a:rPr>
-              <a:t> </a:t>
-            </a:r>
-            <a:r>
-              <a:rPr lang="en-US" sz="3200" dirty="0">
-                <a:solidFill>
-                  <a:srgbClr val="666666"/>
-                </a:solidFill>
-                <a:latin typeface="Arial" panose="020B0604020202020204" pitchFamily="34" charset="0"/>
-                <a:cs typeface="Arial" panose="020B0604020202020204" pitchFamily="34" charset="0"/>
-              </a:rPr>
-              <a:t>= 0</a:t>
-            </a:r>
-          </a:p>
-          <a:p>
-            <a:r>
-              <a:rPr lang="ru-RU" sz="3200" b="1" dirty="0" smtClean="0">
-                <a:solidFill>
-                  <a:srgbClr val="008000"/>
-                </a:solidFill>
-                <a:latin typeface="Arial" panose="020B0604020202020204" pitchFamily="34" charset="0"/>
-                <a:cs typeface="Arial" panose="020B0604020202020204" pitchFamily="34" charset="0"/>
-              </a:rPr>
-              <a:t>	</a:t>
-            </a:r>
-            <a:r>
-              <a:rPr lang="en-US" sz="3200" b="1" dirty="0" err="1" smtClean="0">
-                <a:solidFill>
-                  <a:srgbClr val="008000"/>
-                </a:solidFill>
-                <a:latin typeface="Arial" panose="020B0604020202020204" pitchFamily="34" charset="0"/>
-                <a:cs typeface="Arial" panose="020B0604020202020204" pitchFamily="34" charset="0"/>
-              </a:rPr>
-              <a:t>def</a:t>
-            </a:r>
-            <a:r>
-              <a:rPr lang="en-US" sz="3200" b="1" dirty="0" smtClean="0">
-                <a:solidFill>
-                  <a:srgbClr val="008000"/>
-                </a:solidFill>
-                <a:latin typeface="Arial" panose="020B0604020202020204" pitchFamily="34" charset="0"/>
-                <a:cs typeface="Arial" panose="020B0604020202020204" pitchFamily="34" charset="0"/>
-              </a:rPr>
-              <a:t> </a:t>
-            </a:r>
-            <a:r>
-              <a:rPr lang="en-US" sz="3200" dirty="0">
-                <a:solidFill>
-                  <a:srgbClr val="0000FF"/>
-                </a:solidFill>
-                <a:latin typeface="Arial" panose="020B0604020202020204" pitchFamily="34" charset="0"/>
-                <a:cs typeface="Arial" panose="020B0604020202020204" pitchFamily="34" charset="0"/>
-              </a:rPr>
-              <a:t>__</a:t>
-            </a:r>
-            <a:r>
-              <a:rPr lang="en-US" sz="3200" dirty="0" err="1">
-                <a:solidFill>
-                  <a:srgbClr val="0000FF"/>
-                </a:solidFill>
-                <a:latin typeface="Arial" panose="020B0604020202020204" pitchFamily="34" charset="0"/>
-                <a:cs typeface="Arial" panose="020B0604020202020204" pitchFamily="34" charset="0"/>
-              </a:rPr>
-              <a:t>iter</a:t>
-            </a:r>
-            <a:r>
-              <a:rPr lang="en-US" sz="3200" dirty="0">
-                <a:solidFill>
-                  <a:srgbClr val="0000FF"/>
-                </a:solidFill>
-                <a:latin typeface="Arial" panose="020B0604020202020204" pitchFamily="34" charset="0"/>
-                <a:cs typeface="Arial" panose="020B0604020202020204" pitchFamily="34" charset="0"/>
-              </a:rPr>
-              <a:t>__</a:t>
+              <a:t>= </a:t>
             </a:r>
             <a:r>
               <a:rPr lang="en-US" sz="3200" dirty="0">
                 <a:latin typeface="Arial" panose="020B0604020202020204" pitchFamily="34" charset="0"/>
                 <a:cs typeface="Arial" panose="020B0604020202020204" pitchFamily="34" charset="0"/>
               </a:rPr>
-              <a:t>(</a:t>
-            </a:r>
-            <a:r>
-              <a:rPr lang="en-US" sz="3200" dirty="0">
+              <a:t>instance</a:t>
+            </a:r>
+          </a:p>
+          <a:p>
+            <a:pPr lvl="2"/>
+            <a:r>
+              <a:rPr lang="ru-RU" sz="3200" dirty="0">
                 <a:solidFill>
                   <a:srgbClr val="008000"/>
                 </a:solidFill>
                 <a:latin typeface="Arial" panose="020B0604020202020204" pitchFamily="34" charset="0"/>
                 <a:cs typeface="Arial" panose="020B0604020202020204" pitchFamily="34" charset="0"/>
               </a:rPr>
+              <a:t>		</a:t>
+            </a:r>
+            <a:r>
+              <a:rPr lang="en-US" sz="3200" dirty="0" err="1">
+                <a:solidFill>
+                  <a:srgbClr val="008000"/>
+                </a:solidFill>
+                <a:latin typeface="Arial" panose="020B0604020202020204" pitchFamily="34" charset="0"/>
+                <a:cs typeface="Arial" panose="020B0604020202020204" pitchFamily="34" charset="0"/>
+              </a:rPr>
               <a:t>self</a:t>
+            </a:r>
+            <a:r>
+              <a:rPr lang="en-US" sz="3200" dirty="0" err="1">
+                <a:solidFill>
+                  <a:srgbClr val="666666"/>
+                </a:solidFill>
+                <a:latin typeface="Arial" panose="020B0604020202020204" pitchFamily="34" charset="0"/>
+                <a:cs typeface="Arial" panose="020B0604020202020204" pitchFamily="34" charset="0"/>
+              </a:rPr>
+              <a:t>.</a:t>
+            </a:r>
+            <a:r>
+              <a:rPr lang="en-US" sz="3200" dirty="0" err="1">
+                <a:latin typeface="Arial" panose="020B0604020202020204" pitchFamily="34" charset="0"/>
+                <a:cs typeface="Arial" panose="020B0604020202020204" pitchFamily="34" charset="0"/>
+              </a:rPr>
+              <a:t>idx</a:t>
             </a:r>
             <a:r>
               <a:rPr lang="en-US" sz="3200" dirty="0">
                 <a:latin typeface="Arial" panose="020B0604020202020204" pitchFamily="34" charset="0"/>
                 <a:cs typeface="Arial" panose="020B0604020202020204" pitchFamily="34" charset="0"/>
               </a:rPr>
-              <a:t>):</a:t>
-            </a:r>
-          </a:p>
-          <a:p>
-            <a:r>
-              <a:rPr lang="ru-RU" sz="3200" b="1" dirty="0" smtClean="0">
-                <a:solidFill>
-                  <a:srgbClr val="008000"/>
+              <a:t> </a:t>
+            </a:r>
+            <a:r>
+              <a:rPr lang="en-US" sz="3200" dirty="0">
+                <a:solidFill>
+                  <a:srgbClr val="666666"/>
                 </a:solidFill>
                 <a:latin typeface="Arial" panose="020B0604020202020204" pitchFamily="34" charset="0"/>
                 <a:cs typeface="Arial" panose="020B0604020202020204" pitchFamily="34" charset="0"/>
               </a:rPr>
-              <a:t>		</a:t>
-            </a:r>
-            <a:r>
-              <a:rPr lang="en-US" sz="3200" b="1" dirty="0" smtClean="0">
+              <a:t>= 0</a:t>
+            </a:r>
+          </a:p>
+          <a:p>
+            <a:r>
+              <a:rPr lang="ru-RU" sz="3200" b="1" dirty="0">
                 <a:solidFill>
                   <a:srgbClr val="008000"/>
                 </a:solidFill>
                 <a:latin typeface="Arial" panose="020B0604020202020204" pitchFamily="34" charset="0"/>
                 <a:cs typeface="Arial" panose="020B0604020202020204" pitchFamily="34" charset="0"/>
               </a:rPr>
-              <a:t>return </a:t>
-            </a:r>
-            <a:r>
-              <a:rPr lang="en-US" sz="3200" dirty="0">
+              <a:t>	</a:t>
+            </a:r>
+            <a:r>
+              <a:rPr lang="en-US" sz="3200" b="1" dirty="0" err="1">
                 <a:solidFill>
                   <a:srgbClr val="008000"/>
                 </a:solidFill>
                 <a:latin typeface="Arial" panose="020B0604020202020204" pitchFamily="34" charset="0"/>
                 <a:cs typeface="Arial" panose="020B0604020202020204" pitchFamily="34" charset="0"/>
               </a:rPr>
-              <a:t>self</a:t>
-            </a:r>
-          </a:p>
-          <a:p>
-            <a:r>
-              <a:rPr lang="ru-RU" sz="3200" b="1" dirty="0" smtClean="0">
+              <a:t>def</a:t>
+            </a:r>
+            <a:r>
+              <a:rPr lang="en-US" sz="3200" b="1" dirty="0">
                 <a:solidFill>
                   <a:srgbClr val="008000"/>
                 </a:solidFill>
                 <a:latin typeface="Arial" panose="020B0604020202020204" pitchFamily="34" charset="0"/>
                 <a:cs typeface="Arial" panose="020B0604020202020204" pitchFamily="34" charset="0"/>
               </a:rPr>
-              <a:t>	</a:t>
-            </a:r>
-            <a:r>
-              <a:rPr lang="en-US" sz="3200" b="1" dirty="0" err="1" smtClean="0">
-                <a:solidFill>
-                  <a:srgbClr val="008000"/>
+              <a:t> </a:t>
+            </a:r>
+            <a:r>
+              <a:rPr lang="en-US" sz="3200" dirty="0">
+                <a:solidFill>
+                  <a:srgbClr val="0000FF"/>
                 </a:solidFill>
                 <a:latin typeface="Arial" panose="020B0604020202020204" pitchFamily="34" charset="0"/>
                 <a:cs typeface="Arial" panose="020B0604020202020204" pitchFamily="34" charset="0"/>
               </a:rPr>
-              <a:t>def</a:t>
-            </a:r>
-            <a:r>
-              <a:rPr lang="en-US" sz="3200" b="1" dirty="0" smtClean="0">
-                <a:solidFill>
-                  <a:srgbClr val="008000"/>
+              <a:t>__</a:t>
+            </a:r>
+            <a:r>
+              <a:rPr lang="en-US" sz="3200" dirty="0" err="1">
+                <a:solidFill>
+                  <a:srgbClr val="0000FF"/>
                 </a:solidFill>
                 <a:latin typeface="Arial" panose="020B0604020202020204" pitchFamily="34" charset="0"/>
                 <a:cs typeface="Arial" panose="020B0604020202020204" pitchFamily="34" charset="0"/>
               </a:rPr>
-              <a:t> </a:t>
+              <a:t>iter</a:t>
             </a:r>
             <a:r>
               <a:rPr lang="en-US" sz="3200" dirty="0">
@@ -16314,7 +15973,7 @@
                 <a:latin typeface="Arial" panose="020B0604020202020204" pitchFamily="34" charset="0"/>
                 <a:cs typeface="Arial" panose="020B0604020202020204" pitchFamily="34" charset="0"/>
               </a:rPr>
-              <a:t>__next__</a:t>
+              <a:t>__</a:t>
             </a:r>
             <a:r>
               <a:rPr lang="en-US" sz="3200" dirty="0">
@@ -16343,43 +16002,141 @@
           </a:p>
           <a:p>
             <a:r>
-              <a:rPr lang="ru-RU" sz="3200" b="1" dirty="0" smtClean="0">
+              <a:rPr lang="ru-RU" sz="3200" b="1" dirty="0">
                 <a:solidFill>
                   <a:srgbClr val="008000"/>
                 </a:solidFill>
                 <a:latin typeface="Arial" panose="020B0604020202020204" pitchFamily="34" charset="0"/>
                 <a:cs typeface="Arial" panose="020B0604020202020204" pitchFamily="34" charset="0"/>
               </a:rPr>
-              <a:t>	</a:t>
-            </a:r>
-            <a:r>
-              <a:rPr lang="en-US" sz="3200" b="1" dirty="0" smtClean="0">
+              <a:t>		</a:t>
+            </a:r>
+            <a:r>
+              <a:rPr lang="en-US" sz="3200" b="1" dirty="0">
                 <a:solidFill>
                   <a:srgbClr val="008000"/>
                 </a:solidFill>
                 <a:latin typeface="Arial" panose="020B0604020202020204" pitchFamily="34" charset="0"/>
                 <a:cs typeface="Arial" panose="020B0604020202020204" pitchFamily="34" charset="0"/>
               </a:rPr>
-              <a:t>	try</a:t>
+              <a:t>return </a:t>
+            </a:r>
+            <a:r>
+              <a:rPr lang="en-US" sz="3200" dirty="0">
+                <a:solidFill>
+                  <a:srgbClr val="008000"/>
+                </a:solidFill>
+                <a:latin typeface="Arial" panose="020B0604020202020204" pitchFamily="34" charset="0"/>
+                <a:cs typeface="Arial" panose="020B0604020202020204" pitchFamily="34" charset="0"/>
+              </a:rPr>
+              <a:t>self</a:t>
+            </a:r>
+          </a:p>
+          <a:p>
+            <a:r>
+              <a:rPr lang="ru-RU" sz="3200" b="1" dirty="0">
+                <a:solidFill>
+                  <a:srgbClr val="008000"/>
+                </a:solidFill>
+                <a:latin typeface="Arial" panose="020B0604020202020204" pitchFamily="34" charset="0"/>
+                <a:cs typeface="Arial" panose="020B0604020202020204" pitchFamily="34" charset="0"/>
+              </a:rPr>
+              <a:t>	</a:t>
+            </a:r>
+            <a:r>
+              <a:rPr lang="en-US" sz="3200" b="1" dirty="0" err="1">
+                <a:solidFill>
+                  <a:srgbClr val="008000"/>
+                </a:solidFill>
+                <a:latin typeface="Arial" panose="020B0604020202020204" pitchFamily="34" charset="0"/>
+                <a:cs typeface="Arial" panose="020B0604020202020204" pitchFamily="34" charset="0"/>
+              </a:rPr>
+              <a:t>def</a:t>
+            </a:r>
+            <a:r>
+              <a:rPr lang="en-US" sz="3200" b="1" dirty="0">
+                <a:solidFill>
+                  <a:srgbClr val="008000"/>
+                </a:solidFill>
+                <a:latin typeface="Arial" panose="020B0604020202020204" pitchFamily="34" charset="0"/>
+                <a:cs typeface="Arial" panose="020B0604020202020204" pitchFamily="34" charset="0"/>
+              </a:rPr>
+              <a:t> </a:t>
+            </a:r>
+            <a:r>
+              <a:rPr lang="en-US" sz="3200" dirty="0">
+                <a:solidFill>
+                  <a:srgbClr val="0000FF"/>
+                </a:solidFill>
+                <a:latin typeface="Arial" panose="020B0604020202020204" pitchFamily="34" charset="0"/>
+                <a:cs typeface="Arial" panose="020B0604020202020204" pitchFamily="34" charset="0"/>
+              </a:rPr>
+              <a:t>__next__</a:t>
             </a:r>
             <a:r>
               <a:rPr lang="en-US" sz="3200" dirty="0">
                 <a:latin typeface="Arial" panose="020B0604020202020204" pitchFamily="34" charset="0"/>
                 <a:cs typeface="Arial" panose="020B0604020202020204" pitchFamily="34" charset="0"/>
               </a:rPr>
-              <a:t>:</a:t>
-            </a:r>
-          </a:p>
-          <a:p>
-            <a:r>
-              <a:rPr lang="ru-RU" sz="3200" dirty="0" smtClean="0">
+              <a:t>(</a:t>
+            </a:r>
+            <a:r>
+              <a:rPr lang="en-US" sz="3200" dirty="0">
+                <a:solidFill>
+                  <a:srgbClr val="008000"/>
+                </a:solidFill>
                 <a:latin typeface="Arial" panose="020B0604020202020204" pitchFamily="34" charset="0"/>
                 <a:cs typeface="Arial" panose="020B0604020202020204" pitchFamily="34" charset="0"/>
               </a:rPr>
+              <a:t>self</a:t>
+            </a:r>
+            <a:r>
+              <a:rPr lang="en-US" sz="3200" dirty="0">
+                <a:latin typeface="Arial" panose="020B0604020202020204" pitchFamily="34" charset="0"/>
+                <a:cs typeface="Arial" panose="020B0604020202020204" pitchFamily="34" charset="0"/>
+              </a:rPr>
+              <a:t>):</a:t>
+            </a:r>
+          </a:p>
+          <a:p>
+            <a:r>
+              <a:rPr lang="ru-RU" sz="3200" b="1" dirty="0">
+                <a:solidFill>
+                  <a:srgbClr val="008000"/>
+                </a:solidFill>
+                <a:latin typeface="Arial" panose="020B0604020202020204" pitchFamily="34" charset="0"/>
+                <a:cs typeface="Arial" panose="020B0604020202020204" pitchFamily="34" charset="0"/>
+              </a:rPr>
+              <a:t>	</a:t>
+            </a:r>
+            <a:r>
+              <a:rPr lang="en-US" sz="3200" b="1" dirty="0">
+                <a:solidFill>
+                  <a:srgbClr val="008000"/>
+                </a:solidFill>
+                <a:latin typeface="Arial" panose="020B0604020202020204" pitchFamily="34" charset="0"/>
+                <a:cs typeface="Arial" panose="020B0604020202020204" pitchFamily="34" charset="0"/>
+              </a:rPr>
+              <a:t>	try</a:t>
+            </a:r>
+            <a:r>
+              <a:rPr lang="en-US" sz="3200" dirty="0">
+                <a:latin typeface="Arial" panose="020B0604020202020204" pitchFamily="34" charset="0"/>
+                <a:cs typeface="Arial" panose="020B0604020202020204" pitchFamily="34" charset="0"/>
+              </a:rPr>
+              <a:t>:</a:t>
+            </a:r>
+          </a:p>
+          <a:p>
+            <a:r>
+              <a:rPr lang="ru-RU" sz="3200" dirty="0">
+                <a:latin typeface="Arial" panose="020B0604020202020204" pitchFamily="34" charset="0"/>
+                <a:cs typeface="Arial" panose="020B0604020202020204" pitchFamily="34" charset="0"/>
+              </a:rPr>
               <a:t>		</a:t>
             </a:r>
             <a:r>
-              <a:rPr lang="en-US" sz="3200" dirty="0" smtClean="0">
+              <a:rPr lang="en-US" sz="3200" dirty="0">
                 <a:latin typeface="Arial" panose="020B0604020202020204" pitchFamily="34" charset="0"/>
                 <a:cs typeface="Arial" panose="020B0604020202020204" pitchFamily="34" charset="0"/>
               </a:rPr>
@@ -16466,7 +16223,7 @@
           </a:p>
           <a:p>
             <a:r>
-              <a:rPr lang="ru-RU" sz="3200" b="1" dirty="0" smtClean="0">
+              <a:rPr lang="ru-RU" sz="3200" b="1" dirty="0">
                 <a:solidFill>
                   <a:srgbClr val="008000"/>
                 </a:solidFill>
@@ -16476,7 +16233,7 @@
               <a:t>	</a:t>
             </a:r>
             <a:r>
-              <a:rPr lang="en-US" sz="3200" b="1" dirty="0" smtClean="0">
+              <a:rPr lang="en-US" sz="3200" b="1" dirty="0">
                 <a:solidFill>
                   <a:srgbClr val="008000"/>
                 </a:solidFill>
@@ -16505,7 +16262,7 @@
           </a:p>
           <a:p>
             <a:r>
-              <a:rPr lang="ru-RU" sz="3200" b="1" dirty="0" smtClean="0">
+              <a:rPr lang="ru-RU" sz="3200" b="1" dirty="0">
                 <a:solidFill>
                   <a:srgbClr val="008000"/>
                 </a:solidFill>
@@ -16515,7 +16272,7 @@
               <a:t>		</a:t>
             </a:r>
             <a:r>
-              <a:rPr lang="en-US" sz="3200" b="1" dirty="0" smtClean="0">
+              <a:rPr lang="en-US" sz="3200" b="1" dirty="0">
                 <a:solidFill>
                   <a:srgbClr val="008000"/>
                 </a:solidFill>
@@ -16544,7 +16301,7 @@
           </a:p>
           <a:p>
             <a:r>
-              <a:rPr lang="ru-RU" sz="3200" dirty="0" smtClean="0">
+              <a:rPr lang="ru-RU" sz="3200" dirty="0">
                 <a:solidFill>
                   <a:srgbClr val="008000"/>
                 </a:solidFill>
@@ -16554,7 +16311,7 @@
               <a:t>	</a:t>
             </a:r>
             <a:r>
-              <a:rPr lang="en-US" sz="3200" dirty="0" smtClean="0">
+              <a:rPr lang="en-US" sz="3200" dirty="0">
                 <a:solidFill>
                   <a:srgbClr val="008000"/>
                 </a:solidFill>
@@ -16564,7 +16321,7 @@
               <a:t>	</a:t>
             </a:r>
             <a:r>
-              <a:rPr lang="en-US" sz="3200" dirty="0" err="1" smtClean="0">
+              <a:rPr lang="en-US" sz="3200" dirty="0" err="1">
                 <a:solidFill>
                   <a:srgbClr val="008000"/>
                 </a:solidFill>
@@ -16574,7 +16331,7 @@
               <a:t>self</a:t>
             </a:r>
             <a:r>
-              <a:rPr lang="en-US" sz="3200" dirty="0" err="1" smtClean="0">
+              <a:rPr lang="en-US" sz="3200" dirty="0" err="1">
                 <a:solidFill>
                   <a:srgbClr val="666666"/>
                 </a:solidFill>
@@ -16584,14 +16341,14 @@
               <a:t>.</a:t>
             </a:r>
             <a:r>
-              <a:rPr lang="en-US" sz="3200" dirty="0" err="1" smtClean="0">
+              <a:rPr lang="en-US" sz="3200" dirty="0" err="1">
                 <a:latin typeface="Arial" panose="020B0604020202020204" pitchFamily="34" charset="0"/>
                 <a:cs typeface="Arial" panose="020B0604020202020204" pitchFamily="34" charset="0"/>
               </a:rPr>
               <a:t>idx</a:t>
             </a:r>
             <a:r>
-              <a:rPr lang="en-US" sz="3200" dirty="0" smtClean="0">
+              <a:rPr lang="en-US" sz="3200" dirty="0">
                 <a:latin typeface="Arial" panose="020B0604020202020204" pitchFamily="34" charset="0"/>
                 <a:cs typeface="Arial" panose="020B0604020202020204" pitchFamily="34" charset="0"/>
               </a:rPr>
@@ -16610,7 +16367,7 @@
           </a:p>
           <a:p>
             <a:r>
-              <a:rPr lang="ru-RU" sz="3200" b="1" dirty="0" smtClean="0">
+              <a:rPr lang="ru-RU" sz="3200" b="1" dirty="0">
                 <a:solidFill>
                   <a:srgbClr val="008000"/>
                 </a:solidFill>
@@ -16620,7 +16377,7 @@
               <a:t>	</a:t>
             </a:r>
             <a:r>
-              <a:rPr lang="en-US" sz="3200" b="1" dirty="0" smtClean="0">
+              <a:rPr lang="en-US" sz="3200" b="1" dirty="0">
                 <a:solidFill>
                   <a:srgbClr val="008000"/>
                 </a:solidFill>
@@ -16653,13 +16410,6 @@
   <p:clrMapOvr>
     <a:masterClrMapping/>
   </p:clrMapOvr>
-  <p:timing>
-    <p:tnLst>
-      <p:par>
-        <p:cTn id="1" dur="indefinite" restart="never" nodeType="tmRoot"/>
-      </p:par>
-    </p:tnLst>
-  </p:timing>
 </p:sld>
 </file>
 
@@ -16724,22 +16474,24 @@
               <a:buSzPct val="25000"/>
             </a:pPr>
             <a:r>
-              <a:rPr lang="ru-RU" sz="8000" dirty="0">
-                <a:solidFill>
-                  <a:srgbClr val="CD0000"/>
-                </a:solidFill>
-                <a:latin typeface="Arial" panose="020B0604020202020204" pitchFamily="34" charset="0"/>
-                <a:cs typeface="Arial" panose="020B0604020202020204" pitchFamily="34" charset="0"/>
-              </a:rPr>
-              <a:t>Генераторы</a:t>
+              <a:rPr lang="ru-RU" sz="7800" dirty="0">
+                <a:solidFill>
+                  <a:srgbClr val="00FF00"/>
+                </a:solidFill>
+                <a:latin typeface="Cabin"/>
+                <a:ea typeface="Cabin"/>
+                <a:cs typeface="Cabin"/>
+                <a:sym typeface="Cabin"/>
+              </a:rPr>
+              <a:t>Задание</a:t>
             </a:r>
             <a:endParaRPr lang="en-US" sz="7800" dirty="0">
               <a:solidFill>
                 <a:srgbClr val="00FF00"/>
               </a:solidFill>
-              <a:latin typeface="Arial" panose="020B0604020202020204" pitchFamily="34" charset="0"/>
+              <a:latin typeface="Cabin"/>
               <a:ea typeface="Cabin"/>
-              <a:cs typeface="Arial" panose="020B0604020202020204" pitchFamily="34" charset="0"/>
+              <a:cs typeface="Cabin"/>
               <a:sym typeface="Cabin"/>
             </a:endParaRPr>
           </a:p>
@@ -16747,14 +16499,14 @@
       </p:sp>
       <p:sp>
         <p:nvSpPr>
-          <p:cNvPr id="2" name="Rectangle 1"/>
+          <p:cNvPr id="3" name="Rectangle 2"/>
           <p:cNvSpPr/>
           <p:nvPr/>
         </p:nvSpPr>
         <p:spPr>
           <a:xfrm>
-            <a:off x="877526" y="3090576"/>
-            <a:ext cx="14237616" cy="3170099"/>
+            <a:off x="1129018" y="2286000"/>
+            <a:ext cx="13290367" cy="5509200"/>
           </a:xfrm>
           <a:prstGeom prst="rect">
             <a:avLst/>
@@ -16767,98 +16519,126 @@
           <a:lstStyle/>
           <a:p>
             <a:r>
-              <a:rPr lang="ru-RU" sz="4000" dirty="0">
-                <a:latin typeface="PTSans-Regular"/>
-              </a:rPr>
-              <a:t>Генераторы это тоже итерируемые объекты, но прочитать их можно лишь </a:t>
-            </a:r>
-            <a:r>
-              <a:rPr lang="ru-RU" sz="4000" dirty="0" smtClean="0">
-                <a:latin typeface="PTSans-Regular"/>
-              </a:rPr>
-              <a:t>один</a:t>
-            </a:r>
-            <a:r>
-              <a:rPr lang="en-US" sz="4000" dirty="0" smtClean="0">
-                <a:latin typeface="PTSans-Regular"/>
-              </a:rPr>
+              <a:rPr lang="ru-RU" sz="3200" dirty="0"/>
+              <a:t>Создать класс </a:t>
+            </a:r>
+            <a:r>
+              <a:rPr lang="ru-RU" sz="3200" dirty="0" err="1"/>
+              <a:t>RandomList</a:t>
+            </a:r>
+            <a:r>
+              <a:rPr lang="ru-RU" sz="3200" dirty="0"/>
+              <a:t>, в конструктор которого передается число - количество случайно сгенерированных чисел.</a:t>
+            </a:r>
+          </a:p>
+          <a:p>
+            <a:r>
+              <a:rPr lang="ru-RU" sz="3200" dirty="0"/>
+              <a:t>Переопределить два метода __</a:t>
+            </a:r>
+            <a:r>
+              <a:rPr lang="ru-RU" sz="3200" dirty="0" err="1"/>
+              <a:t>iter</a:t>
+            </a:r>
+            <a:r>
+              <a:rPr lang="ru-RU" sz="3200" dirty="0"/>
+              <a:t>__ и __</a:t>
+            </a:r>
+            <a:r>
+              <a:rPr lang="ru-RU" sz="3200" dirty="0" err="1"/>
+              <a:t>next</a:t>
+            </a:r>
+            <a:r>
+              <a:rPr lang="ru-RU" sz="3200" dirty="0"/>
+              <a:t>__ таким образом, что бы класс соответствовал контракту итератора</a:t>
+            </a:r>
+          </a:p>
+          <a:p>
+            <a:br>
+              <a:rPr lang="ru-RU" sz="3200" dirty="0"/>
+            </a:br>
+            <a:endParaRPr lang="ru-RU" sz="3200" dirty="0"/>
+          </a:p>
+          <a:p>
+            <a:r>
+              <a:rPr lang="ru-RU" sz="3200" dirty="0"/>
+              <a:t>Пример работы с классом:</a:t>
+            </a:r>
+          </a:p>
+          <a:p>
+            <a:br>
+              <a:rPr lang="ru-RU" sz="3200" dirty="0"/>
+            </a:br>
+            <a:endParaRPr lang="ru-RU" sz="3200" dirty="0"/>
+          </a:p>
+          <a:p>
+            <a:r>
+              <a:rPr lang="ru-RU" sz="3200" dirty="0" err="1"/>
+              <a:t>for</a:t>
+            </a:r>
+            <a:r>
+              <a:rPr lang="ru-RU" sz="3200" dirty="0"/>
               <a:t> </a:t>
             </a:r>
             <a:r>
-              <a:rPr lang="ru-RU" sz="4000" dirty="0" smtClean="0">
-                <a:latin typeface="PTSans-Regular"/>
-              </a:rPr>
-              <a:t>раз</a:t>
-            </a:r>
-            <a:r>
-              <a:rPr lang="ru-RU" sz="4000" dirty="0">
-                <a:latin typeface="PTSans-Regular"/>
-              </a:rPr>
-              <a:t>. </a:t>
-            </a:r>
-            <a:endParaRPr lang="en-US" sz="4000" dirty="0" smtClean="0">
-              <a:latin typeface="PTSans-Regular"/>
-            </a:endParaRPr>
-          </a:p>
-          <a:p>
-            <a:endParaRPr lang="en-US" sz="4000" dirty="0">
-              <a:latin typeface="PTSans-Regular"/>
-            </a:endParaRPr>
-          </a:p>
-          <a:p>
-            <a:r>
-              <a:rPr lang="ru-RU" sz="4000" dirty="0" smtClean="0">
-                <a:latin typeface="PTSans-Regular"/>
-              </a:rPr>
-              <a:t>Это </a:t>
-            </a:r>
-            <a:r>
-              <a:rPr lang="ru-RU" sz="4000" dirty="0">
-                <a:latin typeface="PTSans-Regular"/>
-              </a:rPr>
-              <a:t>связано с тем, что они не хранят значения в памяти, а генерируют их </a:t>
-            </a:r>
-            <a:r>
-              <a:rPr lang="ru-RU" sz="4000" dirty="0" smtClean="0">
-                <a:latin typeface="PTSans-Regular"/>
-              </a:rPr>
-              <a:t>на</a:t>
-            </a:r>
-            <a:r>
-              <a:rPr lang="en-US" sz="4000" dirty="0" smtClean="0">
-                <a:latin typeface="PTSans-Regular"/>
-              </a:rPr>
+              <a:rPr lang="ru-RU" sz="3200" dirty="0" err="1"/>
+              <a:t>rand</a:t>
+            </a:r>
+            <a:r>
+              <a:rPr lang="ru-RU" sz="3200" dirty="0"/>
               <a:t> </a:t>
             </a:r>
             <a:r>
-              <a:rPr lang="ru-RU" sz="4000" dirty="0" smtClean="0">
-                <a:latin typeface="PTSans-Regular"/>
-              </a:rPr>
-              <a:t>лету</a:t>
-            </a:r>
-            <a:endParaRPr lang="ru-RU" sz="4000" dirty="0">
-              <a:latin typeface="PTMono-Regular"/>
-            </a:endParaRPr>
+              <a:rPr lang="ru-RU" sz="3200" dirty="0" err="1"/>
+              <a:t>in</a:t>
+            </a:r>
+            <a:r>
+              <a:rPr lang="ru-RU" sz="3200" dirty="0"/>
+              <a:t> </a:t>
+            </a:r>
+            <a:r>
+              <a:rPr lang="ru-RU" sz="3200" dirty="0" err="1"/>
+              <a:t>RandomList</a:t>
+            </a:r>
+            <a:r>
+              <a:rPr lang="ru-RU" sz="3200" dirty="0"/>
+              <a:t>(3):</a:t>
+            </a:r>
+          </a:p>
+          <a:p>
+            <a:r>
+              <a:rPr lang="ru-RU" sz="3200" dirty="0"/>
+              <a:t>     </a:t>
+            </a:r>
+            <a:r>
+              <a:rPr lang="ru-RU" sz="3200" dirty="0" err="1"/>
+              <a:t>print</a:t>
+            </a:r>
+            <a:r>
+              <a:rPr lang="ru-RU" sz="3200" dirty="0"/>
+              <a:t>(</a:t>
+            </a:r>
+            <a:r>
+              <a:rPr lang="ru-RU" sz="3200" dirty="0" err="1"/>
+              <a:t>rand</a:t>
+            </a:r>
+            <a:r>
+              <a:rPr lang="ru-RU" sz="3200" dirty="0"/>
+              <a:t>)</a:t>
+            </a:r>
           </a:p>
         </p:txBody>
       </p:sp>
     </p:spTree>
     <p:extLst>
       <p:ext uri="{BB962C8B-B14F-4D97-AF65-F5344CB8AC3E}">
-        <p14:creationId xmlns:p14="http://schemas.microsoft.com/office/powerpoint/2010/main" val="3986518581"/>
+        <p14:creationId xmlns:p14="http://schemas.microsoft.com/office/powerpoint/2010/main" val="1436546310"/>
       </p:ext>
     </p:extLst>
   </p:cSld>
   <p:clrMapOvr>
     <a:masterClrMapping/>
   </p:clrMapOvr>
-  <p:timing>
-    <p:tnLst>
-      <p:par>
-        <p:cTn id="1" dur="indefinite" restart="never" nodeType="tmRoot"/>
-      </p:par>
-    </p:tnLst>
-  </p:timing>
 </p:sld>
 </file>
 
@@ -16946,14 +16726,14 @@
       </p:sp>
       <p:sp>
         <p:nvSpPr>
-          <p:cNvPr id="3" name="Rectangle 2"/>
+          <p:cNvPr id="2" name="Rectangle 1"/>
           <p:cNvSpPr/>
           <p:nvPr/>
         </p:nvSpPr>
         <p:spPr>
           <a:xfrm>
-            <a:off x="1123720" y="2026661"/>
-            <a:ext cx="14299893" cy="3046988"/>
+            <a:off x="877526" y="3090576"/>
+            <a:ext cx="14237616" cy="3170099"/>
           </a:xfrm>
           <a:prstGeom prst="rect">
             <a:avLst/>
@@ -16966,643 +16746,53 @@
           <a:lstStyle/>
           <a:p>
             <a:r>
-              <a:rPr lang="ru-RU" sz="3200" dirty="0">
-                <a:latin typeface="+mn-lt"/>
-              </a:rPr>
-              <a:t>Генератор — это функция, которая использует </a:t>
-            </a:r>
-            <a:r>
-              <a:rPr lang="ru-RU" sz="3200" dirty="0" smtClean="0">
-                <a:latin typeface="+mn-lt"/>
-              </a:rPr>
-              <a:t>вместо оператора </a:t>
-            </a:r>
-            <a:r>
-              <a:rPr lang="ru-RU" sz="3200" b="1" dirty="0" smtClean="0">
-                <a:solidFill>
-                  <a:srgbClr val="008000"/>
-                </a:solidFill>
-                <a:latin typeface="+mn-lt"/>
-              </a:rPr>
-              <a:t>return</a:t>
-            </a:r>
-            <a:r>
-              <a:rPr lang="ru-RU" sz="3200" dirty="0">
-                <a:latin typeface="+mn-lt"/>
+              <a:rPr lang="ru-RU" sz="4000" dirty="0">
+                <a:latin typeface="PTSans-Regular"/>
+              </a:rPr>
+              <a:t>Генераторы это тоже итерируемые объекты, но прочитать их можно лишь один</a:t>
+            </a:r>
+            <a:r>
+              <a:rPr lang="en-US" sz="4000" dirty="0">
+                <a:latin typeface="PTSans-Regular"/>
               </a:rPr>
               <a:t> </a:t>
             </a:r>
             <a:r>
-              <a:rPr lang="ru-RU" sz="3200" dirty="0" smtClean="0">
-                <a:latin typeface="+mn-lt"/>
-              </a:rPr>
-              <a:t>- оператор </a:t>
-            </a:r>
-            <a:r>
-              <a:rPr lang="ru-RU" sz="3200" b="1" dirty="0">
-                <a:solidFill>
-                  <a:srgbClr val="008000"/>
-                </a:solidFill>
-                <a:latin typeface="+mn-lt"/>
-              </a:rPr>
-              <a:t>yield</a:t>
-            </a:r>
-            <a:r>
-              <a:rPr lang="ru-RU" sz="3200" dirty="0" smtClean="0">
-                <a:latin typeface="+mn-lt"/>
-              </a:rPr>
-              <a:t>.</a:t>
-            </a:r>
-            <a:endParaRPr lang="en-US" sz="3200" dirty="0" smtClean="0">
-              <a:latin typeface="+mn-lt"/>
+              <a:rPr lang="ru-RU" sz="4000" dirty="0">
+                <a:latin typeface="PTSans-Regular"/>
+              </a:rPr>
+              <a:t>раз. </a:t>
+            </a:r>
+            <a:endParaRPr lang="en-US" sz="4000" dirty="0">
+              <a:latin typeface="PTSans-Regular"/>
             </a:endParaRPr>
           </a:p>
           <a:p>
-            <a:endParaRPr lang="ru-RU" sz="3200" dirty="0">
-              <a:latin typeface="+mn-lt"/>
+            <a:endParaRPr lang="en-US" sz="4000" dirty="0">
+              <a:latin typeface="PTSans-Regular"/>
             </a:endParaRPr>
           </a:p>
           <a:p>
             <a:r>
-              <a:rPr lang="ru-RU" sz="3200" dirty="0" smtClean="0">
-                <a:latin typeface="+mn-lt"/>
-              </a:rPr>
-              <a:t>В </a:t>
-            </a:r>
-            <a:r>
-              <a:rPr lang="ru-RU" sz="3200" dirty="0">
-                <a:latin typeface="+mn-lt"/>
-              </a:rPr>
-              <a:t>результате выполнения оператора </a:t>
-            </a:r>
-            <a:r>
-              <a:rPr lang="ru-RU" sz="3200" b="1" dirty="0">
-                <a:solidFill>
-                  <a:srgbClr val="008000"/>
-                </a:solidFill>
-                <a:latin typeface="+mn-lt"/>
-              </a:rPr>
-              <a:t>yield </a:t>
-            </a:r>
-            <a:r>
-              <a:rPr lang="ru-RU" sz="3200" dirty="0">
-                <a:latin typeface="+mn-lt"/>
-              </a:rPr>
-              <a:t>работа </a:t>
-            </a:r>
-            <a:r>
-              <a:rPr lang="ru-RU" sz="3200" dirty="0" smtClean="0">
-                <a:latin typeface="+mn-lt"/>
-              </a:rPr>
-              <a:t>функции</a:t>
-            </a:r>
-            <a:r>
-              <a:rPr lang="en-US" sz="3200" dirty="0">
-                <a:latin typeface="+mn-lt"/>
+              <a:rPr lang="ru-RU" sz="4000" dirty="0">
+                <a:latin typeface="PTSans-Regular"/>
+              </a:rPr>
+              <a:t>Это связано с тем, что они не хранят значения в памяти, а генерируют их на</a:t>
+            </a:r>
+            <a:r>
+              <a:rPr lang="en-US" sz="4000" dirty="0">
+                <a:latin typeface="PTSans-Regular"/>
               </a:rPr>
               <a:t> </a:t>
             </a:r>
             <a:r>
-              <a:rPr lang="ru-RU" sz="3200" b="1" dirty="0" smtClean="0">
-                <a:latin typeface="+mn-lt"/>
-              </a:rPr>
-              <a:t>приостанавливается</a:t>
-            </a:r>
-            <a:r>
-              <a:rPr lang="ru-RU" sz="3200" dirty="0">
-                <a:latin typeface="+mn-lt"/>
-              </a:rPr>
-              <a:t>, а не прерывается, как </a:t>
-            </a:r>
-            <a:r>
-              <a:rPr lang="ru-RU" sz="3200" dirty="0" smtClean="0">
-                <a:latin typeface="+mn-lt"/>
-              </a:rPr>
-              <a:t>при использовании </a:t>
-            </a:r>
-            <a:r>
-              <a:rPr lang="ru-RU" sz="3200" dirty="0">
-                <a:latin typeface="+mn-lt"/>
-              </a:rPr>
-              <a:t>оператора </a:t>
-            </a:r>
-            <a:r>
-              <a:rPr lang="en-US" sz="3200" b="1" dirty="0">
-                <a:solidFill>
-                  <a:srgbClr val="008000"/>
-                </a:solidFill>
-                <a:latin typeface="+mn-lt"/>
-              </a:rPr>
-              <a:t>return</a:t>
-            </a:r>
-            <a:r>
-              <a:rPr lang="en-US" sz="3200" dirty="0">
-                <a:latin typeface="+mn-lt"/>
-              </a:rPr>
-              <a:t>.</a:t>
-            </a:r>
-            <a:endParaRPr lang="ru-RU" sz="3200" dirty="0">
-              <a:latin typeface="+mn-lt"/>
-            </a:endParaRPr>
-          </a:p>
-        </p:txBody>
-      </p:sp>
-      <p:sp>
-        <p:nvSpPr>
-          <p:cNvPr id="2" name="Rectangle 1"/>
-          <p:cNvSpPr/>
-          <p:nvPr/>
-        </p:nvSpPr>
-        <p:spPr>
-          <a:xfrm>
-            <a:off x="2543673" y="5207484"/>
-            <a:ext cx="4804578" cy="3785652"/>
-          </a:xfrm>
-          <a:prstGeom prst="rect">
-            <a:avLst/>
-          </a:prstGeom>
-        </p:spPr>
-        <p:txBody>
-          <a:bodyPr wrap="square">
-            <a:spAutoFit/>
-          </a:bodyPr>
-          <a:lstStyle/>
-          <a:p>
-            <a:r>
-              <a:rPr lang="ru-RU" sz="3600" dirty="0" smtClean="0">
-                <a:latin typeface="+mn-lt"/>
-              </a:rPr>
-              <a:t>Пример:</a:t>
-            </a:r>
-            <a:endParaRPr lang="en-US" sz="3600" dirty="0" smtClean="0">
-              <a:latin typeface="+mn-lt"/>
-            </a:endParaRPr>
-          </a:p>
-          <a:p>
-            <a:endParaRPr lang="en-US" sz="3600" dirty="0" smtClean="0">
-              <a:latin typeface="+mn-lt"/>
-            </a:endParaRPr>
-          </a:p>
-          <a:p>
-            <a:r>
-              <a:rPr lang="en-US" sz="2400" b="1" dirty="0" err="1" smtClean="0">
-                <a:solidFill>
-                  <a:srgbClr val="008000"/>
-                </a:solidFill>
-                <a:latin typeface="+mn-lt"/>
-              </a:rPr>
-              <a:t>def</a:t>
-            </a:r>
-            <a:r>
-              <a:rPr lang="en-US" sz="2400" b="1" dirty="0" smtClean="0">
-                <a:solidFill>
-                  <a:srgbClr val="008000"/>
-                </a:solidFill>
-                <a:latin typeface="+mn-lt"/>
-              </a:rPr>
-              <a:t> </a:t>
-            </a:r>
-            <a:r>
-              <a:rPr lang="en-US" sz="2400" dirty="0">
-                <a:solidFill>
-                  <a:srgbClr val="0000FF"/>
-                </a:solidFill>
-                <a:latin typeface="+mn-lt"/>
-              </a:rPr>
-              <a:t>g</a:t>
-            </a:r>
-            <a:r>
-              <a:rPr lang="en-US" sz="2400" dirty="0">
-                <a:latin typeface="+mn-lt"/>
-              </a:rPr>
-              <a:t>():</a:t>
-            </a:r>
-          </a:p>
-          <a:p>
-            <a:r>
-              <a:rPr lang="en-US" sz="2400" b="1" dirty="0">
-                <a:solidFill>
-                  <a:srgbClr val="000080"/>
-                </a:solidFill>
-                <a:latin typeface="+mn-lt"/>
-              </a:rPr>
-              <a:t>	</a:t>
-            </a:r>
-            <a:r>
-              <a:rPr lang="en-US" sz="2400" dirty="0" smtClean="0">
-                <a:solidFill>
-                  <a:srgbClr val="008000"/>
-                </a:solidFill>
-                <a:latin typeface="+mn-lt"/>
-              </a:rPr>
-              <a:t>print</a:t>
-            </a:r>
-            <a:r>
-              <a:rPr lang="en-US" sz="2400" dirty="0" smtClean="0">
-                <a:latin typeface="+mn-lt"/>
-              </a:rPr>
-              <a:t>(</a:t>
-            </a:r>
-            <a:r>
-              <a:rPr lang="en-US" sz="2400" dirty="0" smtClean="0">
-                <a:solidFill>
-                  <a:srgbClr val="BB2121"/>
-                </a:solidFill>
-                <a:latin typeface="+mn-lt"/>
-              </a:rPr>
-              <a:t>"Started"</a:t>
-            </a:r>
-            <a:r>
-              <a:rPr lang="en-US" sz="2400" dirty="0" smtClean="0">
-                <a:latin typeface="+mn-lt"/>
-              </a:rPr>
-              <a:t>)</a:t>
-            </a:r>
-          </a:p>
-          <a:p>
-            <a:r>
-              <a:rPr lang="ru-RU" sz="2400" b="1" dirty="0" smtClean="0">
-                <a:solidFill>
-                  <a:srgbClr val="000080"/>
-                </a:solidFill>
-                <a:latin typeface="+mn-lt"/>
-              </a:rPr>
-              <a:t>	</a:t>
-            </a:r>
-            <a:r>
-              <a:rPr lang="en-US" sz="2400" dirty="0" smtClean="0">
-                <a:latin typeface="+mn-lt"/>
-              </a:rPr>
-              <a:t>x </a:t>
-            </a:r>
-            <a:r>
-              <a:rPr lang="en-US" sz="2400" dirty="0">
-                <a:solidFill>
-                  <a:srgbClr val="666666"/>
-                </a:solidFill>
-                <a:latin typeface="+mn-lt"/>
-              </a:rPr>
-              <a:t>= 42</a:t>
-            </a:r>
-          </a:p>
-          <a:p>
-            <a:r>
-              <a:rPr lang="ru-RU" sz="2400" b="1" dirty="0" smtClean="0">
-                <a:solidFill>
-                  <a:srgbClr val="000080"/>
-                </a:solidFill>
-                <a:latin typeface="+mn-lt"/>
-              </a:rPr>
-              <a:t>	</a:t>
-            </a:r>
-            <a:r>
-              <a:rPr lang="en-US" sz="2400" b="1" dirty="0" smtClean="0">
-                <a:solidFill>
-                  <a:srgbClr val="008000"/>
-                </a:solidFill>
-                <a:latin typeface="+mn-lt"/>
-              </a:rPr>
-              <a:t>yield </a:t>
-            </a:r>
-            <a:r>
-              <a:rPr lang="en-US" sz="2400" dirty="0">
-                <a:latin typeface="+mn-lt"/>
-              </a:rPr>
-              <a:t>x</a:t>
-            </a:r>
-          </a:p>
-          <a:p>
-            <a:r>
-              <a:rPr lang="ru-RU" sz="2400" b="1" dirty="0" smtClean="0">
-                <a:solidFill>
-                  <a:srgbClr val="000080"/>
-                </a:solidFill>
-                <a:latin typeface="+mn-lt"/>
-              </a:rPr>
-              <a:t>	</a:t>
-            </a:r>
-            <a:r>
-              <a:rPr lang="en-US" sz="2400" dirty="0" smtClean="0">
-                <a:latin typeface="+mn-lt"/>
-              </a:rPr>
-              <a:t>x </a:t>
-            </a:r>
-            <a:r>
-              <a:rPr lang="en-US" sz="2400" dirty="0">
-                <a:solidFill>
-                  <a:srgbClr val="666666"/>
-                </a:solidFill>
-                <a:latin typeface="+mn-lt"/>
-              </a:rPr>
-              <a:t>+= 1</a:t>
-            </a:r>
-          </a:p>
-          <a:p>
-            <a:r>
-              <a:rPr lang="ru-RU" sz="2400" b="1" dirty="0" smtClean="0">
-                <a:solidFill>
-                  <a:srgbClr val="000080"/>
-                </a:solidFill>
-                <a:latin typeface="+mn-lt"/>
-              </a:rPr>
-              <a:t>	</a:t>
-            </a:r>
-            <a:r>
-              <a:rPr lang="en-US" sz="2400" b="1" dirty="0" smtClean="0">
-                <a:solidFill>
-                  <a:srgbClr val="008000"/>
-                </a:solidFill>
-                <a:latin typeface="+mn-lt"/>
-              </a:rPr>
-              <a:t>yield </a:t>
-            </a:r>
-            <a:r>
-              <a:rPr lang="en-US" sz="2400" dirty="0">
-                <a:latin typeface="+mn-lt"/>
-              </a:rPr>
-              <a:t>x</a:t>
-            </a:r>
-          </a:p>
-          <a:p>
-            <a:r>
-              <a:rPr lang="ru-RU" sz="2400" b="1" dirty="0" smtClean="0">
-                <a:solidFill>
-                  <a:srgbClr val="000080"/>
-                </a:solidFill>
-                <a:latin typeface="+mn-lt"/>
-              </a:rPr>
-              <a:t>	</a:t>
-            </a:r>
-            <a:r>
-              <a:rPr lang="en-US" sz="2400" dirty="0" smtClean="0">
-                <a:solidFill>
-                  <a:srgbClr val="008000"/>
-                </a:solidFill>
-                <a:latin typeface="+mn-lt"/>
-              </a:rPr>
-              <a:t>print</a:t>
-            </a:r>
-            <a:r>
-              <a:rPr lang="en-US" sz="2400" dirty="0">
-                <a:latin typeface="+mn-lt"/>
-              </a:rPr>
-              <a:t>(</a:t>
-            </a:r>
-            <a:r>
-              <a:rPr lang="en-US" sz="2400" dirty="0">
-                <a:solidFill>
-                  <a:srgbClr val="BB2121"/>
-                </a:solidFill>
-                <a:latin typeface="+mn-lt"/>
-              </a:rPr>
-              <a:t>"Done"</a:t>
-            </a:r>
-            <a:r>
-              <a:rPr lang="en-US" sz="2400" dirty="0">
-                <a:latin typeface="+mn-lt"/>
-              </a:rPr>
-              <a:t>)</a:t>
-            </a:r>
-            <a:endParaRPr lang="ru-RU" sz="4400" dirty="0">
-              <a:latin typeface="+mn-lt"/>
-            </a:endParaRPr>
-          </a:p>
-        </p:txBody>
-      </p:sp>
-      <p:sp>
-        <p:nvSpPr>
-          <p:cNvPr id="4" name="Rectangle 3"/>
-          <p:cNvSpPr/>
-          <p:nvPr/>
-        </p:nvSpPr>
-        <p:spPr>
-          <a:xfrm>
-            <a:off x="8955489" y="5358348"/>
-            <a:ext cx="5906265" cy="3785652"/>
-          </a:xfrm>
-          <a:prstGeom prst="rect">
-            <a:avLst/>
-          </a:prstGeom>
-        </p:spPr>
-        <p:txBody>
-          <a:bodyPr wrap="square">
-            <a:spAutoFit/>
-          </a:bodyPr>
-          <a:lstStyle/>
-          <a:p>
-            <a:r>
-              <a:rPr lang="en-US" sz="2400" b="1" dirty="0">
-                <a:solidFill>
-                  <a:srgbClr val="000080"/>
-                </a:solidFill>
-                <a:latin typeface="Arial" panose="020B0604020202020204" pitchFamily="34" charset="0"/>
-                <a:cs typeface="Arial" panose="020B0604020202020204" pitchFamily="34" charset="0"/>
-              </a:rPr>
-              <a:t>&gt;&gt;&gt; </a:t>
-            </a:r>
-            <a:r>
-              <a:rPr lang="en-US" sz="2400" dirty="0">
-                <a:solidFill>
-                  <a:srgbClr val="008000"/>
-                </a:solidFill>
-                <a:latin typeface="Arial" panose="020B0604020202020204" pitchFamily="34" charset="0"/>
-                <a:cs typeface="Arial" panose="020B0604020202020204" pitchFamily="34" charset="0"/>
-              </a:rPr>
-              <a:t>type</a:t>
-            </a:r>
-            <a:r>
-              <a:rPr lang="en-US" sz="2400" dirty="0">
-                <a:latin typeface="Arial" panose="020B0604020202020204" pitchFamily="34" charset="0"/>
-                <a:cs typeface="Arial" panose="020B0604020202020204" pitchFamily="34" charset="0"/>
-              </a:rPr>
-              <a:t>(g)</a:t>
-            </a:r>
-          </a:p>
-          <a:p>
-            <a:r>
-              <a:rPr lang="en-US" sz="2400" dirty="0">
-                <a:solidFill>
-                  <a:srgbClr val="888888"/>
-                </a:solidFill>
-                <a:latin typeface="Arial" panose="020B0604020202020204" pitchFamily="34" charset="0"/>
-                <a:cs typeface="Arial" panose="020B0604020202020204" pitchFamily="34" charset="0"/>
-              </a:rPr>
-              <a:t>&lt;class 'function'&gt;</a:t>
-            </a:r>
-          </a:p>
-          <a:p>
-            <a:r>
-              <a:rPr lang="en-US" sz="2400" b="1" dirty="0">
-                <a:solidFill>
-                  <a:srgbClr val="000080"/>
-                </a:solidFill>
-                <a:latin typeface="Arial" panose="020B0604020202020204" pitchFamily="34" charset="0"/>
-                <a:cs typeface="Arial" panose="020B0604020202020204" pitchFamily="34" charset="0"/>
-              </a:rPr>
-              <a:t>&gt;&gt;&gt; </a:t>
-            </a:r>
-            <a:r>
-              <a:rPr lang="en-US" sz="2400" dirty="0">
-                <a:latin typeface="Arial" panose="020B0604020202020204" pitchFamily="34" charset="0"/>
-                <a:cs typeface="Arial" panose="020B0604020202020204" pitchFamily="34" charset="0"/>
-              </a:rPr>
-              <a:t>gen </a:t>
-            </a:r>
-            <a:r>
-              <a:rPr lang="en-US" sz="2400" dirty="0">
-                <a:solidFill>
-                  <a:srgbClr val="666666"/>
-                </a:solidFill>
-                <a:latin typeface="Arial" panose="020B0604020202020204" pitchFamily="34" charset="0"/>
-                <a:cs typeface="Arial" panose="020B0604020202020204" pitchFamily="34" charset="0"/>
-              </a:rPr>
-              <a:t>= </a:t>
-            </a:r>
-            <a:r>
-              <a:rPr lang="en-US" sz="2400" dirty="0">
-                <a:latin typeface="Arial" panose="020B0604020202020204" pitchFamily="34" charset="0"/>
-                <a:cs typeface="Arial" panose="020B0604020202020204" pitchFamily="34" charset="0"/>
-              </a:rPr>
-              <a:t>g()</a:t>
-            </a:r>
-          </a:p>
-          <a:p>
-            <a:r>
-              <a:rPr lang="en-US" sz="2400" b="1" dirty="0">
-                <a:solidFill>
-                  <a:srgbClr val="000080"/>
-                </a:solidFill>
-                <a:latin typeface="Arial" panose="020B0604020202020204" pitchFamily="34" charset="0"/>
-                <a:cs typeface="Arial" panose="020B0604020202020204" pitchFamily="34" charset="0"/>
-              </a:rPr>
-              <a:t>&gt;&gt;&gt; </a:t>
-            </a:r>
-            <a:r>
-              <a:rPr lang="en-US" sz="2400" dirty="0">
-                <a:solidFill>
-                  <a:srgbClr val="008000"/>
-                </a:solidFill>
-                <a:latin typeface="Arial" panose="020B0604020202020204" pitchFamily="34" charset="0"/>
-                <a:cs typeface="Arial" panose="020B0604020202020204" pitchFamily="34" charset="0"/>
-              </a:rPr>
-              <a:t>type</a:t>
-            </a:r>
-            <a:r>
-              <a:rPr lang="en-US" sz="2400" dirty="0">
-                <a:latin typeface="Arial" panose="020B0604020202020204" pitchFamily="34" charset="0"/>
-                <a:cs typeface="Arial" panose="020B0604020202020204" pitchFamily="34" charset="0"/>
-              </a:rPr>
-              <a:t>(gen)</a:t>
-            </a:r>
-          </a:p>
-          <a:p>
-            <a:r>
-              <a:rPr lang="en-US" sz="2400" dirty="0">
-                <a:solidFill>
-                  <a:srgbClr val="888888"/>
-                </a:solidFill>
-                <a:latin typeface="Arial" panose="020B0604020202020204" pitchFamily="34" charset="0"/>
-                <a:cs typeface="Arial" panose="020B0604020202020204" pitchFamily="34" charset="0"/>
-              </a:rPr>
-              <a:t>&lt;class 'generator'&gt;</a:t>
-            </a:r>
-          </a:p>
-          <a:p>
-            <a:r>
-              <a:rPr lang="en-US" sz="2400" b="1" dirty="0">
-                <a:solidFill>
-                  <a:srgbClr val="000080"/>
-                </a:solidFill>
-                <a:latin typeface="Arial" panose="020B0604020202020204" pitchFamily="34" charset="0"/>
-                <a:cs typeface="Arial" panose="020B0604020202020204" pitchFamily="34" charset="0"/>
-              </a:rPr>
-              <a:t>&gt;&gt;&gt; </a:t>
-            </a:r>
-            <a:r>
-              <a:rPr lang="en-US" sz="2400" dirty="0">
-                <a:solidFill>
-                  <a:srgbClr val="008000"/>
-                </a:solidFill>
-                <a:latin typeface="Arial" panose="020B0604020202020204" pitchFamily="34" charset="0"/>
-                <a:cs typeface="Arial" panose="020B0604020202020204" pitchFamily="34" charset="0"/>
-              </a:rPr>
-              <a:t>next</a:t>
-            </a:r>
-            <a:r>
-              <a:rPr lang="en-US" sz="2400" dirty="0">
-                <a:latin typeface="Arial" panose="020B0604020202020204" pitchFamily="34" charset="0"/>
-                <a:cs typeface="Arial" panose="020B0604020202020204" pitchFamily="34" charset="0"/>
-              </a:rPr>
-              <a:t>(gen)</a:t>
-            </a:r>
-          </a:p>
-          <a:p>
-            <a:r>
-              <a:rPr lang="en-US" sz="2400" dirty="0">
-                <a:solidFill>
-                  <a:srgbClr val="888888"/>
-                </a:solidFill>
-                <a:latin typeface="Arial" panose="020B0604020202020204" pitchFamily="34" charset="0"/>
-                <a:cs typeface="Arial" panose="020B0604020202020204" pitchFamily="34" charset="0"/>
-              </a:rPr>
-              <a:t>Starting ...</a:t>
-            </a:r>
-          </a:p>
-          <a:p>
-            <a:r>
-              <a:rPr lang="ru-RU" sz="2400" dirty="0">
-                <a:solidFill>
-                  <a:srgbClr val="888888"/>
-                </a:solidFill>
-                <a:latin typeface="Arial" panose="020B0604020202020204" pitchFamily="34" charset="0"/>
-                <a:cs typeface="Arial" panose="020B0604020202020204" pitchFamily="34" charset="0"/>
-              </a:rPr>
-              <a:t>42</a:t>
-            </a:r>
-          </a:p>
-          <a:p>
-            <a:r>
-              <a:rPr lang="en-US" sz="2400" b="1" dirty="0">
-                <a:solidFill>
-                  <a:srgbClr val="000080"/>
-                </a:solidFill>
-                <a:latin typeface="Arial" panose="020B0604020202020204" pitchFamily="34" charset="0"/>
-                <a:cs typeface="Arial" panose="020B0604020202020204" pitchFamily="34" charset="0"/>
-              </a:rPr>
-              <a:t>&gt;&gt;&gt; </a:t>
-            </a:r>
-            <a:r>
-              <a:rPr lang="en-US" sz="2400" dirty="0">
-                <a:solidFill>
-                  <a:srgbClr val="008000"/>
-                </a:solidFill>
-                <a:latin typeface="Arial" panose="020B0604020202020204" pitchFamily="34" charset="0"/>
-                <a:cs typeface="Arial" panose="020B0604020202020204" pitchFamily="34" charset="0"/>
-              </a:rPr>
-              <a:t>next</a:t>
-            </a:r>
-            <a:r>
-              <a:rPr lang="en-US" sz="2400" dirty="0">
-                <a:latin typeface="Arial" panose="020B0604020202020204" pitchFamily="34" charset="0"/>
-                <a:cs typeface="Arial" panose="020B0604020202020204" pitchFamily="34" charset="0"/>
-              </a:rPr>
-              <a:t>(gen)</a:t>
-            </a:r>
-          </a:p>
-          <a:p>
-            <a:r>
-              <a:rPr lang="ru-RU" sz="2400" dirty="0">
-                <a:solidFill>
-                  <a:srgbClr val="888888"/>
-                </a:solidFill>
-                <a:latin typeface="Arial" panose="020B0604020202020204" pitchFamily="34" charset="0"/>
-                <a:cs typeface="Arial" panose="020B0604020202020204" pitchFamily="34" charset="0"/>
-              </a:rPr>
-              <a:t>43</a:t>
-            </a:r>
-            <a:endParaRPr lang="ru-RU" sz="2400" dirty="0">
-              <a:latin typeface="Arial" panose="020B0604020202020204" pitchFamily="34" charset="0"/>
-              <a:cs typeface="Arial" panose="020B0604020202020204" pitchFamily="34" charset="0"/>
+              <a:rPr lang="ru-RU" sz="4000" dirty="0">
+                <a:latin typeface="PTSans-Regular"/>
+              </a:rPr>
+              <a:t>лету</a:t>
+            </a:r>
+            <a:endParaRPr lang="ru-RU" sz="4000" dirty="0">
+              <a:latin typeface="PTMono-Regular"/>
             </a:endParaRPr>
           </a:p>
         </p:txBody>
@@ -17610,20 +16800,13 @@
     </p:spTree>
     <p:extLst>
       <p:ext uri="{BB962C8B-B14F-4D97-AF65-F5344CB8AC3E}">
-        <p14:creationId xmlns:p14="http://schemas.microsoft.com/office/powerpoint/2010/main" val="2983804471"/>
+        <p14:creationId xmlns:p14="http://schemas.microsoft.com/office/powerpoint/2010/main" val="3986518581"/>
       </p:ext>
     </p:extLst>
   </p:cSld>
   <p:clrMapOvr>
     <a:masterClrMapping/>
   </p:clrMapOvr>
-  <p:timing>
-    <p:tnLst>
-      <p:par>
-        <p:cTn id="1" dur="indefinite" restart="never" nodeType="tmRoot"/>
-      </p:par>
-    </p:tnLst>
-  </p:timing>
 </p:sld>
 </file>
 
@@ -17695,27 +16878,7 @@
                 <a:latin typeface="Arial" panose="020B0604020202020204" pitchFamily="34" charset="0"/>
                 <a:cs typeface="Arial" panose="020B0604020202020204" pitchFamily="34" charset="0"/>
               </a:rPr>
-              <a:t>Примеры генераторов: </a:t>
-            </a:r>
-            <a:r>
-              <a:rPr lang="en-US" sz="8000" dirty="0" smtClean="0">
-                <a:solidFill>
-                  <a:srgbClr val="CD0000"/>
-                </a:solidFill>
-                <a:latin typeface="Arial" panose="020B0604020202020204" pitchFamily="34" charset="0"/>
-                <a:cs typeface="Arial" panose="020B0604020202020204" pitchFamily="34" charset="0"/>
-              </a:rPr>
-              <a:t>chain</a:t>
-            </a:r>
-            <a:r>
-              <a:rPr lang="ru-RU" sz="8000" dirty="0" smtClean="0">
-                <a:solidFill>
-                  <a:srgbClr val="CD0000"/>
-                </a:solidFill>
-                <a:latin typeface="Arial" panose="020B0604020202020204" pitchFamily="34" charset="0"/>
-                <a:cs typeface="Arial" panose="020B0604020202020204" pitchFamily="34" charset="0"/>
-              </a:rPr>
-              <a:t>	</a:t>
+              <a:t>Генераторы</a:t>
             </a:r>
             <a:endParaRPr lang="en-US" sz="7800" dirty="0">
               <a:solidFill>
@@ -17725,6 +16888,133 @@
               <a:ea typeface="Cabin"/>
               <a:cs typeface="Arial" panose="020B0604020202020204" pitchFamily="34" charset="0"/>
               <a:sym typeface="Cabin"/>
+            </a:endParaRPr>
+          </a:p>
+        </p:txBody>
+      </p:sp>
+      <p:sp>
+        <p:nvSpPr>
+          <p:cNvPr id="3" name="Rectangle 2"/>
+          <p:cNvSpPr/>
+          <p:nvPr/>
+        </p:nvSpPr>
+        <p:spPr>
+          <a:xfrm>
+            <a:off x="1123720" y="2026661"/>
+            <a:ext cx="14299893" cy="3046988"/>
+          </a:xfrm>
+          <a:prstGeom prst="rect">
+            <a:avLst/>
+          </a:prstGeom>
+        </p:spPr>
+        <p:txBody>
+          <a:bodyPr wrap="square">
+            <a:spAutoFit/>
+          </a:bodyPr>
+          <a:lstStyle/>
+          <a:p>
+            <a:r>
+              <a:rPr lang="ru-RU" sz="3200" dirty="0">
+                <a:latin typeface="+mn-lt"/>
+              </a:rPr>
+              <a:t>Генератор — это функция, которая использует вместо оператора </a:t>
+            </a:r>
+            <a:r>
+              <a:rPr lang="ru-RU" sz="3200" b="1" dirty="0">
+                <a:solidFill>
+                  <a:srgbClr val="008000"/>
+                </a:solidFill>
+                <a:latin typeface="+mn-lt"/>
+              </a:rPr>
+              <a:t>return</a:t>
+            </a:r>
+            <a:r>
+              <a:rPr lang="ru-RU" sz="3200" dirty="0">
+                <a:latin typeface="+mn-lt"/>
+              </a:rPr>
+              <a:t> - оператор </a:t>
+            </a:r>
+            <a:r>
+              <a:rPr lang="ru-RU" sz="3200" b="1" dirty="0">
+                <a:solidFill>
+                  <a:srgbClr val="008000"/>
+                </a:solidFill>
+                <a:latin typeface="+mn-lt"/>
+              </a:rPr>
+              <a:t>yield</a:t>
+            </a:r>
+            <a:r>
+              <a:rPr lang="ru-RU" sz="3200" dirty="0">
+                <a:latin typeface="+mn-lt"/>
+              </a:rPr>
+              <a:t>.</a:t>
+            </a:r>
+            <a:endParaRPr lang="en-US" sz="3200" dirty="0">
+              <a:latin typeface="+mn-lt"/>
+            </a:endParaRPr>
+          </a:p>
+          <a:p>
+            <a:endParaRPr lang="ru-RU" sz="3200" dirty="0">
+              <a:latin typeface="+mn-lt"/>
+            </a:endParaRPr>
+          </a:p>
+          <a:p>
+            <a:r>
+              <a:rPr lang="ru-RU" sz="3200" dirty="0">
+                <a:latin typeface="+mn-lt"/>
+              </a:rPr>
+              <a:t>В результате выполнения оператора </a:t>
+            </a:r>
+            <a:r>
+              <a:rPr lang="ru-RU" sz="3200" b="1" dirty="0">
+                <a:solidFill>
+                  <a:srgbClr val="008000"/>
+                </a:solidFill>
+                <a:latin typeface="+mn-lt"/>
+              </a:rPr>
+              <a:t>yield </a:t>
+            </a:r>
+            <a:r>
+              <a:rPr lang="ru-RU" sz="3200" dirty="0">
+                <a:latin typeface="+mn-lt"/>
+              </a:rPr>
+              <a:t>работа функции</a:t>
+            </a:r>
+            <a:r>
+              <a:rPr lang="en-US" sz="3200" dirty="0">
+                <a:latin typeface="+mn-lt"/>
+              </a:rPr>
+              <a:t> </a:t>
+            </a:r>
+            <a:r>
+              <a:rPr lang="ru-RU" sz="3200" b="1" dirty="0">
+                <a:latin typeface="+mn-lt"/>
+              </a:rPr>
+              <a:t>приостанавливается</a:t>
+            </a:r>
+            <a:r>
+              <a:rPr lang="ru-RU" sz="3200" dirty="0">
+                <a:latin typeface="+mn-lt"/>
+              </a:rPr>
+              <a:t>, а не прерывается, как при использовании оператора </a:t>
+            </a:r>
+            <a:r>
+              <a:rPr lang="en-US" sz="3200" b="1" dirty="0">
+                <a:solidFill>
+                  <a:srgbClr val="008000"/>
+                </a:solidFill>
+                <a:latin typeface="+mn-lt"/>
+              </a:rPr>
+              <a:t>return</a:t>
+            </a:r>
+            <a:r>
+              <a:rPr lang="en-US" sz="3200" dirty="0">
+                <a:latin typeface="+mn-lt"/>
+              </a:rPr>
+              <a:t>.</a:t>
+            </a:r>
+            <a:endParaRPr lang="ru-RU" sz="3200" dirty="0">
+              <a:latin typeface="+mn-lt"/>
             </a:endParaRPr>
           </a:p>
         </p:txBody>
@@ -17737,8 +17027,8 @@
         </p:nvSpPr>
         <p:spPr>
           <a:xfrm>
-            <a:off x="2860563" y="2473631"/>
-            <a:ext cx="10447813" cy="6494085"/>
+            <a:off x="2543673" y="5207484"/>
+            <a:ext cx="4804578" cy="3785652"/>
           </a:xfrm>
           <a:prstGeom prst="rect">
             <a:avLst/>
@@ -17751,595 +17041,480 @@
           <a:lstStyle/>
           <a:p>
             <a:r>
-              <a:rPr lang="en-US" sz="3200" b="1" dirty="0">
+              <a:rPr lang="ru-RU" sz="3600" dirty="0">
+                <a:latin typeface="+mn-lt"/>
+              </a:rPr>
+              <a:t>Пример:</a:t>
+            </a:r>
+            <a:endParaRPr lang="en-US" sz="3600" dirty="0">
+              <a:latin typeface="+mn-lt"/>
+            </a:endParaRPr>
+          </a:p>
+          <a:p>
+            <a:endParaRPr lang="en-US" sz="3600" dirty="0">
+              <a:latin typeface="+mn-lt"/>
+            </a:endParaRPr>
+          </a:p>
+          <a:p>
+            <a:r>
+              <a:rPr lang="en-US" sz="2400" b="1" dirty="0" err="1">
+                <a:solidFill>
+                  <a:srgbClr val="008000"/>
+                </a:solidFill>
+                <a:latin typeface="+mn-lt"/>
+              </a:rPr>
+              <a:t>def</a:t>
+            </a:r>
+            <a:r>
+              <a:rPr lang="en-US" sz="2400" b="1" dirty="0">
+                <a:solidFill>
+                  <a:srgbClr val="008000"/>
+                </a:solidFill>
+                <a:latin typeface="+mn-lt"/>
+              </a:rPr>
+              <a:t> </a:t>
+            </a:r>
+            <a:r>
+              <a:rPr lang="en-US" sz="2400" dirty="0">
+                <a:solidFill>
+                  <a:srgbClr val="0000FF"/>
+                </a:solidFill>
+                <a:latin typeface="+mn-lt"/>
+              </a:rPr>
+              <a:t>g</a:t>
+            </a:r>
+            <a:r>
+              <a:rPr lang="en-US" sz="2400" dirty="0">
+                <a:latin typeface="+mn-lt"/>
+              </a:rPr>
+              <a:t>():</a:t>
+            </a:r>
+          </a:p>
+          <a:p>
+            <a:r>
+              <a:rPr lang="en-US" sz="2400" b="1" dirty="0">
                 <a:solidFill>
                   <a:srgbClr val="000080"/>
                 </a:solidFill>
-                <a:latin typeface="+mj-lt"/>
+                <a:latin typeface="+mn-lt"/>
+              </a:rPr>
+              <a:t>	</a:t>
+            </a:r>
+            <a:r>
+              <a:rPr lang="en-US" sz="2400" dirty="0">
+                <a:solidFill>
+                  <a:srgbClr val="008000"/>
+                </a:solidFill>
+                <a:latin typeface="+mn-lt"/>
+              </a:rPr>
+              <a:t>print</a:t>
+            </a:r>
+            <a:r>
+              <a:rPr lang="en-US" sz="2400" dirty="0">
+                <a:latin typeface="+mn-lt"/>
+              </a:rPr>
+              <a:t>(</a:t>
+            </a:r>
+            <a:r>
+              <a:rPr lang="en-US" sz="2400" dirty="0">
+                <a:solidFill>
+                  <a:srgbClr val="BB2121"/>
+                </a:solidFill>
+                <a:latin typeface="+mn-lt"/>
+              </a:rPr>
+              <a:t>"Started"</a:t>
+            </a:r>
+            <a:r>
+              <a:rPr lang="en-US" sz="2400" dirty="0">
+                <a:latin typeface="+mn-lt"/>
+              </a:rPr>
+              <a:t>)</a:t>
+            </a:r>
+          </a:p>
+          <a:p>
+            <a:r>
+              <a:rPr lang="ru-RU" sz="2400" b="1" dirty="0">
+                <a:solidFill>
+                  <a:srgbClr val="000080"/>
+                </a:solidFill>
+                <a:latin typeface="+mn-lt"/>
+              </a:rPr>
+              <a:t>	</a:t>
+            </a:r>
+            <a:r>
+              <a:rPr lang="en-US" sz="2400" dirty="0">
+                <a:latin typeface="+mn-lt"/>
+              </a:rPr>
+              <a:t>x </a:t>
+            </a:r>
+            <a:r>
+              <a:rPr lang="en-US" sz="2400" dirty="0">
+                <a:solidFill>
+                  <a:srgbClr val="666666"/>
+                </a:solidFill>
+                <a:latin typeface="+mn-lt"/>
+              </a:rPr>
+              <a:t>= 42</a:t>
+            </a:r>
+          </a:p>
+          <a:p>
+            <a:r>
+              <a:rPr lang="ru-RU" sz="2400" b="1" dirty="0">
+                <a:solidFill>
+                  <a:srgbClr val="000080"/>
+                </a:solidFill>
+                <a:latin typeface="+mn-lt"/>
+              </a:rPr>
+              <a:t>	</a:t>
+            </a:r>
+            <a:r>
+              <a:rPr lang="en-US" sz="2400" b="1" dirty="0">
+                <a:solidFill>
+                  <a:srgbClr val="008000"/>
+                </a:solidFill>
+                <a:latin typeface="+mn-lt"/>
+              </a:rPr>
+              <a:t>yield </a:t>
+            </a:r>
+            <a:r>
+              <a:rPr lang="en-US" sz="2400" dirty="0">
+                <a:latin typeface="+mn-lt"/>
+              </a:rPr>
+              <a:t>x</a:t>
+            </a:r>
+          </a:p>
+          <a:p>
+            <a:r>
+              <a:rPr lang="ru-RU" sz="2400" b="1" dirty="0">
+                <a:solidFill>
+                  <a:srgbClr val="000080"/>
+                </a:solidFill>
+                <a:latin typeface="+mn-lt"/>
+              </a:rPr>
+              <a:t>	</a:t>
+            </a:r>
+            <a:r>
+              <a:rPr lang="en-US" sz="2400" dirty="0">
+                <a:latin typeface="+mn-lt"/>
+              </a:rPr>
+              <a:t>x </a:t>
+            </a:r>
+            <a:r>
+              <a:rPr lang="en-US" sz="2400" dirty="0">
+                <a:solidFill>
+                  <a:srgbClr val="666666"/>
+                </a:solidFill>
+                <a:latin typeface="+mn-lt"/>
+              </a:rPr>
+              <a:t>+= 1</a:t>
+            </a:r>
+          </a:p>
+          <a:p>
+            <a:r>
+              <a:rPr lang="ru-RU" sz="2400" b="1" dirty="0">
+                <a:solidFill>
+                  <a:srgbClr val="000080"/>
+                </a:solidFill>
+                <a:latin typeface="+mn-lt"/>
+              </a:rPr>
+              <a:t>	</a:t>
+            </a:r>
+            <a:r>
+              <a:rPr lang="en-US" sz="2400" b="1" dirty="0">
+                <a:solidFill>
+                  <a:srgbClr val="008000"/>
+                </a:solidFill>
+                <a:latin typeface="+mn-lt"/>
+              </a:rPr>
+              <a:t>yield </a:t>
+            </a:r>
+            <a:r>
+              <a:rPr lang="en-US" sz="2400" dirty="0">
+                <a:latin typeface="+mn-lt"/>
+              </a:rPr>
+              <a:t>x</a:t>
+            </a:r>
+          </a:p>
+          <a:p>
+            <a:r>
+              <a:rPr lang="ru-RU" sz="2400" b="1" dirty="0">
+                <a:solidFill>
+                  <a:srgbClr val="000080"/>
+                </a:solidFill>
+                <a:latin typeface="+mn-lt"/>
+              </a:rPr>
+              <a:t>	</a:t>
+            </a:r>
+            <a:r>
+              <a:rPr lang="en-US" sz="2400" dirty="0">
+                <a:solidFill>
+                  <a:srgbClr val="008000"/>
+                </a:solidFill>
+                <a:latin typeface="+mn-lt"/>
+              </a:rPr>
+              <a:t>print</a:t>
+            </a:r>
+            <a:r>
+              <a:rPr lang="en-US" sz="2400" dirty="0">
+                <a:latin typeface="+mn-lt"/>
+              </a:rPr>
+              <a:t>(</a:t>
+            </a:r>
+            <a:r>
+              <a:rPr lang="en-US" sz="2400" dirty="0">
+                <a:solidFill>
+                  <a:srgbClr val="BB2121"/>
+                </a:solidFill>
+                <a:latin typeface="+mn-lt"/>
+              </a:rPr>
+              <a:t>"Done"</a:t>
+            </a:r>
+            <a:r>
+              <a:rPr lang="en-US" sz="2400" dirty="0">
+                <a:latin typeface="+mn-lt"/>
+              </a:rPr>
+              <a:t>)</a:t>
+            </a:r>
+            <a:endParaRPr lang="ru-RU" sz="4400" dirty="0">
+              <a:latin typeface="+mn-lt"/>
+            </a:endParaRPr>
+          </a:p>
+        </p:txBody>
+      </p:sp>
+      <p:sp>
+        <p:nvSpPr>
+          <p:cNvPr id="4" name="Rectangle 3"/>
+          <p:cNvSpPr/>
+          <p:nvPr/>
+        </p:nvSpPr>
+        <p:spPr>
+          <a:xfrm>
+            <a:off x="8955489" y="5358348"/>
+            <a:ext cx="5906265" cy="3785652"/>
+          </a:xfrm>
+          <a:prstGeom prst="rect">
+            <a:avLst/>
+          </a:prstGeom>
+        </p:spPr>
+        <p:txBody>
+          <a:bodyPr wrap="square">
+            <a:spAutoFit/>
+          </a:bodyPr>
+          <a:lstStyle/>
+          <a:p>
+            <a:r>
+              <a:rPr lang="en-US" sz="2400" b="1" dirty="0">
+                <a:solidFill>
+                  <a:srgbClr val="000080"/>
+                </a:solidFill>
+                <a:latin typeface="Arial" panose="020B0604020202020204" pitchFamily="34" charset="0"/>
+                <a:cs typeface="Arial" panose="020B0604020202020204" pitchFamily="34" charset="0"/>
               </a:rPr>
               <a:t>&gt;&gt;&gt; </a:t>
             </a:r>
             <a:r>
-              <a:rPr lang="en-US" sz="3200" b="1" dirty="0" err="1">
+              <a:rPr lang="en-US" sz="2400" dirty="0">
                 <a:solidFill>
                   <a:srgbClr val="008000"/>
                 </a:solidFill>
-                <a:latin typeface="+mj-lt"/>
-              </a:rPr>
-              <a:t>def</a:t>
-            </a:r>
-            <a:r>
-              <a:rPr lang="en-US" sz="3200" b="1" dirty="0">
+                <a:latin typeface="Arial" panose="020B0604020202020204" pitchFamily="34" charset="0"/>
+                <a:cs typeface="Arial" panose="020B0604020202020204" pitchFamily="34" charset="0"/>
+              </a:rPr>
+              <a:t>type</a:t>
+            </a:r>
+            <a:r>
+              <a:rPr lang="en-US" sz="2400" dirty="0">
+                <a:latin typeface="Arial" panose="020B0604020202020204" pitchFamily="34" charset="0"/>
+                <a:cs typeface="Arial" panose="020B0604020202020204" pitchFamily="34" charset="0"/>
+              </a:rPr>
+              <a:t>(g)</a:t>
+            </a:r>
+          </a:p>
+          <a:p>
+            <a:r>
+              <a:rPr lang="en-US" sz="2400" dirty="0">
+                <a:solidFill>
+                  <a:srgbClr val="888888"/>
+                </a:solidFill>
+                <a:latin typeface="Arial" panose="020B0604020202020204" pitchFamily="34" charset="0"/>
+                <a:cs typeface="Arial" panose="020B0604020202020204" pitchFamily="34" charset="0"/>
+              </a:rPr>
+              <a:t>&lt;class 'function'&gt;</a:t>
+            </a:r>
+          </a:p>
+          <a:p>
+            <a:r>
+              <a:rPr lang="en-US" sz="2400" b="1" dirty="0">
+                <a:solidFill>
+                  <a:srgbClr val="000080"/>
+                </a:solidFill>
+                <a:latin typeface="Arial" panose="020B0604020202020204" pitchFamily="34" charset="0"/>
+                <a:cs typeface="Arial" panose="020B0604020202020204" pitchFamily="34" charset="0"/>
+              </a:rPr>
+              <a:t>&gt;&gt;&gt; </a:t>
+            </a:r>
+            <a:r>
+              <a:rPr lang="en-US" sz="2400" dirty="0">
+                <a:latin typeface="Arial" panose="020B0604020202020204" pitchFamily="34" charset="0"/>
+                <a:cs typeface="Arial" panose="020B0604020202020204" pitchFamily="34" charset="0"/>
+              </a:rPr>
+              <a:t>gen </a:t>
+            </a:r>
+            <a:r>
+              <a:rPr lang="en-US" sz="2400" dirty="0">
+                <a:solidFill>
+                  <a:srgbClr val="666666"/>
+                </a:solidFill>
+                <a:latin typeface="Arial" panose="020B0604020202020204" pitchFamily="34" charset="0"/>
+                <a:cs typeface="Arial" panose="020B0604020202020204" pitchFamily="34" charset="0"/>
+              </a:rPr>
+              <a:t>= </a:t>
+            </a:r>
+            <a:r>
+              <a:rPr lang="en-US" sz="2400" dirty="0">
+                <a:latin typeface="Arial" panose="020B0604020202020204" pitchFamily="34" charset="0"/>
+                <a:cs typeface="Arial" panose="020B0604020202020204" pitchFamily="34" charset="0"/>
+              </a:rPr>
+              <a:t>g()</a:t>
+            </a:r>
+          </a:p>
+          <a:p>
+            <a:r>
+              <a:rPr lang="en-US" sz="2400" b="1" dirty="0">
+                <a:solidFill>
+                  <a:srgbClr val="000080"/>
+                </a:solidFill>
+                <a:latin typeface="Arial" panose="020B0604020202020204" pitchFamily="34" charset="0"/>
+                <a:cs typeface="Arial" panose="020B0604020202020204" pitchFamily="34" charset="0"/>
+              </a:rPr>
+              <a:t>&gt;&gt;&gt; </a:t>
+            </a:r>
+            <a:r>
+              <a:rPr lang="en-US" sz="2400" dirty="0">
                 <a:solidFill>
                   <a:srgbClr val="008000"/>
                 </a:solidFill>
-                <a:latin typeface="+mj-lt"/>
-              </a:rPr>
-              <a:t> </a:t>
-            </a:r>
-            <a:r>
-              <a:rPr lang="en-US" sz="3200" dirty="0">
-                <a:solidFill>
-                  <a:srgbClr val="0000FF"/>
-                </a:solidFill>
-                <a:latin typeface="+mj-lt"/>
-              </a:rPr>
-              <a:t>chain</a:t>
-            </a:r>
-            <a:r>
-              <a:rPr lang="en-US" sz="3200" dirty="0">
-                <a:latin typeface="+mj-lt"/>
-              </a:rPr>
-              <a:t>(</a:t>
-            </a:r>
-            <a:r>
-              <a:rPr lang="en-US" sz="3200" dirty="0">
-                <a:solidFill>
-                  <a:srgbClr val="666666"/>
-                </a:solidFill>
-                <a:latin typeface="+mj-lt"/>
-              </a:rPr>
-              <a:t>*</a:t>
-            </a:r>
-            <a:r>
-              <a:rPr lang="en-US" sz="3200" dirty="0" err="1">
-                <a:latin typeface="+mj-lt"/>
-              </a:rPr>
-              <a:t>iterables</a:t>
-            </a:r>
-            <a:r>
-              <a:rPr lang="en-US" sz="3200" dirty="0">
-                <a:latin typeface="+mj-lt"/>
-              </a:rPr>
-              <a:t>):</a:t>
-            </a:r>
-          </a:p>
-          <a:p>
-            <a:r>
-              <a:rPr lang="en-US" sz="3200" b="1" dirty="0" smtClean="0">
+                <a:latin typeface="Arial" panose="020B0604020202020204" pitchFamily="34" charset="0"/>
+                <a:cs typeface="Arial" panose="020B0604020202020204" pitchFamily="34" charset="0"/>
+              </a:rPr>
+              <a:t>type</a:t>
+            </a:r>
+            <a:r>
+              <a:rPr lang="en-US" sz="2400" dirty="0">
+                <a:latin typeface="Arial" panose="020B0604020202020204" pitchFamily="34" charset="0"/>
+                <a:cs typeface="Arial" panose="020B0604020202020204" pitchFamily="34" charset="0"/>
+              </a:rPr>
+              <a:t>(gen)</a:t>
+            </a:r>
+          </a:p>
+          <a:p>
+            <a:r>
+              <a:rPr lang="en-US" sz="2400" dirty="0">
+                <a:solidFill>
+                  <a:srgbClr val="888888"/>
+                </a:solidFill>
+                <a:latin typeface="Arial" panose="020B0604020202020204" pitchFamily="34" charset="0"/>
+                <a:cs typeface="Arial" panose="020B0604020202020204" pitchFamily="34" charset="0"/>
+              </a:rPr>
+              <a:t>&lt;class 'generator'&gt;</a:t>
+            </a:r>
+          </a:p>
+          <a:p>
+            <a:r>
+              <a:rPr lang="en-US" sz="2400" b="1" dirty="0">
                 <a:solidFill>
                   <a:srgbClr val="000080"/>
                 </a:solidFill>
-                <a:latin typeface="+mj-lt"/>
-              </a:rPr>
-              <a:t>... </a:t>
-            </a:r>
-            <a:r>
-              <a:rPr lang="ru-RU" sz="3200" b="1" dirty="0" smtClean="0">
+                <a:latin typeface="Arial" panose="020B0604020202020204" pitchFamily="34" charset="0"/>
+                <a:cs typeface="Arial" panose="020B0604020202020204" pitchFamily="34" charset="0"/>
+              </a:rPr>
+              <a:t>&gt;&gt;&gt; </a:t>
+            </a:r>
+            <a:r>
+              <a:rPr lang="en-US" sz="2400" dirty="0">
+                <a:solidFill>
+                  <a:srgbClr val="008000"/>
+                </a:solidFill>
+                <a:latin typeface="Arial" panose="020B0604020202020204" pitchFamily="34" charset="0"/>
+                <a:cs typeface="Arial" panose="020B0604020202020204" pitchFamily="34" charset="0"/>
+              </a:rPr>
+              <a:t>next</a:t>
+            </a:r>
+            <a:r>
+              <a:rPr lang="en-US" sz="2400" dirty="0">
+                <a:latin typeface="Arial" panose="020B0604020202020204" pitchFamily="34" charset="0"/>
+                <a:cs typeface="Arial" panose="020B0604020202020204" pitchFamily="34" charset="0"/>
+              </a:rPr>
+              <a:t>(gen)</a:t>
+            </a:r>
+          </a:p>
+          <a:p>
+            <a:r>
+              <a:rPr lang="en-US" sz="2400" dirty="0">
+                <a:solidFill>
+                  <a:srgbClr val="888888"/>
+                </a:solidFill>
+                <a:latin typeface="Arial" panose="020B0604020202020204" pitchFamily="34" charset="0"/>
+                <a:cs typeface="Arial" panose="020B0604020202020204" pitchFamily="34" charset="0"/>
+              </a:rPr>
+              <a:t>Starting ...</a:t>
+            </a:r>
+          </a:p>
+          <a:p>
+            <a:r>
+              <a:rPr lang="ru-RU" sz="2400" dirty="0">
+                <a:solidFill>
+                  <a:srgbClr val="888888"/>
+                </a:solidFill>
+                <a:latin typeface="Arial" panose="020B0604020202020204" pitchFamily="34" charset="0"/>
+                <a:cs typeface="Arial" panose="020B0604020202020204" pitchFamily="34" charset="0"/>
+              </a:rPr>
+              <a:t>42</a:t>
+            </a:r>
+          </a:p>
+          <a:p>
+            <a:r>
+              <a:rPr lang="en-US" sz="2400" b="1" dirty="0">
                 <a:solidFill>
                   <a:srgbClr val="000080"/>
                 </a:solidFill>
-                <a:latin typeface="+mj-lt"/>
-              </a:rPr>
-              <a:t>	</a:t>
-            </a:r>
-            <a:r>
-              <a:rPr lang="en-US" sz="3200" b="1" dirty="0" smtClean="0">
-                <a:solidFill>
-                  <a:srgbClr val="000080"/>
-                </a:solidFill>
-                <a:latin typeface="+mj-lt"/>
-              </a:rPr>
-              <a:t>	</a:t>
-            </a:r>
-            <a:r>
-              <a:rPr lang="en-US" sz="3200" b="1" dirty="0" smtClean="0">
+                <a:latin typeface="Arial" panose="020B0604020202020204" pitchFamily="34" charset="0"/>
+                <a:cs typeface="Arial" panose="020B0604020202020204" pitchFamily="34" charset="0"/>
+              </a:rPr>
+              <a:t>&gt;&gt;&gt; </a:t>
+            </a:r>
+            <a:r>
+              <a:rPr lang="en-US" sz="2400" dirty="0">
                 <a:solidFill>
                   <a:srgbClr val="008000"/>
                 </a:solidFill>
-                <a:latin typeface="+mj-lt"/>
-              </a:rPr>
-              <a:t>for </a:t>
-            </a:r>
-            <a:r>
-              <a:rPr lang="en-US" sz="3200" dirty="0" err="1">
-                <a:latin typeface="+mj-lt"/>
-              </a:rPr>
-              <a:t>iterable</a:t>
-            </a:r>
-            <a:r>
-              <a:rPr lang="en-US" sz="3200" dirty="0">
-                <a:latin typeface="+mj-lt"/>
-              </a:rPr>
-              <a:t> </a:t>
-            </a:r>
-            <a:r>
-              <a:rPr lang="en-US" sz="3200" b="1" dirty="0">
-                <a:solidFill>
-                  <a:srgbClr val="AC21FF"/>
-                </a:solidFill>
-                <a:latin typeface="+mj-lt"/>
-              </a:rPr>
-              <a:t>in </a:t>
-            </a:r>
-            <a:r>
-              <a:rPr lang="en-US" sz="3200" dirty="0" err="1">
-                <a:latin typeface="+mj-lt"/>
-              </a:rPr>
-              <a:t>iterables</a:t>
-            </a:r>
-            <a:r>
-              <a:rPr lang="en-US" sz="3200" dirty="0">
-                <a:latin typeface="+mj-lt"/>
-              </a:rPr>
-              <a:t>:</a:t>
-            </a:r>
-          </a:p>
-          <a:p>
-            <a:r>
-              <a:rPr lang="en-US" sz="3200" b="1" dirty="0" smtClean="0">
-                <a:solidFill>
-                  <a:srgbClr val="000080"/>
-                </a:solidFill>
-                <a:latin typeface="+mj-lt"/>
-              </a:rPr>
-              <a:t>... </a:t>
-            </a:r>
-            <a:r>
-              <a:rPr lang="ru-RU" sz="3200" b="1" dirty="0" smtClean="0">
-                <a:solidFill>
-                  <a:srgbClr val="000080"/>
-                </a:solidFill>
-                <a:latin typeface="+mj-lt"/>
-              </a:rPr>
-              <a:t>		</a:t>
-            </a:r>
-            <a:r>
-              <a:rPr lang="en-US" sz="3200" b="1" dirty="0" smtClean="0">
-                <a:solidFill>
-                  <a:srgbClr val="000080"/>
-                </a:solidFill>
-                <a:latin typeface="+mj-lt"/>
-              </a:rPr>
-              <a:t>	</a:t>
-            </a:r>
-            <a:r>
-              <a:rPr lang="en-US" sz="3200" b="1" dirty="0" smtClean="0">
-                <a:solidFill>
-                  <a:srgbClr val="008000"/>
-                </a:solidFill>
-                <a:latin typeface="+mj-lt"/>
-              </a:rPr>
-              <a:t>for </a:t>
-            </a:r>
-            <a:r>
-              <a:rPr lang="en-US" sz="3200" dirty="0">
-                <a:latin typeface="+mj-lt"/>
-              </a:rPr>
-              <a:t>item </a:t>
-            </a:r>
-            <a:r>
-              <a:rPr lang="en-US" sz="3200" b="1" dirty="0">
-                <a:solidFill>
-                  <a:srgbClr val="AC21FF"/>
-                </a:solidFill>
-                <a:latin typeface="+mj-lt"/>
-              </a:rPr>
-              <a:t>in </a:t>
-            </a:r>
-            <a:r>
-              <a:rPr lang="en-US" sz="3200" dirty="0" err="1">
-                <a:latin typeface="+mj-lt"/>
-              </a:rPr>
-              <a:t>iterable</a:t>
-            </a:r>
-            <a:r>
-              <a:rPr lang="en-US" sz="3200" dirty="0">
-                <a:latin typeface="+mj-lt"/>
-              </a:rPr>
-              <a:t>:</a:t>
-            </a:r>
-          </a:p>
-          <a:p>
-            <a:r>
-              <a:rPr lang="en-US" sz="3200" b="1" dirty="0" smtClean="0">
-                <a:solidFill>
-                  <a:srgbClr val="000080"/>
-                </a:solidFill>
-                <a:latin typeface="+mj-lt"/>
-              </a:rPr>
-              <a:t>...</a:t>
-            </a:r>
-            <a:r>
-              <a:rPr lang="ru-RU" sz="3200" b="1" dirty="0" smtClean="0">
-                <a:solidFill>
-                  <a:srgbClr val="000080"/>
-                </a:solidFill>
-                <a:latin typeface="+mj-lt"/>
-              </a:rPr>
-              <a:t>			</a:t>
-            </a:r>
-            <a:r>
-              <a:rPr lang="en-US" sz="3200" b="1" dirty="0" smtClean="0">
-                <a:solidFill>
-                  <a:srgbClr val="000080"/>
-                </a:solidFill>
-                <a:latin typeface="+mj-lt"/>
-              </a:rPr>
-              <a:t>	 </a:t>
-            </a:r>
-            <a:r>
-              <a:rPr lang="en-US" sz="3200" b="1" dirty="0">
-                <a:solidFill>
-                  <a:srgbClr val="008000"/>
-                </a:solidFill>
-                <a:latin typeface="+mj-lt"/>
-              </a:rPr>
-              <a:t>yield </a:t>
-            </a:r>
-            <a:r>
-              <a:rPr lang="en-US" sz="3200" dirty="0" smtClean="0">
-                <a:latin typeface="+mj-lt"/>
-              </a:rPr>
-              <a:t>item</a:t>
-            </a:r>
-            <a:endParaRPr lang="ru-RU" sz="3200" dirty="0" smtClean="0">
-              <a:latin typeface="+mj-lt"/>
-            </a:endParaRPr>
-          </a:p>
-          <a:p>
-            <a:r>
-              <a:rPr lang="ru-RU" sz="3200" b="1" dirty="0" smtClean="0">
-                <a:solidFill>
-                  <a:srgbClr val="000080"/>
-                </a:solidFill>
-                <a:latin typeface="+mj-lt"/>
-              </a:rPr>
-              <a:t>...</a:t>
-            </a:r>
-            <a:endParaRPr lang="ru-RU" sz="3200" b="1" dirty="0">
-              <a:solidFill>
-                <a:srgbClr val="000080"/>
-              </a:solidFill>
-              <a:latin typeface="+mj-lt"/>
-            </a:endParaRPr>
-          </a:p>
-          <a:p>
-            <a:r>
-              <a:rPr lang="en-US" sz="3200" b="1" dirty="0">
-                <a:solidFill>
-                  <a:srgbClr val="000080"/>
-                </a:solidFill>
-                <a:latin typeface="+mj-lt"/>
-              </a:rPr>
-              <a:t>&gt;&gt;&gt; </a:t>
-            </a:r>
-            <a:r>
-              <a:rPr lang="en-US" sz="3200" dirty="0" err="1">
-                <a:latin typeface="+mj-lt"/>
-              </a:rPr>
-              <a:t>xs</a:t>
-            </a:r>
-            <a:r>
-              <a:rPr lang="en-US" sz="3200" dirty="0">
-                <a:latin typeface="+mj-lt"/>
-              </a:rPr>
-              <a:t> </a:t>
-            </a:r>
-            <a:r>
-              <a:rPr lang="en-US" sz="3200" dirty="0">
-                <a:solidFill>
-                  <a:srgbClr val="666666"/>
-                </a:solidFill>
-                <a:latin typeface="+mj-lt"/>
-              </a:rPr>
-              <a:t>= </a:t>
-            </a:r>
-            <a:r>
-              <a:rPr lang="en-US" sz="3200" dirty="0">
-                <a:solidFill>
-                  <a:srgbClr val="008000"/>
-                </a:solidFill>
-                <a:latin typeface="+mj-lt"/>
-              </a:rPr>
-              <a:t>range</a:t>
-            </a:r>
-            <a:r>
-              <a:rPr lang="en-US" sz="3200" dirty="0">
-                <a:latin typeface="+mj-lt"/>
-              </a:rPr>
-              <a:t>(</a:t>
-            </a:r>
-            <a:r>
-              <a:rPr lang="en-US" sz="3200" dirty="0">
-                <a:solidFill>
-                  <a:srgbClr val="666666"/>
-                </a:solidFill>
-                <a:latin typeface="+mj-lt"/>
-              </a:rPr>
-              <a:t>3</a:t>
-            </a:r>
-            <a:r>
-              <a:rPr lang="en-US" sz="3200" dirty="0">
-                <a:latin typeface="+mj-lt"/>
-              </a:rPr>
-              <a:t>)</a:t>
-            </a:r>
-          </a:p>
-          <a:p>
-            <a:r>
-              <a:rPr lang="en-US" sz="3200" b="1" dirty="0">
-                <a:solidFill>
-                  <a:srgbClr val="000080"/>
-                </a:solidFill>
-                <a:latin typeface="+mj-lt"/>
-              </a:rPr>
-              <a:t>&gt;&gt;&gt; </a:t>
-            </a:r>
-            <a:r>
-              <a:rPr lang="en-US" sz="3200" dirty="0" err="1">
-                <a:latin typeface="+mj-lt"/>
-              </a:rPr>
-              <a:t>ys</a:t>
-            </a:r>
-            <a:r>
-              <a:rPr lang="en-US" sz="3200" dirty="0">
-                <a:latin typeface="+mj-lt"/>
-              </a:rPr>
-              <a:t> </a:t>
-            </a:r>
-            <a:r>
-              <a:rPr lang="en-US" sz="3200" dirty="0">
-                <a:solidFill>
-                  <a:srgbClr val="666666"/>
-                </a:solidFill>
-                <a:latin typeface="+mj-lt"/>
-              </a:rPr>
-              <a:t>= </a:t>
-            </a:r>
-            <a:r>
-              <a:rPr lang="en-US" sz="3200" dirty="0">
-                <a:latin typeface="+mj-lt"/>
-              </a:rPr>
-              <a:t>[</a:t>
-            </a:r>
-            <a:r>
-              <a:rPr lang="en-US" sz="3200" dirty="0">
-                <a:solidFill>
-                  <a:srgbClr val="666666"/>
-                </a:solidFill>
-                <a:latin typeface="+mj-lt"/>
-              </a:rPr>
-              <a:t>42</a:t>
-            </a:r>
-            <a:r>
-              <a:rPr lang="en-US" sz="3200" dirty="0">
-                <a:latin typeface="+mj-lt"/>
-              </a:rPr>
-              <a:t>]</a:t>
-            </a:r>
-          </a:p>
-          <a:p>
-            <a:r>
-              <a:rPr lang="en-US" sz="3200" b="1" dirty="0">
-                <a:solidFill>
-                  <a:srgbClr val="000080"/>
-                </a:solidFill>
-                <a:latin typeface="+mj-lt"/>
-              </a:rPr>
-              <a:t>&gt;&gt;&gt; </a:t>
-            </a:r>
-            <a:r>
-              <a:rPr lang="en-US" sz="3200" dirty="0">
-                <a:latin typeface="+mj-lt"/>
-              </a:rPr>
-              <a:t>chain(</a:t>
-            </a:r>
-            <a:r>
-              <a:rPr lang="en-US" sz="3200" dirty="0" err="1">
-                <a:latin typeface="+mj-lt"/>
-              </a:rPr>
-              <a:t>xs</a:t>
-            </a:r>
-            <a:r>
-              <a:rPr lang="en-US" sz="3200" dirty="0">
-                <a:latin typeface="+mj-lt"/>
-              </a:rPr>
-              <a:t>, </a:t>
-            </a:r>
-            <a:r>
-              <a:rPr lang="en-US" sz="3200" dirty="0" err="1">
-                <a:latin typeface="+mj-lt"/>
-              </a:rPr>
-              <a:t>ys</a:t>
-            </a:r>
-            <a:r>
-              <a:rPr lang="en-US" sz="3200" dirty="0">
-                <a:latin typeface="+mj-lt"/>
-              </a:rPr>
-              <a:t>)</a:t>
-            </a:r>
-          </a:p>
-          <a:p>
-            <a:r>
-              <a:rPr lang="en-US" sz="3200" dirty="0">
+                <a:latin typeface="Arial" panose="020B0604020202020204" pitchFamily="34" charset="0"/>
+                <a:cs typeface="Arial" panose="020B0604020202020204" pitchFamily="34" charset="0"/>
+              </a:rPr>
+              <a:t>next</a:t>
+            </a:r>
+            <a:r>
+              <a:rPr lang="en-US" sz="2400" dirty="0">
+                <a:latin typeface="Arial" panose="020B0604020202020204" pitchFamily="34" charset="0"/>
+                <a:cs typeface="Arial" panose="020B0604020202020204" pitchFamily="34" charset="0"/>
+              </a:rPr>
+              <a:t>(gen)</a:t>
+            </a:r>
+          </a:p>
+          <a:p>
+            <a:r>
+              <a:rPr lang="ru-RU" sz="2400" dirty="0">
                 <a:solidFill>
                   <a:srgbClr val="888888"/>
                 </a:solidFill>
-                <a:latin typeface="+mj-lt"/>
-              </a:rPr>
-              <a:t>&lt;generator object chain at 0x10311d708&gt;</a:t>
-            </a:r>
-          </a:p>
-          <a:p>
-            <a:r>
-              <a:rPr lang="en-US" sz="3200" b="1" dirty="0">
-                <a:solidFill>
-                  <a:srgbClr val="000080"/>
-                </a:solidFill>
-                <a:latin typeface="+mj-lt"/>
-              </a:rPr>
-              <a:t>&gt;&gt;&gt; </a:t>
-            </a:r>
-            <a:r>
-              <a:rPr lang="en-US" sz="3200" dirty="0">
-                <a:solidFill>
-                  <a:srgbClr val="008000"/>
-                </a:solidFill>
-                <a:latin typeface="+mj-lt"/>
-              </a:rPr>
-              <a:t>list</a:t>
-            </a:r>
-            <a:r>
-              <a:rPr lang="en-US" sz="3200" dirty="0">
-                <a:latin typeface="+mj-lt"/>
-              </a:rPr>
-              <a:t>(chain(</a:t>
-            </a:r>
-            <a:r>
-              <a:rPr lang="en-US" sz="3200" dirty="0" err="1">
-                <a:latin typeface="+mj-lt"/>
-              </a:rPr>
-              <a:t>xs</a:t>
-            </a:r>
-            <a:r>
-              <a:rPr lang="en-US" sz="3200" dirty="0">
-                <a:latin typeface="+mj-lt"/>
-              </a:rPr>
-              <a:t>, </a:t>
-            </a:r>
-            <a:r>
-              <a:rPr lang="en-US" sz="3200" dirty="0" err="1">
-                <a:latin typeface="+mj-lt"/>
-              </a:rPr>
-              <a:t>ys</a:t>
-            </a:r>
-            <a:r>
-              <a:rPr lang="en-US" sz="3200" dirty="0">
-                <a:latin typeface="+mj-lt"/>
-              </a:rPr>
-              <a:t>))</a:t>
-            </a:r>
-          </a:p>
-          <a:p>
-            <a:r>
-              <a:rPr lang="ru-RU" sz="3200" dirty="0">
-                <a:solidFill>
-                  <a:srgbClr val="888888"/>
-                </a:solidFill>
-                <a:latin typeface="+mj-lt"/>
-              </a:rPr>
-              <a:t>[0, 1</a:t>
-            </a:r>
-            <a:r>
-              <a:rPr lang="ru-RU" sz="3200">
-                <a:solidFill>
-                  <a:srgbClr val="888888"/>
-                </a:solidFill>
-                <a:latin typeface="+mj-lt"/>
-              </a:rPr>
-              <a:t>, </a:t>
-            </a:r>
-            <a:r>
-              <a:rPr lang="ru-RU" sz="3200" smtClean="0">
-                <a:solidFill>
-                  <a:srgbClr val="888888"/>
-                </a:solidFill>
-                <a:latin typeface="+mj-lt"/>
-              </a:rPr>
-              <a:t>2, </a:t>
-            </a:r>
-            <a:r>
-              <a:rPr lang="ru-RU" sz="3200" dirty="0">
-                <a:solidFill>
-                  <a:srgbClr val="888888"/>
-                </a:solidFill>
-                <a:latin typeface="+mj-lt"/>
-              </a:rPr>
-              <a:t>42]</a:t>
-            </a:r>
-          </a:p>
-          <a:p>
-            <a:r>
-              <a:rPr lang="en-US" sz="3200" b="1" dirty="0">
-                <a:solidFill>
-                  <a:srgbClr val="000080"/>
-                </a:solidFill>
-                <a:latin typeface="+mj-lt"/>
-              </a:rPr>
-              <a:t>&gt;&gt;&gt; </a:t>
-            </a:r>
-            <a:r>
-              <a:rPr lang="en-US" sz="3200" dirty="0">
-                <a:solidFill>
-                  <a:srgbClr val="666666"/>
-                </a:solidFill>
-                <a:latin typeface="+mj-lt"/>
-              </a:rPr>
-              <a:t>42 </a:t>
-            </a:r>
-            <a:r>
-              <a:rPr lang="en-US" sz="3200" b="1" dirty="0">
-                <a:solidFill>
-                  <a:srgbClr val="AC21FF"/>
-                </a:solidFill>
-                <a:latin typeface="+mj-lt"/>
-              </a:rPr>
-              <a:t>in </a:t>
-            </a:r>
-            <a:r>
-              <a:rPr lang="en-US" sz="3200" dirty="0">
-                <a:latin typeface="+mj-lt"/>
-              </a:rPr>
-              <a:t>chain(</a:t>
-            </a:r>
-            <a:r>
-              <a:rPr lang="en-US" sz="3200" dirty="0" err="1">
-                <a:latin typeface="+mj-lt"/>
-              </a:rPr>
-              <a:t>xs</a:t>
-            </a:r>
-            <a:r>
-              <a:rPr lang="en-US" sz="3200" dirty="0">
-                <a:latin typeface="+mj-lt"/>
-              </a:rPr>
-              <a:t>, </a:t>
-            </a:r>
-            <a:r>
-              <a:rPr lang="en-US" sz="3200" dirty="0" err="1">
-                <a:latin typeface="+mj-lt"/>
-              </a:rPr>
-              <a:t>ys</a:t>
-            </a:r>
-            <a:r>
-              <a:rPr lang="en-US" sz="3200" dirty="0">
-                <a:latin typeface="+mj-lt"/>
-              </a:rPr>
-              <a:t>)</a:t>
-            </a:r>
-          </a:p>
-          <a:p>
-            <a:r>
-              <a:rPr lang="en-US" sz="3200" dirty="0">
-                <a:solidFill>
-                  <a:srgbClr val="888888"/>
-                </a:solidFill>
-                <a:latin typeface="+mj-lt"/>
-              </a:rPr>
-              <a:t>True</a:t>
-            </a:r>
-            <a:endParaRPr lang="ru-RU" sz="3200" dirty="0">
-              <a:latin typeface="+mj-lt"/>
+                <a:latin typeface="Arial" panose="020B0604020202020204" pitchFamily="34" charset="0"/>
+                <a:cs typeface="Arial" panose="020B0604020202020204" pitchFamily="34" charset="0"/>
+              </a:rPr>
+              <a:t>43</a:t>
+            </a:r>
+            <a:endParaRPr lang="ru-RU" sz="2400" dirty="0">
+              <a:latin typeface="Arial" panose="020B0604020202020204" pitchFamily="34" charset="0"/>
+              <a:cs typeface="Arial" panose="020B0604020202020204" pitchFamily="34" charset="0"/>
             </a:endParaRPr>
           </a:p>
         </p:txBody>
@@ -18347,20 +17522,13 @@
     </p:spTree>
     <p:extLst>
       <p:ext uri="{BB962C8B-B14F-4D97-AF65-F5344CB8AC3E}">
-        <p14:creationId xmlns:p14="http://schemas.microsoft.com/office/powerpoint/2010/main" val="2980722832"/>
+        <p14:creationId xmlns:p14="http://schemas.microsoft.com/office/powerpoint/2010/main" val="2983804471"/>
       </p:ext>
     </p:extLst>
   </p:cSld>
   <p:clrMapOvr>
     <a:masterClrMapping/>
   </p:clrMapOvr>
-  <p:timing>
-    <p:tnLst>
-      <p:par>
-        <p:cTn id="1" dur="indefinite" restart="never" nodeType="tmRoot"/>
-      </p:par>
-    </p:tnLst>
-  </p:timing>
 </p:sld>
 </file>
 
@@ -18410,15 +17578,15 @@
           <a:lstStyle/>
           <a:p>
             <a:r>
-              <a:rPr lang="ru-RU" sz="4400" dirty="0" smtClean="0"/>
+              <a:rPr lang="ru-RU" sz="4400" dirty="0"/>
               <a:t>Вопросы</a:t>
             </a:r>
             <a:r>
-              <a:rPr lang="ru-RU" sz="3600" dirty="0" smtClean="0"/>
+              <a:rPr lang="ru-RU" sz="3600" dirty="0"/>
               <a:t> </a:t>
             </a:r>
             <a:r>
-              <a:rPr lang="ru-RU" sz="4400" dirty="0" smtClean="0"/>
+              <a:rPr lang="ru-RU" sz="4400" dirty="0"/>
               <a:t>на повторение</a:t>
             </a:r>
             <a:endParaRPr lang="ru-RU" sz="3600" dirty="0"/>
@@ -18459,7 +17627,7 @@
               <a:buAutoNum type="arabicPeriod"/>
             </a:pPr>
             <a:r>
-              <a:rPr lang="ru-RU" sz="2800" dirty="0" smtClean="0"/>
+              <a:rPr lang="ru-RU" sz="2800" dirty="0"/>
               <a:t>Что такое полиморфизм?</a:t>
             </a:r>
           </a:p>
@@ -18476,7 +17644,7 @@
               <a:buAutoNum type="arabicPeriod"/>
             </a:pPr>
             <a:r>
-              <a:rPr lang="ru-RU" sz="2800" dirty="0" smtClean="0"/>
+              <a:rPr lang="ru-RU" sz="2800" dirty="0"/>
               <a:t>Приведите пример полиморфизма.</a:t>
             </a:r>
           </a:p>
@@ -18493,16 +17661,8 @@
               <a:buAutoNum type="arabicPeriod"/>
             </a:pPr>
             <a:r>
-              <a:rPr lang="ru-RU" sz="2800" dirty="0" smtClean="0"/>
-              <a:t>Каким образом можно вызвать метод базового класса в наследнике при переопред</a:t>
-            </a:r>
-            <a:r>
               <a:rPr lang="ru-RU" sz="2800" dirty="0"/>
-              <a:t>е</a:t>
-            </a:r>
-            <a:r>
-              <a:rPr lang="ru-RU" sz="2800" dirty="0" smtClean="0"/>
-              <a:t>лении метода.</a:t>
+              <a:t>Каким образом можно вызвать метод базового класса в наследнике при переопределении метода.</a:t>
             </a:r>
           </a:p>
           <a:p>
@@ -18518,7 +17678,7 @@
               <a:buAutoNum type="arabicPeriod"/>
             </a:pPr>
             <a:r>
-              <a:rPr lang="ru-RU" sz="2800" dirty="0" smtClean="0"/>
+              <a:rPr lang="ru-RU" sz="2800" dirty="0"/>
               <a:t>Как вызвать конструктор базового класса?</a:t>
             </a:r>
           </a:p>
@@ -18535,26 +17695,26 @@
               <a:buAutoNum type="arabicPeriod"/>
             </a:pPr>
             <a:r>
-              <a:rPr lang="ru-RU" sz="2800" dirty="0" smtClean="0"/>
+              <a:rPr lang="ru-RU" sz="2800" dirty="0"/>
               <a:t>Что такое </a:t>
             </a:r>
             <a:r>
-              <a:rPr lang="en-US" sz="2800" dirty="0" smtClean="0"/>
+              <a:rPr lang="en-US" sz="2800" dirty="0"/>
               <a:t>“</a:t>
             </a:r>
             <a:r>
-              <a:rPr lang="ru-RU" sz="2800" dirty="0" smtClean="0"/>
+              <a:rPr lang="ru-RU" sz="2800" dirty="0"/>
               <a:t>магический</a:t>
             </a:r>
             <a:r>
-              <a:rPr lang="en-US" sz="2800" dirty="0" smtClean="0"/>
+              <a:rPr lang="en-US" sz="2800" dirty="0"/>
               <a:t>”</a:t>
             </a:r>
             <a:r>
-              <a:rPr lang="ru-RU" sz="2800" dirty="0" smtClean="0"/>
+              <a:rPr lang="ru-RU" sz="2800" dirty="0"/>
               <a:t> метод?</a:t>
             </a:r>
-            <a:endParaRPr lang="en-US" sz="2800" dirty="0" smtClean="0"/>
+            <a:endParaRPr lang="en-US" sz="2800" dirty="0"/>
           </a:p>
           <a:p>
             <a:pPr marL="1083056" indent="-514350">
@@ -18569,7 +17729,7 @@
               <a:buAutoNum type="arabicPeriod"/>
             </a:pPr>
             <a:r>
-              <a:rPr lang="ru-RU" sz="2800" dirty="0" smtClean="0"/>
+              <a:rPr lang="ru-RU" sz="2800" dirty="0"/>
               <a:t>Как переопределить строковое представление экземпляра класса?</a:t>
             </a:r>
           </a:p>
@@ -18586,23 +17746,23 @@
               <a:buAutoNum type="arabicPeriod"/>
             </a:pPr>
             <a:r>
-              <a:rPr lang="ru-RU" sz="2800" dirty="0" smtClean="0"/>
+              <a:rPr lang="ru-RU" sz="2800" dirty="0"/>
               <a:t>Как переопредилить оператор </a:t>
             </a:r>
             <a:r>
-              <a:rPr lang="en-US" sz="2800" dirty="0" smtClean="0"/>
+              <a:rPr lang="en-US" sz="2800" dirty="0"/>
               <a:t>&lt; (</a:t>
             </a:r>
             <a:r>
-              <a:rPr lang="ru-RU" sz="2800" dirty="0" smtClean="0"/>
+              <a:rPr lang="ru-RU" sz="2800" dirty="0"/>
               <a:t>меньше) или </a:t>
             </a:r>
             <a:r>
-              <a:rPr lang="en-US" sz="2800" dirty="0" smtClean="0"/>
+              <a:rPr lang="en-US" sz="2800" dirty="0"/>
               <a:t>&gt; (</a:t>
             </a:r>
             <a:r>
-              <a:rPr lang="ru-RU" sz="2800" dirty="0" smtClean="0"/>
+              <a:rPr lang="ru-RU" sz="2800" dirty="0"/>
               <a:t>больше)?</a:t>
             </a:r>
           </a:p>
@@ -18619,10 +17779,10 @@
               <a:buAutoNum type="arabicPeriod"/>
             </a:pPr>
             <a:r>
-              <a:rPr lang="ru-RU" sz="2800" dirty="0" smtClean="0"/>
+              <a:rPr lang="ru-RU" sz="2800" dirty="0"/>
               <a:t>Как переопредилить оператор + (плюс) и – (минус)?</a:t>
             </a:r>
-            <a:endParaRPr lang="en-US" sz="2800" dirty="0" smtClean="0"/>
+            <a:endParaRPr lang="en-US" sz="2800" dirty="0"/>
           </a:p>
         </p:txBody>
       </p:sp>
@@ -18636,14 +17796,6 @@
   <p:clrMapOvr>
     <a:masterClrMapping/>
   </p:clrMapOvr>
-  <mc:AlternateContent xmlns:mc="http://schemas.openxmlformats.org/markup-compatibility/2006" xmlns:p14="http://schemas.microsoft.com/office/powerpoint/2010/main">
-    <mc:Choice Requires="p14">
-      <p:transition p14:dur="0"/>
-    </mc:Choice>
-    <mc:Fallback xmlns="">
-      <p:transition/>
-    </mc:Fallback>
-  </mc:AlternateContent>
   <p:timing>
     <p:tnLst>
       <p:par>
@@ -19069,6 +18221,721 @@
 </p:sld>
 </file>
 
+<file path=ppt/slides/slide20.xml><?xml version="1.0" encoding="utf-8"?>
+<p:sld xmlns:a="http://schemas.openxmlformats.org/drawingml/2006/main" xmlns:r="http://schemas.openxmlformats.org/officeDocument/2006/relationships" xmlns:p="http://schemas.openxmlformats.org/presentationml/2006/main">
+  <p:cSld>
+    <p:bg>
+      <p:bgPr>
+        <a:solidFill>
+          <a:schemeClr val="bg1"/>
+        </a:solidFill>
+        <a:effectLst/>
+      </p:bgPr>
+    </p:bg>
+    <p:spTree>
+      <p:nvGrpSpPr>
+        <p:cNvPr id="1" name="Shape 212"/>
+        <p:cNvGrpSpPr/>
+        <p:nvPr/>
+      </p:nvGrpSpPr>
+      <p:grpSpPr>
+        <a:xfrm>
+          <a:off x="0" y="0"/>
+          <a:ext cx="0" cy="0"/>
+          <a:chOff x="0" y="0"/>
+          <a:chExt cx="0" cy="0"/>
+        </a:xfrm>
+      </p:grpSpPr>
+      <p:sp>
+        <p:nvSpPr>
+          <p:cNvPr id="213" name="Shape 213"/>
+          <p:cNvSpPr txBox="1">
+            <a:spLocks noGrp="1"/>
+          </p:cNvSpPr>
+          <p:nvPr>
+            <p:ph type="title"/>
+          </p:nvPr>
+        </p:nvSpPr>
+        <p:spPr>
+          <a:xfrm>
+            <a:off x="235974" y="0"/>
+            <a:ext cx="16020026" cy="2286000"/>
+          </a:xfrm>
+          <a:prstGeom prst="rect">
+            <a:avLst/>
+          </a:prstGeom>
+          <a:noFill/>
+          <a:ln>
+            <a:noFill/>
+          </a:ln>
+        </p:spPr>
+        <p:txBody>
+          <a:bodyPr lIns="50800" tIns="50800" rIns="50800" bIns="50800" anchor="ctr" anchorCtr="0">
+            <a:noAutofit/>
+          </a:bodyPr>
+          <a:lstStyle/>
+          <a:p>
+            <a:pPr lvl="0">
+              <a:buClr>
+                <a:srgbClr val="00FF00"/>
+              </a:buClr>
+              <a:buSzPct val="25000"/>
+            </a:pPr>
+            <a:r>
+              <a:rPr lang="ru-RU" sz="8000" dirty="0">
+                <a:solidFill>
+                  <a:srgbClr val="CD0000"/>
+                </a:solidFill>
+                <a:latin typeface="Arial" panose="020B0604020202020204" pitchFamily="34" charset="0"/>
+                <a:cs typeface="Arial" panose="020B0604020202020204" pitchFamily="34" charset="0"/>
+              </a:rPr>
+              <a:t>Примеры генераторов: </a:t>
+            </a:r>
+            <a:r>
+              <a:rPr lang="en-US" sz="8000" dirty="0">
+                <a:solidFill>
+                  <a:srgbClr val="CD0000"/>
+                </a:solidFill>
+                <a:latin typeface="Arial" panose="020B0604020202020204" pitchFamily="34" charset="0"/>
+                <a:cs typeface="Arial" panose="020B0604020202020204" pitchFamily="34" charset="0"/>
+              </a:rPr>
+              <a:t>chain</a:t>
+            </a:r>
+            <a:r>
+              <a:rPr lang="ru-RU" sz="8000" dirty="0">
+                <a:solidFill>
+                  <a:srgbClr val="CD0000"/>
+                </a:solidFill>
+                <a:latin typeface="Arial" panose="020B0604020202020204" pitchFamily="34" charset="0"/>
+                <a:cs typeface="Arial" panose="020B0604020202020204" pitchFamily="34" charset="0"/>
+              </a:rPr>
+              <a:t>	</a:t>
+            </a:r>
+            <a:endParaRPr lang="en-US" sz="7800" dirty="0">
+              <a:solidFill>
+                <a:srgbClr val="00FF00"/>
+              </a:solidFill>
+              <a:latin typeface="Arial" panose="020B0604020202020204" pitchFamily="34" charset="0"/>
+              <a:ea typeface="Cabin"/>
+              <a:cs typeface="Arial" panose="020B0604020202020204" pitchFamily="34" charset="0"/>
+              <a:sym typeface="Cabin"/>
+            </a:endParaRPr>
+          </a:p>
+        </p:txBody>
+      </p:sp>
+      <p:sp>
+        <p:nvSpPr>
+          <p:cNvPr id="2" name="Rectangle 1"/>
+          <p:cNvSpPr/>
+          <p:nvPr/>
+        </p:nvSpPr>
+        <p:spPr>
+          <a:xfrm>
+            <a:off x="2860563" y="2473631"/>
+            <a:ext cx="10447813" cy="6494085"/>
+          </a:xfrm>
+          <a:prstGeom prst="rect">
+            <a:avLst/>
+          </a:prstGeom>
+        </p:spPr>
+        <p:txBody>
+          <a:bodyPr wrap="square">
+            <a:spAutoFit/>
+          </a:bodyPr>
+          <a:lstStyle/>
+          <a:p>
+            <a:r>
+              <a:rPr lang="en-US" sz="3200" b="1" dirty="0">
+                <a:solidFill>
+                  <a:srgbClr val="000080"/>
+                </a:solidFill>
+                <a:latin typeface="+mj-lt"/>
+              </a:rPr>
+              <a:t>&gt;&gt;&gt; </a:t>
+            </a:r>
+            <a:r>
+              <a:rPr lang="en-US" sz="3200" b="1" dirty="0" err="1">
+                <a:solidFill>
+                  <a:srgbClr val="008000"/>
+                </a:solidFill>
+                <a:latin typeface="+mj-lt"/>
+              </a:rPr>
+              <a:t>def</a:t>
+            </a:r>
+            <a:r>
+              <a:rPr lang="en-US" sz="3200" b="1" dirty="0">
+                <a:solidFill>
+                  <a:srgbClr val="008000"/>
+                </a:solidFill>
+                <a:latin typeface="+mj-lt"/>
+              </a:rPr>
+              <a:t> </a:t>
+            </a:r>
+            <a:r>
+              <a:rPr lang="en-US" sz="3200" dirty="0">
+                <a:solidFill>
+                  <a:srgbClr val="0000FF"/>
+                </a:solidFill>
+                <a:latin typeface="+mj-lt"/>
+              </a:rPr>
+              <a:t>chain</a:t>
+            </a:r>
+            <a:r>
+              <a:rPr lang="en-US" sz="3200" dirty="0">
+                <a:latin typeface="+mj-lt"/>
+              </a:rPr>
+              <a:t>(</a:t>
+            </a:r>
+            <a:r>
+              <a:rPr lang="en-US" sz="3200" dirty="0">
+                <a:solidFill>
+                  <a:srgbClr val="666666"/>
+                </a:solidFill>
+                <a:latin typeface="+mj-lt"/>
+              </a:rPr>
+              <a:t>*</a:t>
+            </a:r>
+            <a:r>
+              <a:rPr lang="en-US" sz="3200" dirty="0" err="1">
+                <a:latin typeface="+mj-lt"/>
+              </a:rPr>
+              <a:t>iterables</a:t>
+            </a:r>
+            <a:r>
+              <a:rPr lang="en-US" sz="3200" dirty="0">
+                <a:latin typeface="+mj-lt"/>
+              </a:rPr>
+              <a:t>):</a:t>
+            </a:r>
+          </a:p>
+          <a:p>
+            <a:r>
+              <a:rPr lang="en-US" sz="3200" b="1" dirty="0">
+                <a:solidFill>
+                  <a:srgbClr val="000080"/>
+                </a:solidFill>
+                <a:latin typeface="+mj-lt"/>
+              </a:rPr>
+              <a:t>... </a:t>
+            </a:r>
+            <a:r>
+              <a:rPr lang="ru-RU" sz="3200" b="1" dirty="0">
+                <a:solidFill>
+                  <a:srgbClr val="000080"/>
+                </a:solidFill>
+                <a:latin typeface="+mj-lt"/>
+              </a:rPr>
+              <a:t>	</a:t>
+            </a:r>
+            <a:r>
+              <a:rPr lang="en-US" sz="3200" b="1" dirty="0">
+                <a:solidFill>
+                  <a:srgbClr val="000080"/>
+                </a:solidFill>
+                <a:latin typeface="+mj-lt"/>
+              </a:rPr>
+              <a:t>	</a:t>
+            </a:r>
+            <a:r>
+              <a:rPr lang="en-US" sz="3200" b="1" dirty="0">
+                <a:solidFill>
+                  <a:srgbClr val="008000"/>
+                </a:solidFill>
+                <a:latin typeface="+mj-lt"/>
+              </a:rPr>
+              <a:t>for </a:t>
+            </a:r>
+            <a:r>
+              <a:rPr lang="en-US" sz="3200" dirty="0" err="1">
+                <a:latin typeface="+mj-lt"/>
+              </a:rPr>
+              <a:t>iterable</a:t>
+            </a:r>
+            <a:r>
+              <a:rPr lang="en-US" sz="3200" dirty="0">
+                <a:latin typeface="+mj-lt"/>
+              </a:rPr>
+              <a:t> </a:t>
+            </a:r>
+            <a:r>
+              <a:rPr lang="en-US" sz="3200" b="1" dirty="0">
+                <a:solidFill>
+                  <a:srgbClr val="AC21FF"/>
+                </a:solidFill>
+                <a:latin typeface="+mj-lt"/>
+              </a:rPr>
+              <a:t>in </a:t>
+            </a:r>
+            <a:r>
+              <a:rPr lang="en-US" sz="3200" dirty="0" err="1">
+                <a:latin typeface="+mj-lt"/>
+              </a:rPr>
+              <a:t>iterables</a:t>
+            </a:r>
+            <a:r>
+              <a:rPr lang="en-US" sz="3200" dirty="0">
+                <a:latin typeface="+mj-lt"/>
+              </a:rPr>
+              <a:t>:</a:t>
+            </a:r>
+          </a:p>
+          <a:p>
+            <a:r>
+              <a:rPr lang="en-US" sz="3200" b="1" dirty="0">
+                <a:solidFill>
+                  <a:srgbClr val="000080"/>
+                </a:solidFill>
+                <a:latin typeface="+mj-lt"/>
+              </a:rPr>
+              <a:t>... </a:t>
+            </a:r>
+            <a:r>
+              <a:rPr lang="ru-RU" sz="3200" b="1" dirty="0">
+                <a:solidFill>
+                  <a:srgbClr val="000080"/>
+                </a:solidFill>
+                <a:latin typeface="+mj-lt"/>
+              </a:rPr>
+              <a:t>		</a:t>
+            </a:r>
+            <a:r>
+              <a:rPr lang="en-US" sz="3200" b="1" dirty="0">
+                <a:solidFill>
+                  <a:srgbClr val="000080"/>
+                </a:solidFill>
+                <a:latin typeface="+mj-lt"/>
+              </a:rPr>
+              <a:t>	</a:t>
+            </a:r>
+            <a:r>
+              <a:rPr lang="en-US" sz="3200" b="1" dirty="0">
+                <a:solidFill>
+                  <a:srgbClr val="008000"/>
+                </a:solidFill>
+                <a:latin typeface="+mj-lt"/>
+              </a:rPr>
+              <a:t>for </a:t>
+            </a:r>
+            <a:r>
+              <a:rPr lang="en-US" sz="3200" dirty="0">
+                <a:latin typeface="+mj-lt"/>
+              </a:rPr>
+              <a:t>item </a:t>
+            </a:r>
+            <a:r>
+              <a:rPr lang="en-US" sz="3200" b="1" dirty="0">
+                <a:solidFill>
+                  <a:srgbClr val="AC21FF"/>
+                </a:solidFill>
+                <a:latin typeface="+mj-lt"/>
+              </a:rPr>
+              <a:t>in </a:t>
+            </a:r>
+            <a:r>
+              <a:rPr lang="en-US" sz="3200" dirty="0" err="1">
+                <a:latin typeface="+mj-lt"/>
+              </a:rPr>
+              <a:t>iterable</a:t>
+            </a:r>
+            <a:r>
+              <a:rPr lang="en-US" sz="3200" dirty="0">
+                <a:latin typeface="+mj-lt"/>
+              </a:rPr>
+              <a:t>:</a:t>
+            </a:r>
+          </a:p>
+          <a:p>
+            <a:r>
+              <a:rPr lang="en-US" sz="3200" b="1" dirty="0">
+                <a:solidFill>
+                  <a:srgbClr val="000080"/>
+                </a:solidFill>
+                <a:latin typeface="+mj-lt"/>
+              </a:rPr>
+              <a:t>...</a:t>
+            </a:r>
+            <a:r>
+              <a:rPr lang="ru-RU" sz="3200" b="1" dirty="0">
+                <a:solidFill>
+                  <a:srgbClr val="000080"/>
+                </a:solidFill>
+                <a:latin typeface="+mj-lt"/>
+              </a:rPr>
+              <a:t>			</a:t>
+            </a:r>
+            <a:r>
+              <a:rPr lang="en-US" sz="3200" b="1" dirty="0">
+                <a:solidFill>
+                  <a:srgbClr val="000080"/>
+                </a:solidFill>
+                <a:latin typeface="+mj-lt"/>
+              </a:rPr>
+              <a:t>	 </a:t>
+            </a:r>
+            <a:r>
+              <a:rPr lang="en-US" sz="3200" b="1" dirty="0">
+                <a:solidFill>
+                  <a:srgbClr val="008000"/>
+                </a:solidFill>
+                <a:latin typeface="+mj-lt"/>
+              </a:rPr>
+              <a:t>yield </a:t>
+            </a:r>
+            <a:r>
+              <a:rPr lang="en-US" sz="3200" dirty="0">
+                <a:latin typeface="+mj-lt"/>
+              </a:rPr>
+              <a:t>item</a:t>
+            </a:r>
+            <a:endParaRPr lang="ru-RU" sz="3200" dirty="0">
+              <a:latin typeface="+mj-lt"/>
+            </a:endParaRPr>
+          </a:p>
+          <a:p>
+            <a:r>
+              <a:rPr lang="ru-RU" sz="3200" b="1" dirty="0">
+                <a:solidFill>
+                  <a:srgbClr val="000080"/>
+                </a:solidFill>
+                <a:latin typeface="+mj-lt"/>
+              </a:rPr>
+              <a:t>...</a:t>
+            </a:r>
+          </a:p>
+          <a:p>
+            <a:r>
+              <a:rPr lang="en-US" sz="3200" b="1" dirty="0">
+                <a:solidFill>
+                  <a:srgbClr val="000080"/>
+                </a:solidFill>
+                <a:latin typeface="+mj-lt"/>
+              </a:rPr>
+              <a:t>&gt;&gt;&gt; </a:t>
+            </a:r>
+            <a:r>
+              <a:rPr lang="en-US" sz="3200" dirty="0" err="1">
+                <a:latin typeface="+mj-lt"/>
+              </a:rPr>
+              <a:t>xs</a:t>
+            </a:r>
+            <a:r>
+              <a:rPr lang="en-US" sz="3200" dirty="0">
+                <a:latin typeface="+mj-lt"/>
+              </a:rPr>
+              <a:t> </a:t>
+            </a:r>
+            <a:r>
+              <a:rPr lang="en-US" sz="3200" dirty="0">
+                <a:solidFill>
+                  <a:srgbClr val="666666"/>
+                </a:solidFill>
+                <a:latin typeface="+mj-lt"/>
+              </a:rPr>
+              <a:t>= </a:t>
+            </a:r>
+            <a:r>
+              <a:rPr lang="en-US" sz="3200" dirty="0">
+                <a:solidFill>
+                  <a:srgbClr val="008000"/>
+                </a:solidFill>
+                <a:latin typeface="+mj-lt"/>
+              </a:rPr>
+              <a:t>range</a:t>
+            </a:r>
+            <a:r>
+              <a:rPr lang="en-US" sz="3200" dirty="0">
+                <a:latin typeface="+mj-lt"/>
+              </a:rPr>
+              <a:t>(</a:t>
+            </a:r>
+            <a:r>
+              <a:rPr lang="en-US" sz="3200" dirty="0">
+                <a:solidFill>
+                  <a:srgbClr val="666666"/>
+                </a:solidFill>
+                <a:latin typeface="+mj-lt"/>
+              </a:rPr>
+              <a:t>3</a:t>
+            </a:r>
+            <a:r>
+              <a:rPr lang="en-US" sz="3200" dirty="0">
+                <a:latin typeface="+mj-lt"/>
+              </a:rPr>
+              <a:t>)</a:t>
+            </a:r>
+          </a:p>
+          <a:p>
+            <a:r>
+              <a:rPr lang="en-US" sz="3200" b="1" dirty="0">
+                <a:solidFill>
+                  <a:srgbClr val="000080"/>
+                </a:solidFill>
+                <a:latin typeface="+mj-lt"/>
+              </a:rPr>
+              <a:t>&gt;&gt;&gt; </a:t>
+            </a:r>
+            <a:r>
+              <a:rPr lang="en-US" sz="3200" dirty="0" err="1">
+                <a:latin typeface="+mj-lt"/>
+              </a:rPr>
+              <a:t>ys</a:t>
+            </a:r>
+            <a:r>
+              <a:rPr lang="en-US" sz="3200" dirty="0">
+                <a:latin typeface="+mj-lt"/>
+              </a:rPr>
+              <a:t> </a:t>
+            </a:r>
+            <a:r>
+              <a:rPr lang="en-US" sz="3200" dirty="0">
+                <a:solidFill>
+                  <a:srgbClr val="666666"/>
+                </a:solidFill>
+                <a:latin typeface="+mj-lt"/>
+              </a:rPr>
+              <a:t>= </a:t>
+            </a:r>
+            <a:r>
+              <a:rPr lang="en-US" sz="3200" dirty="0">
+                <a:latin typeface="+mj-lt"/>
+              </a:rPr>
+              <a:t>[</a:t>
+            </a:r>
+            <a:r>
+              <a:rPr lang="en-US" sz="3200" dirty="0">
+                <a:solidFill>
+                  <a:srgbClr val="666666"/>
+                </a:solidFill>
+                <a:latin typeface="+mj-lt"/>
+              </a:rPr>
+              <a:t>42</a:t>
+            </a:r>
+            <a:r>
+              <a:rPr lang="en-US" sz="3200" dirty="0">
+                <a:latin typeface="+mj-lt"/>
+              </a:rPr>
+              <a:t>]</a:t>
+            </a:r>
+          </a:p>
+          <a:p>
+            <a:r>
+              <a:rPr lang="en-US" sz="3200" b="1" dirty="0">
+                <a:solidFill>
+                  <a:srgbClr val="000080"/>
+                </a:solidFill>
+                <a:latin typeface="+mj-lt"/>
+              </a:rPr>
+              <a:t>&gt;&gt;&gt; </a:t>
+            </a:r>
+            <a:r>
+              <a:rPr lang="en-US" sz="3200" dirty="0">
+                <a:latin typeface="+mj-lt"/>
+              </a:rPr>
+              <a:t>chain(</a:t>
+            </a:r>
+            <a:r>
+              <a:rPr lang="en-US" sz="3200" dirty="0" err="1">
+                <a:latin typeface="+mj-lt"/>
+              </a:rPr>
+              <a:t>xs</a:t>
+            </a:r>
+            <a:r>
+              <a:rPr lang="en-US" sz="3200" dirty="0">
+                <a:latin typeface="+mj-lt"/>
+              </a:rPr>
+              <a:t>, </a:t>
+            </a:r>
+            <a:r>
+              <a:rPr lang="en-US" sz="3200" dirty="0" err="1">
+                <a:latin typeface="+mj-lt"/>
+              </a:rPr>
+              <a:t>ys</a:t>
+            </a:r>
+            <a:r>
+              <a:rPr lang="en-US" sz="3200" dirty="0">
+                <a:latin typeface="+mj-lt"/>
+              </a:rPr>
+              <a:t>)</a:t>
+            </a:r>
+          </a:p>
+          <a:p>
+            <a:r>
+              <a:rPr lang="en-US" sz="3200" dirty="0">
+                <a:solidFill>
+                  <a:srgbClr val="888888"/>
+                </a:solidFill>
+                <a:latin typeface="+mj-lt"/>
+              </a:rPr>
+              <a:t>&lt;generator object chain at 0x10311d708&gt;</a:t>
+            </a:r>
+          </a:p>
+          <a:p>
+            <a:r>
+              <a:rPr lang="en-US" sz="3200" b="1" dirty="0">
+                <a:solidFill>
+                  <a:srgbClr val="000080"/>
+                </a:solidFill>
+                <a:latin typeface="+mj-lt"/>
+              </a:rPr>
+              <a:t>&gt;&gt;&gt; </a:t>
+            </a:r>
+            <a:r>
+              <a:rPr lang="en-US" sz="3200" dirty="0">
+                <a:solidFill>
+                  <a:srgbClr val="008000"/>
+                </a:solidFill>
+                <a:latin typeface="+mj-lt"/>
+              </a:rPr>
+              <a:t>list</a:t>
+            </a:r>
+            <a:r>
+              <a:rPr lang="en-US" sz="3200" dirty="0">
+                <a:latin typeface="+mj-lt"/>
+              </a:rPr>
+              <a:t>(chain(</a:t>
+            </a:r>
+            <a:r>
+              <a:rPr lang="en-US" sz="3200" dirty="0" err="1">
+                <a:latin typeface="+mj-lt"/>
+              </a:rPr>
+              <a:t>xs</a:t>
+            </a:r>
+            <a:r>
+              <a:rPr lang="en-US" sz="3200" dirty="0">
+                <a:latin typeface="+mj-lt"/>
+              </a:rPr>
+              <a:t>, </a:t>
+            </a:r>
+            <a:r>
+              <a:rPr lang="en-US" sz="3200" dirty="0" err="1">
+                <a:latin typeface="+mj-lt"/>
+              </a:rPr>
+              <a:t>ys</a:t>
+            </a:r>
+            <a:r>
+              <a:rPr lang="en-US" sz="3200" dirty="0">
+                <a:latin typeface="+mj-lt"/>
+              </a:rPr>
+              <a:t>))</a:t>
+            </a:r>
+          </a:p>
+          <a:p>
+            <a:r>
+              <a:rPr lang="ru-RU" sz="3200" dirty="0">
+                <a:solidFill>
+                  <a:srgbClr val="888888"/>
+                </a:solidFill>
+                <a:latin typeface="+mj-lt"/>
+              </a:rPr>
+              <a:t>[0, 1</a:t>
+            </a:r>
+            <a:r>
+              <a:rPr lang="ru-RU" sz="3200">
+                <a:solidFill>
+                  <a:srgbClr val="888888"/>
+                </a:solidFill>
+                <a:latin typeface="+mj-lt"/>
+              </a:rPr>
+              <a:t>, 2, </a:t>
+            </a:r>
+            <a:r>
+              <a:rPr lang="ru-RU" sz="3200" dirty="0">
+                <a:solidFill>
+                  <a:srgbClr val="888888"/>
+                </a:solidFill>
+                <a:latin typeface="+mj-lt"/>
+              </a:rPr>
+              <a:t>42]</a:t>
+            </a:r>
+          </a:p>
+          <a:p>
+            <a:r>
+              <a:rPr lang="en-US" sz="3200" b="1" dirty="0">
+                <a:solidFill>
+                  <a:srgbClr val="000080"/>
+                </a:solidFill>
+                <a:latin typeface="+mj-lt"/>
+              </a:rPr>
+              <a:t>&gt;&gt;&gt; </a:t>
+            </a:r>
+            <a:r>
+              <a:rPr lang="en-US" sz="3200" dirty="0">
+                <a:solidFill>
+                  <a:srgbClr val="666666"/>
+                </a:solidFill>
+                <a:latin typeface="+mj-lt"/>
+              </a:rPr>
+              <a:t>42 </a:t>
+            </a:r>
+            <a:r>
+              <a:rPr lang="en-US" sz="3200" b="1" dirty="0">
+                <a:solidFill>
+                  <a:srgbClr val="AC21FF"/>
+                </a:solidFill>
+                <a:latin typeface="+mj-lt"/>
+              </a:rPr>
+              <a:t>in </a:t>
+            </a:r>
+            <a:r>
+              <a:rPr lang="en-US" sz="3200" dirty="0">
+                <a:latin typeface="+mj-lt"/>
+              </a:rPr>
+              <a:t>chain(</a:t>
+            </a:r>
+            <a:r>
+              <a:rPr lang="en-US" sz="3200" dirty="0" err="1">
+                <a:latin typeface="+mj-lt"/>
+              </a:rPr>
+              <a:t>xs</a:t>
+            </a:r>
+            <a:r>
+              <a:rPr lang="en-US" sz="3200" dirty="0">
+                <a:latin typeface="+mj-lt"/>
+              </a:rPr>
+              <a:t>, </a:t>
+            </a:r>
+            <a:r>
+              <a:rPr lang="en-US" sz="3200" dirty="0" err="1">
+                <a:latin typeface="+mj-lt"/>
+              </a:rPr>
+              <a:t>ys</a:t>
+            </a:r>
+            <a:r>
+              <a:rPr lang="en-US" sz="3200" dirty="0">
+                <a:latin typeface="+mj-lt"/>
+              </a:rPr>
+              <a:t>)</a:t>
+            </a:r>
+          </a:p>
+          <a:p>
+            <a:r>
+              <a:rPr lang="en-US" sz="3200" dirty="0">
+                <a:solidFill>
+                  <a:srgbClr val="888888"/>
+                </a:solidFill>
+                <a:latin typeface="+mj-lt"/>
+              </a:rPr>
+              <a:t>True</a:t>
+            </a:r>
+            <a:endParaRPr lang="ru-RU" sz="3200" dirty="0">
+              <a:latin typeface="+mj-lt"/>
+            </a:endParaRPr>
+          </a:p>
+        </p:txBody>
+      </p:sp>
+    </p:spTree>
+    <p:extLst>
+      <p:ext uri="{BB962C8B-B14F-4D97-AF65-F5344CB8AC3E}">
+        <p14:creationId xmlns:p14="http://schemas.microsoft.com/office/powerpoint/2010/main" val="2980722832"/>
+      </p:ext>
+    </p:extLst>
+  </p:cSld>
+  <p:clrMapOvr>
+    <a:masterClrMapping/>
+  </p:clrMapOvr>
+</p:sld>
+</file>
+
 <file path=ppt/slides/slide3.xml><?xml version="1.0" encoding="utf-8"?>
 <p:sld xmlns:a="http://schemas.openxmlformats.org/drawingml/2006/main" xmlns:r="http://schemas.openxmlformats.org/officeDocument/2006/relationships" xmlns:p="http://schemas.openxmlformats.org/presentationml/2006/main">
   <p:cSld>
@@ -19122,7 +18989,7 @@
               <a:buSzPct val="25000"/>
             </a:pPr>
             <a:r>
-              <a:rPr lang="ru-RU" sz="8000" dirty="0" smtClean="0">
+              <a:rPr lang="ru-RU" sz="8000" dirty="0">
                 <a:solidFill>
                   <a:srgbClr val="CD0000"/>
                 </a:solidFill>
@@ -19170,27 +19037,21 @@
               </a:rPr>
               <a:t>Внутри класса можно создать метод, который будет доступен без создания экземпляра класса. Для этого перед определением метода внутри класса следует указать декоратор @staticmethod. </a:t>
             </a:r>
-            <a:endParaRPr lang="en-US" sz="3200" dirty="0" smtClean="0">
-              <a:latin typeface="+mn-lt"/>
-            </a:endParaRPr>
-          </a:p>
-          <a:p>
             <a:endParaRPr lang="en-US" sz="3200" dirty="0">
               <a:latin typeface="+mn-lt"/>
             </a:endParaRPr>
           </a:p>
           <a:p>
-            <a:r>
-              <a:rPr lang="ru-RU" sz="3200" dirty="0" smtClean="0">
-                <a:latin typeface="+mn-lt"/>
-              </a:rPr>
-              <a:t>Вызов </a:t>
-            </a:r>
+            <a:endParaRPr lang="en-US" sz="3200" dirty="0">
+              <a:latin typeface="+mn-lt"/>
+            </a:endParaRPr>
+          </a:p>
+          <a:p>
             <a:r>
               <a:rPr lang="ru-RU" sz="3200" dirty="0">
                 <a:latin typeface="+mn-lt"/>
               </a:rPr>
-              <a:t>статического метода без создания экземпляра класса осуществляется следующим образом:</a:t>
+              <a:t>Вызов статического метода без создания экземпляра класса осуществляется следующим образом:</a:t>
             </a:r>
           </a:p>
           <a:p>
@@ -19249,13 +19110,6 @@
   <p:clrMapOvr>
     <a:masterClrMapping/>
   </p:clrMapOvr>
-  <p:timing>
-    <p:tnLst>
-      <p:par>
-        <p:cTn id="1" dur="indefinite" restart="never" nodeType="tmRoot"/>
-      </p:par>
-    </p:tnLst>
-  </p:timing>
 </p:sld>
 </file>
 
@@ -19312,7 +19166,7 @@
               <a:buSzPct val="25000"/>
             </a:pPr>
             <a:r>
-              <a:rPr lang="ru-RU" sz="8000" dirty="0" smtClean="0">
+              <a:rPr lang="ru-RU" sz="8000" dirty="0">
                 <a:solidFill>
                   <a:srgbClr val="CD0000"/>
                 </a:solidFill>
@@ -19404,7 +19258,7 @@
               <a:tabLst/>
             </a:pPr>
             <a:r>
-              <a:rPr kumimoji="0" lang="ru-RU" altLang="ru-RU" sz="2400" b="1" i="0" u="none" strike="noStrike" cap="none" normalizeH="0" baseline="0" dirty="0" smtClean="0">
+              <a:rPr kumimoji="0" lang="ru-RU" altLang="ru-RU" sz="2400" b="1" i="0" u="none" strike="noStrike" cap="none" normalizeH="0" baseline="0" dirty="0">
                 <a:ln>
                   <a:noFill/>
                 </a:ln>
@@ -19418,7 +19272,7 @@
               <a:t>class </a:t>
             </a:r>
             <a:r>
-              <a:rPr kumimoji="0" lang="ru-RU" altLang="ru-RU" sz="2400" b="0" i="0" u="none" strike="noStrike" cap="none" normalizeH="0" baseline="0" dirty="0" smtClean="0">
+              <a:rPr kumimoji="0" lang="ru-RU" altLang="ru-RU" sz="2400" b="0" i="0" u="none" strike="noStrike" cap="none" normalizeH="0" baseline="0" dirty="0">
                 <a:ln>
                   <a:noFill/>
                 </a:ln>
@@ -19432,7 +19286,7 @@
               <a:t>Class1(</a:t>
             </a:r>
             <a:r>
-              <a:rPr kumimoji="0" lang="ru-RU" altLang="ru-RU" sz="2400" b="0" i="0" u="none" strike="noStrike" cap="none" normalizeH="0" baseline="0" dirty="0" smtClean="0">
+              <a:rPr kumimoji="0" lang="ru-RU" altLang="ru-RU" sz="2400" b="0" i="0" u="none" strike="noStrike" cap="none" normalizeH="0" baseline="0" dirty="0">
                 <a:ln>
                   <a:noFill/>
                 </a:ln>
@@ -19446,7 +19300,7 @@
               <a:t>object</a:t>
             </a:r>
             <a:r>
-              <a:rPr kumimoji="0" lang="ru-RU" altLang="ru-RU" sz="2400" b="0" i="0" u="none" strike="noStrike" cap="none" normalizeH="0" baseline="0" dirty="0" smtClean="0">
+              <a:rPr kumimoji="0" lang="ru-RU" altLang="ru-RU" sz="2400" b="0" i="0" u="none" strike="noStrike" cap="none" normalizeH="0" baseline="0" dirty="0">
                 <a:ln>
                   <a:noFill/>
                 </a:ln>
@@ -19460,7 +19314,7 @@
               <a:t>):</a:t>
             </a:r>
             <a:br>
-              <a:rPr kumimoji="0" lang="ru-RU" altLang="ru-RU" sz="2400" b="0" i="0" u="none" strike="noStrike" cap="none" normalizeH="0" baseline="0" dirty="0" smtClean="0">
+              <a:rPr kumimoji="0" lang="ru-RU" altLang="ru-RU" sz="2400" b="0" i="0" u="none" strike="noStrike" cap="none" normalizeH="0" baseline="0" dirty="0">
                 <a:ln>
                   <a:noFill/>
                 </a:ln>
@@ -19473,7 +19327,7 @@
               </a:rPr>
             </a:br>
             <a:r>
-              <a:rPr kumimoji="0" lang="ru-RU" altLang="ru-RU" sz="2400" b="0" i="0" u="none" strike="noStrike" cap="none" normalizeH="0" baseline="0" dirty="0" smtClean="0">
+              <a:rPr kumimoji="0" lang="ru-RU" altLang="ru-RU" sz="2400" b="0" i="0" u="none" strike="noStrike" cap="none" normalizeH="0" baseline="0" dirty="0">
                 <a:ln>
                   <a:noFill/>
                 </a:ln>
@@ -19487,7 +19341,7 @@
               <a:t>    </a:t>
             </a:r>
             <a:r>
-              <a:rPr kumimoji="0" lang="ru-RU" altLang="ru-RU" sz="2400" b="0" i="0" u="none" strike="noStrike" cap="none" normalizeH="0" baseline="0" dirty="0" smtClean="0">
+              <a:rPr kumimoji="0" lang="ru-RU" altLang="ru-RU" sz="2400" b="0" i="0" u="none" strike="noStrike" cap="none" normalizeH="0" baseline="0" dirty="0">
                 <a:ln>
                   <a:noFill/>
                 </a:ln>
@@ -19501,7 +19355,7 @@
               <a:t>@</a:t>
             </a:r>
             <a:r>
-              <a:rPr kumimoji="0" lang="ru-RU" altLang="ru-RU" sz="2400" b="0" i="0" u="none" strike="noStrike" cap="none" normalizeH="0" baseline="0" dirty="0" smtClean="0">
+              <a:rPr kumimoji="0" lang="ru-RU" altLang="ru-RU" sz="2400" b="0" i="0" u="none" strike="noStrike" cap="none" normalizeH="0" baseline="0" dirty="0">
                 <a:ln>
                   <a:noFill/>
                 </a:ln>
@@ -19515,7 +19369,7 @@
               <a:t>staticmethod</a:t>
             </a:r>
             <a:br>
-              <a:rPr kumimoji="0" lang="ru-RU" altLang="ru-RU" sz="2400" b="0" i="0" u="none" strike="noStrike" cap="none" normalizeH="0" baseline="0" dirty="0" smtClean="0">
+              <a:rPr kumimoji="0" lang="ru-RU" altLang="ru-RU" sz="2400" b="0" i="0" u="none" strike="noStrike" cap="none" normalizeH="0" baseline="0" dirty="0">
                 <a:ln>
                   <a:noFill/>
                 </a:ln>
@@ -19528,7 +19382,7 @@
               </a:rPr>
             </a:br>
             <a:r>
-              <a:rPr kumimoji="0" lang="ru-RU" altLang="ru-RU" sz="2400" b="0" i="0" u="none" strike="noStrike" cap="none" normalizeH="0" baseline="0" dirty="0" smtClean="0">
+              <a:rPr kumimoji="0" lang="ru-RU" altLang="ru-RU" sz="2400" b="0" i="0" u="none" strike="noStrike" cap="none" normalizeH="0" baseline="0" dirty="0">
                 <a:ln>
                   <a:noFill/>
                 </a:ln>
@@ -19542,7 +19396,7 @@
               <a:t>    </a:t>
             </a:r>
             <a:r>
-              <a:rPr kumimoji="0" lang="ru-RU" altLang="ru-RU" sz="2400" b="1" i="0" u="none" strike="noStrike" cap="none" normalizeH="0" baseline="0" dirty="0" smtClean="0">
+              <a:rPr kumimoji="0" lang="ru-RU" altLang="ru-RU" sz="2400" b="1" i="0" u="none" strike="noStrike" cap="none" normalizeH="0" baseline="0" dirty="0">
                 <a:ln>
                   <a:noFill/>
                 </a:ln>
@@ -19556,7 +19410,7 @@
               <a:t>def </a:t>
             </a:r>
             <a:r>
-              <a:rPr kumimoji="0" lang="ru-RU" altLang="ru-RU" sz="2400" b="0" i="0" u="none" strike="noStrike" cap="none" normalizeH="0" baseline="0" dirty="0" smtClean="0">
+              <a:rPr kumimoji="0" lang="ru-RU" altLang="ru-RU" sz="2400" b="0" i="0" u="none" strike="noStrike" cap="none" normalizeH="0" baseline="0" dirty="0">
                 <a:ln>
                   <a:noFill/>
                 </a:ln>
@@ -19570,7 +19424,7 @@
               <a:t>sum1(x, y):  </a:t>
             </a:r>
             <a:r>
-              <a:rPr kumimoji="0" lang="ru-RU" altLang="ru-RU" sz="2400" b="0" i="1" u="none" strike="noStrike" cap="none" normalizeH="0" baseline="0" dirty="0" smtClean="0">
+              <a:rPr kumimoji="0" lang="ru-RU" altLang="ru-RU" sz="2400" b="0" i="1" u="none" strike="noStrike" cap="none" normalizeH="0" baseline="0" dirty="0">
                 <a:ln>
                   <a:noFill/>
                 </a:ln>
@@ -19584,7 +19438,7 @@
               <a:t># Статический метод</a:t>
             </a:r>
             <a:br>
-              <a:rPr kumimoji="0" lang="ru-RU" altLang="ru-RU" sz="2400" b="0" i="1" u="none" strike="noStrike" cap="none" normalizeH="0" baseline="0" dirty="0" smtClean="0">
+              <a:rPr kumimoji="0" lang="ru-RU" altLang="ru-RU" sz="2400" b="0" i="1" u="none" strike="noStrike" cap="none" normalizeH="0" baseline="0" dirty="0">
                 <a:ln>
                   <a:noFill/>
                 </a:ln>
@@ -19597,7 +19451,7 @@
               </a:rPr>
             </a:br>
             <a:r>
-              <a:rPr kumimoji="0" lang="ru-RU" altLang="ru-RU" sz="2400" b="0" i="1" u="none" strike="noStrike" cap="none" normalizeH="0" baseline="0" dirty="0" smtClean="0">
+              <a:rPr kumimoji="0" lang="ru-RU" altLang="ru-RU" sz="2400" b="0" i="1" u="none" strike="noStrike" cap="none" normalizeH="0" baseline="0" dirty="0">
                 <a:ln>
                   <a:noFill/>
                 </a:ln>
@@ -19611,7 +19465,7 @@
               <a:t>        </a:t>
             </a:r>
             <a:r>
-              <a:rPr kumimoji="0" lang="ru-RU" altLang="ru-RU" sz="2400" b="1" i="0" u="none" strike="noStrike" cap="none" normalizeH="0" baseline="0" dirty="0" smtClean="0">
+              <a:rPr kumimoji="0" lang="ru-RU" altLang="ru-RU" sz="2400" b="1" i="0" u="none" strike="noStrike" cap="none" normalizeH="0" baseline="0" dirty="0">
                 <a:ln>
                   <a:noFill/>
                 </a:ln>
@@ -19625,7 +19479,7 @@
               <a:t>return </a:t>
             </a:r>
             <a:r>
-              <a:rPr kumimoji="0" lang="ru-RU" altLang="ru-RU" sz="2400" b="0" i="0" u="none" strike="noStrike" cap="none" normalizeH="0" baseline="0" dirty="0" smtClean="0">
+              <a:rPr kumimoji="0" lang="ru-RU" altLang="ru-RU" sz="2400" b="0" i="0" u="none" strike="noStrike" cap="none" normalizeH="0" baseline="0" dirty="0">
                 <a:ln>
                   <a:noFill/>
                 </a:ln>
@@ -19639,7 +19493,7 @@
               <a:t>x + y</a:t>
             </a:r>
             <a:br>
-              <a:rPr kumimoji="0" lang="ru-RU" altLang="ru-RU" sz="2400" b="0" i="0" u="none" strike="noStrike" cap="none" normalizeH="0" baseline="0" dirty="0" smtClean="0">
+              <a:rPr kumimoji="0" lang="ru-RU" altLang="ru-RU" sz="2400" b="0" i="0" u="none" strike="noStrike" cap="none" normalizeH="0" baseline="0" dirty="0">
                 <a:ln>
                   <a:noFill/>
                 </a:ln>
@@ -19651,8 +19505,8 @@
                 <a:cs typeface="Courier New" panose="02070309020205020404" pitchFamily="49" charset="0"/>
               </a:rPr>
             </a:br>
-            <a:r>
-              <a:rPr kumimoji="0" lang="ru-RU" altLang="ru-RU" sz="2400" b="0" i="0" u="none" strike="noStrike" cap="none" normalizeH="0" baseline="0" dirty="0" smtClean="0">
+            <a:br>
+              <a:rPr kumimoji="0" lang="ru-RU" altLang="ru-RU" sz="2400" b="0" i="0" u="none" strike="noStrike" cap="none" normalizeH="0" baseline="0" dirty="0">
                 <a:ln>
                   <a:noFill/>
                 </a:ln>
@@ -19663,10 +19517,9 @@
                 <a:latin typeface="Courier New" panose="02070309020205020404" pitchFamily="49" charset="0"/>
                 <a:cs typeface="Courier New" panose="02070309020205020404" pitchFamily="49" charset="0"/>
               </a:rPr>
-              <a:t/>
-            </a:r>
-            <a:br>
-              <a:rPr kumimoji="0" lang="ru-RU" altLang="ru-RU" sz="2400" b="0" i="0" u="none" strike="noStrike" cap="none" normalizeH="0" baseline="0" dirty="0" smtClean="0">
+            </a:br>
+            <a:r>
+              <a:rPr kumimoji="0" lang="ru-RU" altLang="ru-RU" sz="2400" b="0" i="0" u="none" strike="noStrike" cap="none" normalizeH="0" baseline="0" dirty="0">
                 <a:ln>
                   <a:noFill/>
                 </a:ln>
@@ -19677,79 +19530,80 @@
                 <a:latin typeface="Courier New" panose="02070309020205020404" pitchFamily="49" charset="0"/>
                 <a:cs typeface="Courier New" panose="02070309020205020404" pitchFamily="49" charset="0"/>
               </a:rPr>
-            </a:br>
-            <a:r>
-              <a:rPr kumimoji="0" lang="ru-RU" altLang="ru-RU" sz="2400" b="0" i="0" u="none" strike="noStrike" cap="none" normalizeH="0" baseline="0" dirty="0" smtClean="0">
+              <a:t>    </a:t>
+            </a:r>
+            <a:r>
+              <a:rPr kumimoji="0" lang="ru-RU" altLang="ru-RU" sz="2400" b="1" i="0" u="none" strike="noStrike" cap="none" normalizeH="0" baseline="0" dirty="0">
                 <a:ln>
                   <a:noFill/>
                 </a:ln>
                 <a:solidFill>
-                  <a:srgbClr val="000000"/>
+                  <a:srgbClr val="000080"/>
                 </a:solidFill>
                 <a:effectLst/>
                 <a:latin typeface="Courier New" panose="02070309020205020404" pitchFamily="49" charset="0"/>
                 <a:cs typeface="Courier New" panose="02070309020205020404" pitchFamily="49" charset="0"/>
               </a:rPr>
-              <a:t>    </a:t>
-            </a:r>
-            <a:r>
-              <a:rPr kumimoji="0" lang="ru-RU" altLang="ru-RU" sz="2400" b="1" i="0" u="none" strike="noStrike" cap="none" normalizeH="0" baseline="0" dirty="0" smtClean="0">
+              <a:t>def </a:t>
+            </a:r>
+            <a:r>
+              <a:rPr kumimoji="0" lang="ru-RU" altLang="ru-RU" sz="2400" b="0" i="0" u="none" strike="noStrike" cap="none" normalizeH="0" baseline="0" dirty="0">
                 <a:ln>
                   <a:noFill/>
                 </a:ln>
                 <a:solidFill>
-                  <a:srgbClr val="000080"/>
+                  <a:srgbClr val="000000"/>
                 </a:solidFill>
                 <a:effectLst/>
                 <a:latin typeface="Courier New" panose="02070309020205020404" pitchFamily="49" charset="0"/>
                 <a:cs typeface="Courier New" panose="02070309020205020404" pitchFamily="49" charset="0"/>
               </a:rPr>
-              <a:t>def </a:t>
-            </a:r>
-            <a:r>
-              <a:rPr kumimoji="0" lang="ru-RU" altLang="ru-RU" sz="2400" b="0" i="0" u="none" strike="noStrike" cap="none" normalizeH="0" baseline="0" dirty="0" smtClean="0">
+              <a:t>sum2(</a:t>
+            </a:r>
+            <a:r>
+              <a:rPr kumimoji="0" lang="ru-RU" altLang="ru-RU" sz="2400" b="0" i="0" u="none" strike="noStrike" cap="none" normalizeH="0" baseline="0" dirty="0">
                 <a:ln>
                   <a:noFill/>
                 </a:ln>
                 <a:solidFill>
-                  <a:srgbClr val="000000"/>
+                  <a:srgbClr val="94558D"/>
                 </a:solidFill>
                 <a:effectLst/>
                 <a:latin typeface="Courier New" panose="02070309020205020404" pitchFamily="49" charset="0"/>
                 <a:cs typeface="Courier New" panose="02070309020205020404" pitchFamily="49" charset="0"/>
               </a:rPr>
-              <a:t>sum2(</a:t>
-            </a:r>
-            <a:r>
-              <a:rPr kumimoji="0" lang="ru-RU" altLang="ru-RU" sz="2400" b="0" i="0" u="none" strike="noStrike" cap="none" normalizeH="0" baseline="0" dirty="0" smtClean="0">
+              <a:t>self</a:t>
+            </a:r>
+            <a:r>
+              <a:rPr kumimoji="0" lang="ru-RU" altLang="ru-RU" sz="2400" b="0" i="0" u="none" strike="noStrike" cap="none" normalizeH="0" baseline="0" dirty="0">
                 <a:ln>
                   <a:noFill/>
                 </a:ln>
                 <a:solidFill>
-                  <a:srgbClr val="94558D"/>
+                  <a:srgbClr val="000000"/>
                 </a:solidFill>
                 <a:effectLst/>
                 <a:latin typeface="Courier New" panose="02070309020205020404" pitchFamily="49" charset="0"/>
                 <a:cs typeface="Courier New" panose="02070309020205020404" pitchFamily="49" charset="0"/>
               </a:rPr>
-              <a:t>self</a:t>
-            </a:r>
-            <a:r>
-              <a:rPr kumimoji="0" lang="ru-RU" altLang="ru-RU" sz="2400" b="0" i="0" u="none" strike="noStrike" cap="none" normalizeH="0" baseline="0" dirty="0" smtClean="0">
+              <a:t>, x, y):  </a:t>
+            </a:r>
+            <a:r>
+              <a:rPr kumimoji="0" lang="ru-RU" altLang="ru-RU" sz="2400" b="0" i="1" u="none" strike="noStrike" cap="none" normalizeH="0" baseline="0" dirty="0">
                 <a:ln>
                   <a:noFill/>
                 </a:ln>
                 <a:solidFill>
-                  <a:srgbClr val="000000"/>
+                  <a:srgbClr val="808080"/>
                 </a:solidFill>
                 <a:effectLst/>
                 <a:latin typeface="Courier New" panose="02070309020205020404" pitchFamily="49" charset="0"/>
                 <a:cs typeface="Courier New" panose="02070309020205020404" pitchFamily="49" charset="0"/>
               </a:rPr>
-              <a:t>, x, y):  </a:t>
-            </a:r>
-            <a:r>
-              <a:rPr kumimoji="0" lang="ru-RU" altLang="ru-RU" sz="2400" b="0" i="1" u="none" strike="noStrike" cap="none" normalizeH="0" baseline="0" dirty="0" smtClean="0">
+              <a:t># Обычный метод в классе</a:t>
+            </a:r>
+            <a:br>
+              <a:rPr kumimoji="0" lang="ru-RU" altLang="ru-RU" sz="2400" b="0" i="1" u="none" strike="noStrike" cap="none" normalizeH="0" baseline="0" dirty="0">
                 <a:ln>
                   <a:noFill/>
                 </a:ln>
@@ -19760,10 +19614,9 @@
                 <a:latin typeface="Courier New" panose="02070309020205020404" pitchFamily="49" charset="0"/>
                 <a:cs typeface="Courier New" panose="02070309020205020404" pitchFamily="49" charset="0"/>
               </a:rPr>
-              <a:t># Обычный метод в классе</a:t>
-            </a:r>
-            <a:br>
-              <a:rPr kumimoji="0" lang="ru-RU" altLang="ru-RU" sz="2400" b="0" i="1" u="none" strike="noStrike" cap="none" normalizeH="0" baseline="0" dirty="0" smtClean="0">
+            </a:br>
+            <a:r>
+              <a:rPr kumimoji="0" lang="ru-RU" altLang="ru-RU" sz="2400" b="0" i="1" u="none" strike="noStrike" cap="none" normalizeH="0" baseline="0" dirty="0">
                 <a:ln>
                   <a:noFill/>
                 </a:ln>
@@ -19774,37 +19627,38 @@
                 <a:latin typeface="Courier New" panose="02070309020205020404" pitchFamily="49" charset="0"/>
                 <a:cs typeface="Courier New" panose="02070309020205020404" pitchFamily="49" charset="0"/>
               </a:rPr>
-            </a:br>
-            <a:r>
-              <a:rPr kumimoji="0" lang="ru-RU" altLang="ru-RU" sz="2400" b="0" i="1" u="none" strike="noStrike" cap="none" normalizeH="0" baseline="0" dirty="0" smtClean="0">
+              <a:t>        </a:t>
+            </a:r>
+            <a:r>
+              <a:rPr kumimoji="0" lang="ru-RU" altLang="ru-RU" sz="2400" b="1" i="0" u="none" strike="noStrike" cap="none" normalizeH="0" baseline="0" dirty="0">
                 <a:ln>
                   <a:noFill/>
                 </a:ln>
                 <a:solidFill>
-                  <a:srgbClr val="808080"/>
+                  <a:srgbClr val="000080"/>
                 </a:solidFill>
                 <a:effectLst/>
                 <a:latin typeface="Courier New" panose="02070309020205020404" pitchFamily="49" charset="0"/>
                 <a:cs typeface="Courier New" panose="02070309020205020404" pitchFamily="49" charset="0"/>
               </a:rPr>
-              <a:t>        </a:t>
-            </a:r>
-            <a:r>
-              <a:rPr kumimoji="0" lang="ru-RU" altLang="ru-RU" sz="2400" b="1" i="0" u="none" strike="noStrike" cap="none" normalizeH="0" baseline="0" dirty="0" smtClean="0">
+              <a:t>return </a:t>
+            </a:r>
+            <a:r>
+              <a:rPr kumimoji="0" lang="ru-RU" altLang="ru-RU" sz="2400" b="0" i="0" u="none" strike="noStrike" cap="none" normalizeH="0" baseline="0" dirty="0">
                 <a:ln>
                   <a:noFill/>
                 </a:ln>
                 <a:solidFill>
-                  <a:srgbClr val="000080"/>
+                  <a:srgbClr val="000000"/>
                 </a:solidFill>
                 <a:effectLst/>
                 <a:latin typeface="Courier New" panose="02070309020205020404" pitchFamily="49" charset="0"/>
                 <a:cs typeface="Courier New" panose="02070309020205020404" pitchFamily="49" charset="0"/>
               </a:rPr>
-              <a:t>return </a:t>
-            </a:r>
-            <a:r>
-              <a:rPr kumimoji="0" lang="ru-RU" altLang="ru-RU" sz="2400" b="0" i="0" u="none" strike="noStrike" cap="none" normalizeH="0" baseline="0" dirty="0" smtClean="0">
+              <a:t>x + y</a:t>
+            </a:r>
+            <a:br>
+              <a:rPr kumimoji="0" lang="ru-RU" altLang="ru-RU" sz="2400" b="0" i="0" u="none" strike="noStrike" cap="none" normalizeH="0" baseline="0" dirty="0">
                 <a:ln>
                   <a:noFill/>
                 </a:ln>
@@ -19815,10 +19669,9 @@
                 <a:latin typeface="Courier New" panose="02070309020205020404" pitchFamily="49" charset="0"/>
                 <a:cs typeface="Courier New" panose="02070309020205020404" pitchFamily="49" charset="0"/>
               </a:rPr>
-              <a:t>x + y</a:t>
-            </a:r>
+            </a:br>
             <a:br>
-              <a:rPr kumimoji="0" lang="ru-RU" altLang="ru-RU" sz="2400" b="0" i="0" u="none" strike="noStrike" cap="none" normalizeH="0" baseline="0" dirty="0" smtClean="0">
+              <a:rPr kumimoji="0" lang="ru-RU" altLang="ru-RU" sz="2400" b="0" i="0" u="none" strike="noStrike" cap="none" normalizeH="0" baseline="0" dirty="0">
                 <a:ln>
                   <a:noFill/>
                 </a:ln>
@@ -19831,7 +19684,7 @@
               </a:rPr>
             </a:br>
             <a:r>
-              <a:rPr kumimoji="0" lang="ru-RU" altLang="ru-RU" sz="2400" b="0" i="0" u="none" strike="noStrike" cap="none" normalizeH="0" baseline="0" dirty="0" smtClean="0">
+              <a:rPr kumimoji="0" lang="ru-RU" altLang="ru-RU" sz="2400" b="0" i="0" u="none" strike="noStrike" cap="none" normalizeH="0" baseline="0" dirty="0">
                 <a:ln>
                   <a:noFill/>
                 </a:ln>
@@ -19842,23 +19695,24 @@
                 <a:latin typeface="Courier New" panose="02070309020205020404" pitchFamily="49" charset="0"/>
                 <a:cs typeface="Courier New" panose="02070309020205020404" pitchFamily="49" charset="0"/>
               </a:rPr>
-              <a:t/>
-            </a:r>
-            <a:br>
-              <a:rPr kumimoji="0" lang="ru-RU" altLang="ru-RU" sz="2400" b="0" i="0" u="none" strike="noStrike" cap="none" normalizeH="0" baseline="0" dirty="0" smtClean="0">
+              <a:t>    </a:t>
+            </a:r>
+            <a:r>
+              <a:rPr kumimoji="0" lang="ru-RU" altLang="ru-RU" sz="2400" b="1" i="0" u="none" strike="noStrike" cap="none" normalizeH="0" baseline="0" dirty="0">
                 <a:ln>
                   <a:noFill/>
                 </a:ln>
                 <a:solidFill>
-                  <a:srgbClr val="000000"/>
+                  <a:srgbClr val="000080"/>
                 </a:solidFill>
                 <a:effectLst/>
                 <a:latin typeface="Courier New" panose="02070309020205020404" pitchFamily="49" charset="0"/>
                 <a:cs typeface="Courier New" panose="02070309020205020404" pitchFamily="49" charset="0"/>
               </a:rPr>
-            </a:br>
-            <a:r>
-              <a:rPr kumimoji="0" lang="ru-RU" altLang="ru-RU" sz="2400" b="0" i="0" u="none" strike="noStrike" cap="none" normalizeH="0" baseline="0" dirty="0" smtClean="0">
+              <a:t>def </a:t>
+            </a:r>
+            <a:r>
+              <a:rPr kumimoji="0" lang="ru-RU" altLang="ru-RU" sz="2400" b="0" i="0" u="none" strike="noStrike" cap="none" normalizeH="0" baseline="0" dirty="0">
                 <a:ln>
                   <a:noFill/>
                 </a:ln>
@@ -19869,24 +19723,24 @@
                 <a:latin typeface="Courier New" panose="02070309020205020404" pitchFamily="49" charset="0"/>
                 <a:cs typeface="Courier New" panose="02070309020205020404" pitchFamily="49" charset="0"/>
               </a:rPr>
-              <a:t>    </a:t>
-            </a:r>
-            <a:r>
-              <a:rPr kumimoji="0" lang="ru-RU" altLang="ru-RU" sz="2400" b="1" i="0" u="none" strike="noStrike" cap="none" normalizeH="0" baseline="0" dirty="0" smtClean="0">
+              <a:t>sum3(</a:t>
+            </a:r>
+            <a:r>
+              <a:rPr kumimoji="0" lang="ru-RU" altLang="ru-RU" sz="2400" b="0" i="0" u="none" strike="noStrike" cap="none" normalizeH="0" baseline="0" dirty="0">
                 <a:ln>
                   <a:noFill/>
                 </a:ln>
                 <a:solidFill>
-                  <a:srgbClr val="000080"/>
+                  <a:srgbClr val="94558D"/>
                 </a:solidFill>
                 <a:effectLst/>
                 <a:latin typeface="Courier New" panose="02070309020205020404" pitchFamily="49" charset="0"/>
                 <a:cs typeface="Courier New" panose="02070309020205020404" pitchFamily="49" charset="0"/>
               </a:rPr>
-              <a:t>def </a:t>
-            </a:r>
-            <a:r>
-              <a:rPr kumimoji="0" lang="ru-RU" altLang="ru-RU" sz="2400" b="0" i="0" u="none" strike="noStrike" cap="none" normalizeH="0" baseline="0" dirty="0" smtClean="0">
+              <a:t>self</a:t>
+            </a:r>
+            <a:r>
+              <a:rPr kumimoji="0" lang="ru-RU" altLang="ru-RU" sz="2400" b="0" i="0" u="none" strike="noStrike" cap="none" normalizeH="0" baseline="0" dirty="0">
                 <a:ln>
                   <a:noFill/>
                 </a:ln>
@@ -19897,24 +19751,23 @@
                 <a:latin typeface="Courier New" panose="02070309020205020404" pitchFamily="49" charset="0"/>
                 <a:cs typeface="Courier New" panose="02070309020205020404" pitchFamily="49" charset="0"/>
               </a:rPr>
-              <a:t>sum3(</a:t>
-            </a:r>
-            <a:r>
-              <a:rPr kumimoji="0" lang="ru-RU" altLang="ru-RU" sz="2400" b="0" i="0" u="none" strike="noStrike" cap="none" normalizeH="0" baseline="0" dirty="0" smtClean="0">
+              <a:t>, x, y):</a:t>
+            </a:r>
+            <a:br>
+              <a:rPr kumimoji="0" lang="ru-RU" altLang="ru-RU" sz="2400" b="0" i="0" u="none" strike="noStrike" cap="none" normalizeH="0" baseline="0" dirty="0">
                 <a:ln>
                   <a:noFill/>
                 </a:ln>
                 <a:solidFill>
-                  <a:srgbClr val="94558D"/>
+                  <a:srgbClr val="000000"/>
                 </a:solidFill>
                 <a:effectLst/>
                 <a:latin typeface="Courier New" panose="02070309020205020404" pitchFamily="49" charset="0"/>
                 <a:cs typeface="Courier New" panose="02070309020205020404" pitchFamily="49" charset="0"/>
               </a:rPr>
-              <a:t>self</a:t>
-            </a:r>
-            <a:r>
-              <a:rPr kumimoji="0" lang="ru-RU" altLang="ru-RU" sz="2400" b="0" i="0" u="none" strike="noStrike" cap="none" normalizeH="0" baseline="0" dirty="0" smtClean="0">
+            </a:br>
+            <a:r>
+              <a:rPr kumimoji="0" lang="ru-RU" altLang="ru-RU" sz="2400" b="0" i="0" u="none" strike="noStrike" cap="none" normalizeH="0" baseline="0" dirty="0">
                 <a:ln>
                   <a:noFill/>
                 </a:ln>
@@ -19925,23 +19778,24 @@
                 <a:latin typeface="Courier New" panose="02070309020205020404" pitchFamily="49" charset="0"/>
                 <a:cs typeface="Courier New" panose="02070309020205020404" pitchFamily="49" charset="0"/>
               </a:rPr>
-              <a:t>, x, y):</a:t>
-            </a:r>
-            <a:br>
-              <a:rPr kumimoji="0" lang="ru-RU" altLang="ru-RU" sz="2400" b="0" i="0" u="none" strike="noStrike" cap="none" normalizeH="0" baseline="0" dirty="0" smtClean="0">
+              <a:t>        </a:t>
+            </a:r>
+            <a:r>
+              <a:rPr kumimoji="0" lang="ru-RU" altLang="ru-RU" sz="2400" b="1" i="0" u="none" strike="noStrike" cap="none" normalizeH="0" baseline="0" dirty="0">
                 <a:ln>
                   <a:noFill/>
                 </a:ln>
                 <a:solidFill>
-                  <a:srgbClr val="000000"/>
+                  <a:srgbClr val="000080"/>
                 </a:solidFill>
                 <a:effectLst/>
                 <a:latin typeface="Courier New" panose="02070309020205020404" pitchFamily="49" charset="0"/>
                 <a:cs typeface="Courier New" panose="02070309020205020404" pitchFamily="49" charset="0"/>
               </a:rPr>
-            </a:br>
-            <a:r>
-              <a:rPr kumimoji="0" lang="ru-RU" altLang="ru-RU" sz="2400" b="0" i="0" u="none" strike="noStrike" cap="none" normalizeH="0" baseline="0" dirty="0" smtClean="0">
+              <a:t>return </a:t>
+            </a:r>
+            <a:r>
+              <a:rPr kumimoji="0" lang="ru-RU" altLang="ru-RU" sz="2400" b="0" i="0" u="none" strike="noStrike" cap="none" normalizeH="0" baseline="0" dirty="0">
                 <a:ln>
                   <a:noFill/>
                 </a:ln>
@@ -19952,38 +19806,37 @@
                 <a:latin typeface="Courier New" panose="02070309020205020404" pitchFamily="49" charset="0"/>
                 <a:cs typeface="Courier New" panose="02070309020205020404" pitchFamily="49" charset="0"/>
               </a:rPr>
-              <a:t>        </a:t>
-            </a:r>
-            <a:r>
-              <a:rPr kumimoji="0" lang="ru-RU" altLang="ru-RU" sz="2400" b="1" i="0" u="none" strike="noStrike" cap="none" normalizeH="0" baseline="0" dirty="0" smtClean="0">
+              <a:t>Class1.sum1(x, y)  </a:t>
+            </a:r>
+            <a:r>
+              <a:rPr kumimoji="0" lang="ru-RU" altLang="ru-RU" sz="2400" b="0" i="1" u="none" strike="noStrike" cap="none" normalizeH="0" baseline="0" dirty="0">
                 <a:ln>
                   <a:noFill/>
                 </a:ln>
                 <a:solidFill>
-                  <a:srgbClr val="000080"/>
+                  <a:srgbClr val="808080"/>
                 </a:solidFill>
                 <a:effectLst/>
                 <a:latin typeface="Courier New" panose="02070309020205020404" pitchFamily="49" charset="0"/>
                 <a:cs typeface="Courier New" panose="02070309020205020404" pitchFamily="49" charset="0"/>
               </a:rPr>
-              <a:t>return </a:t>
-            </a:r>
-            <a:r>
-              <a:rPr kumimoji="0" lang="ru-RU" altLang="ru-RU" sz="2400" b="0" i="0" u="none" strike="noStrike" cap="none" normalizeH="0" baseline="0" dirty="0" smtClean="0">
+              <a:t># Вызов из метода класса</a:t>
+            </a:r>
+            <a:br>
+              <a:rPr kumimoji="0" lang="ru-RU" altLang="ru-RU" sz="2400" b="0" i="1" u="none" strike="noStrike" cap="none" normalizeH="0" baseline="0" dirty="0">
                 <a:ln>
                   <a:noFill/>
                 </a:ln>
                 <a:solidFill>
-                  <a:srgbClr val="000000"/>
+                  <a:srgbClr val="808080"/>
                 </a:solidFill>
                 <a:effectLst/>
                 <a:latin typeface="Courier New" panose="02070309020205020404" pitchFamily="49" charset="0"/>
                 <a:cs typeface="Courier New" panose="02070309020205020404" pitchFamily="49" charset="0"/>
               </a:rPr>
-              <a:t>Class1.sum1(x, y)  </a:t>
-            </a:r>
-            <a:r>
-              <a:rPr kumimoji="0" lang="ru-RU" altLang="ru-RU" sz="2400" b="0" i="1" u="none" strike="noStrike" cap="none" normalizeH="0" baseline="0" dirty="0" smtClean="0">
+            </a:br>
+            <a:br>
+              <a:rPr kumimoji="0" lang="ru-RU" altLang="ru-RU" sz="2400" b="0" i="1" u="none" strike="noStrike" cap="none" normalizeH="0" baseline="0" dirty="0">
                 <a:ln>
                   <a:noFill/>
                 </a:ln>
@@ -19994,10 +19847,9 @@
                 <a:latin typeface="Courier New" panose="02070309020205020404" pitchFamily="49" charset="0"/>
                 <a:cs typeface="Courier New" panose="02070309020205020404" pitchFamily="49" charset="0"/>
               </a:rPr>
-              <a:t># Вызов из метода класса</a:t>
-            </a:r>
+            </a:br>
             <a:br>
-              <a:rPr kumimoji="0" lang="ru-RU" altLang="ru-RU" sz="2400" b="0" i="1" u="none" strike="noStrike" cap="none" normalizeH="0" baseline="0" dirty="0" smtClean="0">
+              <a:rPr kumimoji="0" lang="ru-RU" altLang="ru-RU" sz="2400" b="0" i="1" u="none" strike="noStrike" cap="none" normalizeH="0" baseline="0" dirty="0">
                 <a:ln>
                   <a:noFill/>
                 </a:ln>
@@ -20010,75 +19862,77 @@
               </a:rPr>
             </a:br>
             <a:r>
-              <a:rPr kumimoji="0" lang="ru-RU" altLang="ru-RU" sz="2400" b="0" i="1" u="none" strike="noStrike" cap="none" normalizeH="0" baseline="0" dirty="0" smtClean="0">
+              <a:rPr kumimoji="0" lang="ru-RU" altLang="ru-RU" sz="2400" b="0" i="0" u="none" strike="noStrike" cap="none" normalizeH="0" baseline="0" dirty="0">
                 <a:ln>
                   <a:noFill/>
                 </a:ln>
                 <a:solidFill>
-                  <a:srgbClr val="808080"/>
+                  <a:srgbClr val="000080"/>
                 </a:solidFill>
                 <a:effectLst/>
                 <a:latin typeface="Courier New" panose="02070309020205020404" pitchFamily="49" charset="0"/>
                 <a:cs typeface="Courier New" panose="02070309020205020404" pitchFamily="49" charset="0"/>
               </a:rPr>
-              <a:t/>
-            </a:r>
-            <a:br>
-              <a:rPr kumimoji="0" lang="ru-RU" altLang="ru-RU" sz="2400" b="0" i="1" u="none" strike="noStrike" cap="none" normalizeH="0" baseline="0" dirty="0" smtClean="0">
+              <a:t>print </a:t>
+            </a:r>
+            <a:r>
+              <a:rPr kumimoji="0" lang="ru-RU" altLang="ru-RU" sz="2400" b="0" i="0" u="none" strike="noStrike" cap="none" normalizeH="0" baseline="0" dirty="0">
                 <a:ln>
                   <a:noFill/>
                 </a:ln>
                 <a:solidFill>
-                  <a:srgbClr val="808080"/>
+                  <a:srgbClr val="000000"/>
                 </a:solidFill>
                 <a:effectLst/>
                 <a:latin typeface="Courier New" panose="02070309020205020404" pitchFamily="49" charset="0"/>
                 <a:cs typeface="Courier New" panose="02070309020205020404" pitchFamily="49" charset="0"/>
               </a:rPr>
-            </a:br>
-            <a:r>
-              <a:rPr kumimoji="0" lang="ru-RU" altLang="ru-RU" sz="2400" b="0" i="1" u="none" strike="noStrike" cap="none" normalizeH="0" baseline="0" dirty="0" smtClean="0">
+              <a:t>(Class1.sum1(</a:t>
+            </a:r>
+            <a:r>
+              <a:rPr kumimoji="0" lang="ru-RU" altLang="ru-RU" sz="2400" b="0" i="0" u="none" strike="noStrike" cap="none" normalizeH="0" baseline="0" dirty="0">
                 <a:ln>
                   <a:noFill/>
                 </a:ln>
                 <a:solidFill>
-                  <a:srgbClr val="808080"/>
+                  <a:srgbClr val="0000FF"/>
                 </a:solidFill>
                 <a:effectLst/>
                 <a:latin typeface="Courier New" panose="02070309020205020404" pitchFamily="49" charset="0"/>
                 <a:cs typeface="Courier New" panose="02070309020205020404" pitchFamily="49" charset="0"/>
               </a:rPr>
-              <a:t/>
-            </a:r>
-            <a:br>
-              <a:rPr kumimoji="0" lang="ru-RU" altLang="ru-RU" sz="2400" b="0" i="1" u="none" strike="noStrike" cap="none" normalizeH="0" baseline="0" dirty="0" smtClean="0">
+              <a:t>10</a:t>
+            </a:r>
+            <a:r>
+              <a:rPr kumimoji="0" lang="ru-RU" altLang="ru-RU" sz="2400" b="0" i="0" u="none" strike="noStrike" cap="none" normalizeH="0" baseline="0" dirty="0">
                 <a:ln>
                   <a:noFill/>
                 </a:ln>
                 <a:solidFill>
-                  <a:srgbClr val="808080"/>
+                  <a:srgbClr val="000000"/>
                 </a:solidFill>
                 <a:effectLst/>
                 <a:latin typeface="Courier New" panose="02070309020205020404" pitchFamily="49" charset="0"/>
                 <a:cs typeface="Courier New" panose="02070309020205020404" pitchFamily="49" charset="0"/>
               </a:rPr>
-            </a:br>
-            <a:r>
-              <a:rPr kumimoji="0" lang="ru-RU" altLang="ru-RU" sz="2400" b="0" i="0" u="none" strike="noStrike" cap="none" normalizeH="0" baseline="0" dirty="0" smtClean="0">
+              <a:t>, </a:t>
+            </a:r>
+            <a:r>
+              <a:rPr kumimoji="0" lang="ru-RU" altLang="ru-RU" sz="2400" b="0" i="0" u="none" strike="noStrike" cap="none" normalizeH="0" baseline="0" dirty="0">
                 <a:ln>
                   <a:noFill/>
                 </a:ln>
                 <a:solidFill>
-                  <a:srgbClr val="000080"/>
+                  <a:srgbClr val="0000FF"/>
                 </a:solidFill>
                 <a:effectLst/>
                 <a:latin typeface="Courier New" panose="02070309020205020404" pitchFamily="49" charset="0"/>
                 <a:cs typeface="Courier New" panose="02070309020205020404" pitchFamily="49" charset="0"/>
               </a:rPr>
-              <a:t>print </a:t>
-            </a:r>
-            <a:r>
-              <a:rPr kumimoji="0" lang="ru-RU" altLang="ru-RU" sz="2400" b="0" i="0" u="none" strike="noStrike" cap="none" normalizeH="0" baseline="0" dirty="0" smtClean="0">
+              <a:t>20</a:t>
+            </a:r>
+            <a:r>
+              <a:rPr kumimoji="0" lang="ru-RU" altLang="ru-RU" sz="2400" b="0" i="0" u="none" strike="noStrike" cap="none" normalizeH="0" baseline="0" dirty="0">
                 <a:ln>
                   <a:noFill/>
                 </a:ln>
@@ -20089,52 +19943,51 @@
                 <a:latin typeface="Courier New" panose="02070309020205020404" pitchFamily="49" charset="0"/>
                 <a:cs typeface="Courier New" panose="02070309020205020404" pitchFamily="49" charset="0"/>
               </a:rPr>
-              <a:t>(Class1.sum1(</a:t>
-            </a:r>
-            <a:r>
-              <a:rPr kumimoji="0" lang="ru-RU" altLang="ru-RU" sz="2400" b="0" i="0" u="none" strike="noStrike" cap="none" normalizeH="0" baseline="0" dirty="0" smtClean="0">
+              <a:t>))  </a:t>
+            </a:r>
+            <a:r>
+              <a:rPr kumimoji="0" lang="ru-RU" altLang="ru-RU" sz="2400" b="0" i="1" u="none" strike="noStrike" cap="none" normalizeH="0" baseline="0" dirty="0">
                 <a:ln>
                   <a:noFill/>
                 </a:ln>
                 <a:solidFill>
-                  <a:srgbClr val="0000FF"/>
+                  <a:srgbClr val="808080"/>
                 </a:solidFill>
                 <a:effectLst/>
                 <a:latin typeface="Courier New" panose="02070309020205020404" pitchFamily="49" charset="0"/>
                 <a:cs typeface="Courier New" panose="02070309020205020404" pitchFamily="49" charset="0"/>
               </a:rPr>
-              <a:t>10</a:t>
-            </a:r>
-            <a:r>
-              <a:rPr kumimoji="0" lang="ru-RU" altLang="ru-RU" sz="2400" b="0" i="0" u="none" strike="noStrike" cap="none" normalizeH="0" baseline="0" dirty="0" smtClean="0">
+              <a:t># Вызываем статический метод</a:t>
+            </a:r>
+            <a:br>
+              <a:rPr kumimoji="0" lang="ru-RU" altLang="ru-RU" sz="2400" b="0" i="1" u="none" strike="noStrike" cap="none" normalizeH="0" baseline="0" dirty="0">
                 <a:ln>
                   <a:noFill/>
                 </a:ln>
                 <a:solidFill>
-                  <a:srgbClr val="000000"/>
+                  <a:srgbClr val="808080"/>
                 </a:solidFill>
                 <a:effectLst/>
                 <a:latin typeface="Courier New" panose="02070309020205020404" pitchFamily="49" charset="0"/>
                 <a:cs typeface="Courier New" panose="02070309020205020404" pitchFamily="49" charset="0"/>
               </a:rPr>
-              <a:t>, </a:t>
-            </a:r>
-            <a:r>
-              <a:rPr kumimoji="0" lang="ru-RU" altLang="ru-RU" sz="2400" b="0" i="0" u="none" strike="noStrike" cap="none" normalizeH="0" baseline="0" dirty="0" smtClean="0">
+            </a:br>
+            <a:r>
+              <a:rPr kumimoji="0" lang="ru-RU" altLang="ru-RU" sz="2400" b="0" i="0" u="none" strike="noStrike" cap="none" normalizeH="0" baseline="0" dirty="0">
                 <a:ln>
                   <a:noFill/>
                 </a:ln>
                 <a:solidFill>
-                  <a:srgbClr val="0000FF"/>
+                  <a:srgbClr val="000000"/>
                 </a:solidFill>
                 <a:effectLst/>
                 <a:latin typeface="Courier New" panose="02070309020205020404" pitchFamily="49" charset="0"/>
                 <a:cs typeface="Courier New" panose="02070309020205020404" pitchFamily="49" charset="0"/>
               </a:rPr>
-              <a:t>20</a:t>
-            </a:r>
-            <a:r>
-              <a:rPr kumimoji="0" lang="ru-RU" altLang="ru-RU" sz="2400" b="0" i="0" u="none" strike="noStrike" cap="none" normalizeH="0" baseline="0" dirty="0" smtClean="0">
+              <a:t>c1 = Class1()</a:t>
+            </a:r>
+            <a:br>
+              <a:rPr kumimoji="0" lang="ru-RU" altLang="ru-RU" sz="2400" b="0" i="0" u="none" strike="noStrike" cap="none" normalizeH="0" baseline="0" dirty="0">
                 <a:ln>
                   <a:noFill/>
                 </a:ln>
@@ -20145,51 +19998,51 @@
                 <a:latin typeface="Courier New" panose="02070309020205020404" pitchFamily="49" charset="0"/>
                 <a:cs typeface="Courier New" panose="02070309020205020404" pitchFamily="49" charset="0"/>
               </a:rPr>
-              <a:t>))  </a:t>
-            </a:r>
-            <a:r>
-              <a:rPr kumimoji="0" lang="ru-RU" altLang="ru-RU" sz="2400" b="0" i="1" u="none" strike="noStrike" cap="none" normalizeH="0" baseline="0" dirty="0" smtClean="0">
+            </a:br>
+            <a:r>
+              <a:rPr kumimoji="0" lang="ru-RU" altLang="ru-RU" sz="2400" b="0" i="0" u="none" strike="noStrike" cap="none" normalizeH="0" baseline="0" dirty="0">
                 <a:ln>
                   <a:noFill/>
                 </a:ln>
                 <a:solidFill>
-                  <a:srgbClr val="808080"/>
+                  <a:srgbClr val="000080"/>
                 </a:solidFill>
                 <a:effectLst/>
                 <a:latin typeface="Courier New" panose="02070309020205020404" pitchFamily="49" charset="0"/>
                 <a:cs typeface="Courier New" panose="02070309020205020404" pitchFamily="49" charset="0"/>
               </a:rPr>
-              <a:t># Вызываем статический метод</a:t>
-            </a:r>
-            <a:br>
-              <a:rPr kumimoji="0" lang="ru-RU" altLang="ru-RU" sz="2400" b="0" i="1" u="none" strike="noStrike" cap="none" normalizeH="0" baseline="0" dirty="0" smtClean="0">
+              <a:t>print </a:t>
+            </a:r>
+            <a:r>
+              <a:rPr kumimoji="0" lang="ru-RU" altLang="ru-RU" sz="2400" b="0" i="0" u="none" strike="noStrike" cap="none" normalizeH="0" baseline="0" dirty="0">
                 <a:ln>
                   <a:noFill/>
                 </a:ln>
                 <a:solidFill>
-                  <a:srgbClr val="808080"/>
+                  <a:srgbClr val="000000"/>
                 </a:solidFill>
                 <a:effectLst/>
                 <a:latin typeface="Courier New" panose="02070309020205020404" pitchFamily="49" charset="0"/>
                 <a:cs typeface="Courier New" panose="02070309020205020404" pitchFamily="49" charset="0"/>
               </a:rPr>
-            </a:br>
-            <a:r>
-              <a:rPr kumimoji="0" lang="ru-RU" altLang="ru-RU" sz="2400" b="0" i="0" u="none" strike="noStrike" cap="none" normalizeH="0" baseline="0" dirty="0" smtClean="0">
+              <a:t>(c1.sum2(</a:t>
+            </a:r>
+            <a:r>
+              <a:rPr kumimoji="0" lang="ru-RU" altLang="ru-RU" sz="2400" b="0" i="0" u="none" strike="noStrike" cap="none" normalizeH="0" baseline="0" dirty="0">
                 <a:ln>
                   <a:noFill/>
                 </a:ln>
                 <a:solidFill>
-                  <a:srgbClr val="000000"/>
+                  <a:srgbClr val="0000FF"/>
                 </a:solidFill>
                 <a:effectLst/>
                 <a:latin typeface="Courier New" panose="02070309020205020404" pitchFamily="49" charset="0"/>
                 <a:cs typeface="Courier New" panose="02070309020205020404" pitchFamily="49" charset="0"/>
               </a:rPr>
-              <a:t>c1 = Class1()</a:t>
-            </a:r>
-            <a:br>
-              <a:rPr kumimoji="0" lang="ru-RU" altLang="ru-RU" sz="2400" b="0" i="0" u="none" strike="noStrike" cap="none" normalizeH="0" baseline="0" dirty="0" smtClean="0">
+              <a:t>15</a:t>
+            </a:r>
+            <a:r>
+              <a:rPr kumimoji="0" lang="ru-RU" altLang="ru-RU" sz="2400" b="0" i="0" u="none" strike="noStrike" cap="none" normalizeH="0" baseline="0" dirty="0">
                 <a:ln>
                   <a:noFill/>
                 </a:ln>
@@ -20200,23 +20053,24 @@
                 <a:latin typeface="Courier New" panose="02070309020205020404" pitchFamily="49" charset="0"/>
                 <a:cs typeface="Courier New" panose="02070309020205020404" pitchFamily="49" charset="0"/>
               </a:rPr>
-            </a:br>
-            <a:r>
-              <a:rPr kumimoji="0" lang="ru-RU" altLang="ru-RU" sz="2400" b="0" i="0" u="none" strike="noStrike" cap="none" normalizeH="0" baseline="0" dirty="0" smtClean="0">
+              <a:t>, </a:t>
+            </a:r>
+            <a:r>
+              <a:rPr kumimoji="0" lang="ru-RU" altLang="ru-RU" sz="2400" b="0" i="0" u="none" strike="noStrike" cap="none" normalizeH="0" baseline="0" dirty="0">
                 <a:ln>
                   <a:noFill/>
                 </a:ln>
                 <a:solidFill>
-                  <a:srgbClr val="000080"/>
+                  <a:srgbClr val="0000FF"/>
                 </a:solidFill>
                 <a:effectLst/>
                 <a:latin typeface="Courier New" panose="02070309020205020404" pitchFamily="49" charset="0"/>
                 <a:cs typeface="Courier New" panose="02070309020205020404" pitchFamily="49" charset="0"/>
               </a:rPr>
-              <a:t>print </a:t>
-            </a:r>
-            <a:r>
-              <a:rPr kumimoji="0" lang="ru-RU" altLang="ru-RU" sz="2400" b="0" i="0" u="none" strike="noStrike" cap="none" normalizeH="0" baseline="0" dirty="0" smtClean="0">
+              <a:t>6</a:t>
+            </a:r>
+            <a:r>
+              <a:rPr kumimoji="0" lang="ru-RU" altLang="ru-RU" sz="2400" b="0" i="0" u="none" strike="noStrike" cap="none" normalizeH="0" baseline="0" dirty="0">
                 <a:ln>
                   <a:noFill/>
                 </a:ln>
@@ -20227,52 +20081,51 @@
                 <a:latin typeface="Courier New" panose="02070309020205020404" pitchFamily="49" charset="0"/>
                 <a:cs typeface="Courier New" panose="02070309020205020404" pitchFamily="49" charset="0"/>
               </a:rPr>
-              <a:t>(c1.sum2(</a:t>
-            </a:r>
-            <a:r>
-              <a:rPr kumimoji="0" lang="ru-RU" altLang="ru-RU" sz="2400" b="0" i="0" u="none" strike="noStrike" cap="none" normalizeH="0" baseline="0" dirty="0" smtClean="0">
+              <a:t>))  </a:t>
+            </a:r>
+            <a:r>
+              <a:rPr kumimoji="0" lang="ru-RU" altLang="ru-RU" sz="2400" b="0" i="1" u="none" strike="noStrike" cap="none" normalizeH="0" baseline="0" dirty="0">
                 <a:ln>
                   <a:noFill/>
                 </a:ln>
                 <a:solidFill>
-                  <a:srgbClr val="0000FF"/>
+                  <a:srgbClr val="808080"/>
                 </a:solidFill>
                 <a:effectLst/>
                 <a:latin typeface="Courier New" panose="02070309020205020404" pitchFamily="49" charset="0"/>
                 <a:cs typeface="Courier New" panose="02070309020205020404" pitchFamily="49" charset="0"/>
               </a:rPr>
-              <a:t>15</a:t>
-            </a:r>
-            <a:r>
-              <a:rPr kumimoji="0" lang="ru-RU" altLang="ru-RU" sz="2400" b="0" i="0" u="none" strike="noStrike" cap="none" normalizeH="0" baseline="0" dirty="0" smtClean="0">
+              <a:t># Вызываем метод класса</a:t>
+            </a:r>
+            <a:br>
+              <a:rPr kumimoji="0" lang="ru-RU" altLang="ru-RU" sz="2400" b="0" i="1" u="none" strike="noStrike" cap="none" normalizeH="0" baseline="0" dirty="0">
                 <a:ln>
                   <a:noFill/>
                 </a:ln>
                 <a:solidFill>
-                  <a:srgbClr val="000000"/>
+                  <a:srgbClr val="808080"/>
                 </a:solidFill>
                 <a:effectLst/>
                 <a:latin typeface="Courier New" panose="02070309020205020404" pitchFamily="49" charset="0"/>
                 <a:cs typeface="Courier New" panose="02070309020205020404" pitchFamily="49" charset="0"/>
               </a:rPr>
-              <a:t>, </a:t>
-            </a:r>
-            <a:r>
-              <a:rPr kumimoji="0" lang="ru-RU" altLang="ru-RU" sz="2400" b="0" i="0" u="none" strike="noStrike" cap="none" normalizeH="0" baseline="0" dirty="0" smtClean="0">
+            </a:br>
+            <a:r>
+              <a:rPr kumimoji="0" lang="ru-RU" altLang="ru-RU" sz="2400" b="0" i="0" u="none" strike="noStrike" cap="none" normalizeH="0" baseline="0" dirty="0">
                 <a:ln>
                   <a:noFill/>
                 </a:ln>
                 <a:solidFill>
-                  <a:srgbClr val="0000FF"/>
+                  <a:srgbClr val="000080"/>
                 </a:solidFill>
                 <a:effectLst/>
                 <a:latin typeface="Courier New" panose="02070309020205020404" pitchFamily="49" charset="0"/>
                 <a:cs typeface="Courier New" panose="02070309020205020404" pitchFamily="49" charset="0"/>
               </a:rPr>
-              <a:t>6</a:t>
-            </a:r>
-            <a:r>
-              <a:rPr kumimoji="0" lang="ru-RU" altLang="ru-RU" sz="2400" b="0" i="0" u="none" strike="noStrike" cap="none" normalizeH="0" baseline="0" dirty="0" smtClean="0">
+              <a:t>print </a:t>
+            </a:r>
+            <a:r>
+              <a:rPr kumimoji="0" lang="ru-RU" altLang="ru-RU" sz="2400" b="0" i="0" u="none" strike="noStrike" cap="none" normalizeH="0" baseline="0" dirty="0">
                 <a:ln>
                   <a:noFill/>
                 </a:ln>
@@ -20283,51 +20136,52 @@
                 <a:latin typeface="Courier New" panose="02070309020205020404" pitchFamily="49" charset="0"/>
                 <a:cs typeface="Courier New" panose="02070309020205020404" pitchFamily="49" charset="0"/>
               </a:rPr>
-              <a:t>))  </a:t>
-            </a:r>
-            <a:r>
-              <a:rPr kumimoji="0" lang="ru-RU" altLang="ru-RU" sz="2400" b="0" i="1" u="none" strike="noStrike" cap="none" normalizeH="0" baseline="0" dirty="0" smtClean="0">
+              <a:t>(c1.sum1(</a:t>
+            </a:r>
+            <a:r>
+              <a:rPr kumimoji="0" lang="ru-RU" altLang="ru-RU" sz="2400" b="0" i="0" u="none" strike="noStrike" cap="none" normalizeH="0" baseline="0" dirty="0">
                 <a:ln>
                   <a:noFill/>
                 </a:ln>
                 <a:solidFill>
-                  <a:srgbClr val="808080"/>
+                  <a:srgbClr val="0000FF"/>
                 </a:solidFill>
                 <a:effectLst/>
                 <a:latin typeface="Courier New" panose="02070309020205020404" pitchFamily="49" charset="0"/>
                 <a:cs typeface="Courier New" panose="02070309020205020404" pitchFamily="49" charset="0"/>
               </a:rPr>
-              <a:t># Вызываем метод класса</a:t>
-            </a:r>
-            <a:br>
-              <a:rPr kumimoji="0" lang="ru-RU" altLang="ru-RU" sz="2400" b="0" i="1" u="none" strike="noStrike" cap="none" normalizeH="0" baseline="0" dirty="0" smtClean="0">
+              <a:t>50</a:t>
+            </a:r>
+            <a:r>
+              <a:rPr kumimoji="0" lang="ru-RU" altLang="ru-RU" sz="2400" b="0" i="0" u="none" strike="noStrike" cap="none" normalizeH="0" baseline="0" dirty="0">
                 <a:ln>
                   <a:noFill/>
                 </a:ln>
                 <a:solidFill>
-                  <a:srgbClr val="808080"/>
+                  <a:srgbClr val="000000"/>
                 </a:solidFill>
                 <a:effectLst/>
                 <a:latin typeface="Courier New" panose="02070309020205020404" pitchFamily="49" charset="0"/>
                 <a:cs typeface="Courier New" panose="02070309020205020404" pitchFamily="49" charset="0"/>
               </a:rPr>
-            </a:br>
-            <a:r>
-              <a:rPr kumimoji="0" lang="ru-RU" altLang="ru-RU" sz="2400" b="0" i="0" u="none" strike="noStrike" cap="none" normalizeH="0" baseline="0" dirty="0" smtClean="0">
+              <a:t>, </a:t>
+            </a:r>
+            <a:r>
+              <a:rPr kumimoji="0" lang="ru-RU" altLang="ru-RU" sz="2400" b="0" i="0" u="none" strike="noStrike" cap="none" normalizeH="0" baseline="0" dirty="0">
                 <a:ln>
                   <a:noFill/>
                 </a:ln>
                 <a:solidFill>
-                  <a:srgbClr val="000080"/>
+                  <a:srgbClr val="0000FF"/>
                 </a:solidFill>
                 <a:effectLst/>
                 <a:latin typeface="Courier New" panose="02070309020205020404" pitchFamily="49" charset="0"/>
                 <a:cs typeface="Courier New" panose="02070309020205020404" pitchFamily="49" charset="0"/>
               </a:rPr>
-              <a:t>print </a:t>
-            </a:r>
-            <a:r>
-              <a:rPr kumimoji="0" lang="ru-RU" altLang="ru-RU" sz="2400" b="0" i="0" u="none" strike="noStrike" cap="none" normalizeH="0" baseline="0" dirty="0" smtClean="0">
+              <a:t>12</a:t>
+            </a:r>
+            <a:r>
+              <a:rPr kumimoji="0" lang="ru-RU" altLang="ru-RU" sz="2400" b="0" i="0" u="none" strike="noStrike" cap="none" normalizeH="0" baseline="0" dirty="0">
                 <a:ln>
                   <a:noFill/>
                 </a:ln>
@@ -20338,134 +20192,134 @@
                 <a:latin typeface="Courier New" panose="02070309020205020404" pitchFamily="49" charset="0"/>
                 <a:cs typeface="Courier New" panose="02070309020205020404" pitchFamily="49" charset="0"/>
               </a:rPr>
-              <a:t>(c1.sum1(</a:t>
-            </a:r>
-            <a:r>
-              <a:rPr kumimoji="0" lang="ru-RU" altLang="ru-RU" sz="2400" b="0" i="0" u="none" strike="noStrike" cap="none" normalizeH="0" baseline="0" dirty="0" smtClean="0">
+              <a:t>))  </a:t>
+            </a:r>
+            <a:r>
+              <a:rPr kumimoji="0" lang="ru-RU" altLang="ru-RU" sz="2400" b="0" i="1" u="none" strike="noStrike" cap="none" normalizeH="0" baseline="0" dirty="0">
                 <a:ln>
                   <a:noFill/>
                 </a:ln>
                 <a:solidFill>
-                  <a:srgbClr val="0000FF"/>
+                  <a:srgbClr val="808080"/>
                 </a:solidFill>
                 <a:effectLst/>
                 <a:latin typeface="Courier New" panose="02070309020205020404" pitchFamily="49" charset="0"/>
                 <a:cs typeface="Courier New" panose="02070309020205020404" pitchFamily="49" charset="0"/>
               </a:rPr>
-              <a:t>50</a:t>
-            </a:r>
-            <a:r>
-              <a:rPr kumimoji="0" lang="ru-RU" altLang="ru-RU" sz="2400" b="0" i="0" u="none" strike="noStrike" cap="none" normalizeH="0" baseline="0" dirty="0" smtClean="0">
+              <a:t># Вызываем статический метод</a:t>
+            </a:r>
+            <a:br>
+              <a:rPr kumimoji="0" lang="ru-RU" altLang="ru-RU" sz="2400" b="0" i="1" u="none" strike="noStrike" cap="none" normalizeH="0" baseline="0" dirty="0">
                 <a:ln>
                   <a:noFill/>
                 </a:ln>
                 <a:solidFill>
-                  <a:srgbClr val="000000"/>
+                  <a:srgbClr val="808080"/>
                 </a:solidFill>
                 <a:effectLst/>
                 <a:latin typeface="Courier New" panose="02070309020205020404" pitchFamily="49" charset="0"/>
                 <a:cs typeface="Courier New" panose="02070309020205020404" pitchFamily="49" charset="0"/>
               </a:rPr>
-              <a:t>, </a:t>
-            </a:r>
-            <a:r>
-              <a:rPr kumimoji="0" lang="ru-RU" altLang="ru-RU" sz="2400" b="0" i="0" u="none" strike="noStrike" cap="none" normalizeH="0" baseline="0" dirty="0" smtClean="0">
+            </a:br>
+            <a:r>
+              <a:rPr kumimoji="0" lang="ru-RU" altLang="ru-RU" sz="2400" b="0" i="1" u="none" strike="noStrike" cap="none" normalizeH="0" baseline="0" dirty="0">
                 <a:ln>
                   <a:noFill/>
                 </a:ln>
                 <a:solidFill>
-                  <a:srgbClr val="0000FF"/>
+                  <a:srgbClr val="808080"/>
                 </a:solidFill>
                 <a:effectLst/>
                 <a:latin typeface="Courier New" panose="02070309020205020404" pitchFamily="49" charset="0"/>
                 <a:cs typeface="Courier New" panose="02070309020205020404" pitchFamily="49" charset="0"/>
               </a:rPr>
-              <a:t>12</a:t>
-            </a:r>
-            <a:r>
-              <a:rPr kumimoji="0" lang="ru-RU" altLang="ru-RU" sz="2400" b="0" i="0" u="none" strike="noStrike" cap="none" normalizeH="0" baseline="0" dirty="0" smtClean="0">
+              <a:t># через экземпляр класса</a:t>
+            </a:r>
+            <a:br>
+              <a:rPr kumimoji="0" lang="ru-RU" altLang="ru-RU" sz="2400" b="0" i="1" u="none" strike="noStrike" cap="none" normalizeH="0" baseline="0" dirty="0">
                 <a:ln>
                   <a:noFill/>
                 </a:ln>
                 <a:solidFill>
-                  <a:srgbClr val="000000"/>
+                  <a:srgbClr val="808080"/>
                 </a:solidFill>
                 <a:effectLst/>
                 <a:latin typeface="Courier New" panose="02070309020205020404" pitchFamily="49" charset="0"/>
                 <a:cs typeface="Courier New" panose="02070309020205020404" pitchFamily="49" charset="0"/>
               </a:rPr>
-              <a:t>))  </a:t>
-            </a:r>
-            <a:r>
-              <a:rPr kumimoji="0" lang="ru-RU" altLang="ru-RU" sz="2400" b="0" i="1" u="none" strike="noStrike" cap="none" normalizeH="0" baseline="0" dirty="0" smtClean="0">
+            </a:br>
+            <a:r>
+              <a:rPr kumimoji="0" lang="ru-RU" altLang="ru-RU" sz="2400" b="0" i="0" u="none" strike="noStrike" cap="none" normalizeH="0" baseline="0" dirty="0">
                 <a:ln>
                   <a:noFill/>
                 </a:ln>
                 <a:solidFill>
-                  <a:srgbClr val="808080"/>
+                  <a:srgbClr val="000080"/>
                 </a:solidFill>
                 <a:effectLst/>
                 <a:latin typeface="Courier New" panose="02070309020205020404" pitchFamily="49" charset="0"/>
                 <a:cs typeface="Courier New" panose="02070309020205020404" pitchFamily="49" charset="0"/>
               </a:rPr>
-              <a:t># Вызываем статический метод</a:t>
-            </a:r>
-            <a:br>
-              <a:rPr kumimoji="0" lang="ru-RU" altLang="ru-RU" sz="2400" b="0" i="1" u="none" strike="noStrike" cap="none" normalizeH="0" baseline="0" dirty="0" smtClean="0">
+              <a:t>print </a:t>
+            </a:r>
+            <a:r>
+              <a:rPr kumimoji="0" lang="ru-RU" altLang="ru-RU" sz="2400" b="0" i="0" u="none" strike="noStrike" cap="none" normalizeH="0" baseline="0" dirty="0">
                 <a:ln>
                   <a:noFill/>
                 </a:ln>
                 <a:solidFill>
-                  <a:srgbClr val="808080"/>
+                  <a:srgbClr val="000000"/>
                 </a:solidFill>
                 <a:effectLst/>
                 <a:latin typeface="Courier New" panose="02070309020205020404" pitchFamily="49" charset="0"/>
                 <a:cs typeface="Courier New" panose="02070309020205020404" pitchFamily="49" charset="0"/>
               </a:rPr>
-            </a:br>
-            <a:r>
-              <a:rPr kumimoji="0" lang="ru-RU" altLang="ru-RU" sz="2400" b="0" i="1" u="none" strike="noStrike" cap="none" normalizeH="0" baseline="0" dirty="0" smtClean="0">
+              <a:t>(c1.sum3(</a:t>
+            </a:r>
+            <a:r>
+              <a:rPr kumimoji="0" lang="ru-RU" altLang="ru-RU" sz="2400" b="0" i="0" u="none" strike="noStrike" cap="none" normalizeH="0" baseline="0" dirty="0">
                 <a:ln>
                   <a:noFill/>
                 </a:ln>
                 <a:solidFill>
-                  <a:srgbClr val="808080"/>
+                  <a:srgbClr val="0000FF"/>
                 </a:solidFill>
                 <a:effectLst/>
                 <a:latin typeface="Courier New" panose="02070309020205020404" pitchFamily="49" charset="0"/>
                 <a:cs typeface="Courier New" panose="02070309020205020404" pitchFamily="49" charset="0"/>
               </a:rPr>
-              <a:t># через экземпляр класса</a:t>
-            </a:r>
-            <a:br>
-              <a:rPr kumimoji="0" lang="ru-RU" altLang="ru-RU" sz="2400" b="0" i="1" u="none" strike="noStrike" cap="none" normalizeH="0" baseline="0" dirty="0" smtClean="0">
+              <a:t>23</a:t>
+            </a:r>
+            <a:r>
+              <a:rPr kumimoji="0" lang="ru-RU" altLang="ru-RU" sz="2400" b="0" i="0" u="none" strike="noStrike" cap="none" normalizeH="0" baseline="0" dirty="0">
                 <a:ln>
                   <a:noFill/>
                 </a:ln>
                 <a:solidFill>
-                  <a:srgbClr val="808080"/>
+                  <a:srgbClr val="000000"/>
                 </a:solidFill>
                 <a:effectLst/>
                 <a:latin typeface="Courier New" panose="02070309020205020404" pitchFamily="49" charset="0"/>
                 <a:cs typeface="Courier New" panose="02070309020205020404" pitchFamily="49" charset="0"/>
               </a:rPr>
-            </a:br>
-            <a:r>
-              <a:rPr kumimoji="0" lang="ru-RU" altLang="ru-RU" sz="2400" b="0" i="0" u="none" strike="noStrike" cap="none" normalizeH="0" baseline="0" dirty="0" smtClean="0">
+              <a:t>, </a:t>
+            </a:r>
+            <a:r>
+              <a:rPr kumimoji="0" lang="ru-RU" altLang="ru-RU" sz="2400" b="0" i="0" u="none" strike="noStrike" cap="none" normalizeH="0" baseline="0" dirty="0">
                 <a:ln>
                   <a:noFill/>
                 </a:ln>
                 <a:solidFill>
-                  <a:srgbClr val="000080"/>
+                  <a:srgbClr val="0000FF"/>
                 </a:solidFill>
                 <a:effectLst/>
                 <a:latin typeface="Courier New" panose="02070309020205020404" pitchFamily="49" charset="0"/>
                 <a:cs typeface="Courier New" panose="02070309020205020404" pitchFamily="49" charset="0"/>
               </a:rPr>
-              <a:t>print </a:t>
-            </a:r>
-            <a:r>
-              <a:rPr kumimoji="0" lang="ru-RU" altLang="ru-RU" sz="2400" b="0" i="0" u="none" strike="noStrike" cap="none" normalizeH="0" baseline="0" dirty="0" smtClean="0">
+              <a:t>5</a:t>
+            </a:r>
+            <a:r>
+              <a:rPr kumimoji="0" lang="ru-RU" altLang="ru-RU" sz="2400" b="0" i="0" u="none" strike="noStrike" cap="none" normalizeH="0" baseline="0" dirty="0">
                 <a:ln>
                   <a:noFill/>
                 </a:ln>
@@ -20476,106 +20330,50 @@
                 <a:latin typeface="Courier New" panose="02070309020205020404" pitchFamily="49" charset="0"/>
                 <a:cs typeface="Courier New" panose="02070309020205020404" pitchFamily="49" charset="0"/>
               </a:rPr>
-              <a:t>(c1.sum3(</a:t>
-            </a:r>
-            <a:r>
-              <a:rPr kumimoji="0" lang="ru-RU" altLang="ru-RU" sz="2400" b="0" i="0" u="none" strike="noStrike" cap="none" normalizeH="0" baseline="0" dirty="0" smtClean="0">
+              <a:t>))  </a:t>
+            </a:r>
+            <a:r>
+              <a:rPr kumimoji="0" lang="ru-RU" altLang="ru-RU" sz="2400" b="0" i="1" u="none" strike="noStrike" cap="none" normalizeH="0" baseline="0" dirty="0">
                 <a:ln>
                   <a:noFill/>
                 </a:ln>
                 <a:solidFill>
-                  <a:srgbClr val="0000FF"/>
+                  <a:srgbClr val="808080"/>
                 </a:solidFill>
                 <a:effectLst/>
                 <a:latin typeface="Courier New" panose="02070309020205020404" pitchFamily="49" charset="0"/>
                 <a:cs typeface="Courier New" panose="02070309020205020404" pitchFamily="49" charset="0"/>
               </a:rPr>
-              <a:t>23</a:t>
-            </a:r>
-            <a:r>
-              <a:rPr kumimoji="0" lang="ru-RU" altLang="ru-RU" sz="2400" b="0" i="0" u="none" strike="noStrike" cap="none" normalizeH="0" baseline="0" dirty="0" smtClean="0">
+              <a:t># Вызываем статический метод</a:t>
+            </a:r>
+            <a:br>
+              <a:rPr kumimoji="0" lang="ru-RU" altLang="ru-RU" sz="2400" b="0" i="1" u="none" strike="noStrike" cap="none" normalizeH="0" baseline="0" dirty="0">
                 <a:ln>
                   <a:noFill/>
                 </a:ln>
                 <a:solidFill>
-                  <a:srgbClr val="000000"/>
+                  <a:srgbClr val="808080"/>
                 </a:solidFill>
                 <a:effectLst/>
                 <a:latin typeface="Courier New" panose="02070309020205020404" pitchFamily="49" charset="0"/>
                 <a:cs typeface="Courier New" panose="02070309020205020404" pitchFamily="49" charset="0"/>
               </a:rPr>
-              <a:t>, </a:t>
-            </a:r>
-            <a:r>
-              <a:rPr kumimoji="0" lang="ru-RU" altLang="ru-RU" sz="2400" b="0" i="0" u="none" strike="noStrike" cap="none" normalizeH="0" baseline="0" dirty="0" smtClean="0">
+            </a:br>
+            <a:r>
+              <a:rPr kumimoji="0" lang="ru-RU" altLang="ru-RU" sz="2400" b="0" i="1" u="none" strike="noStrike" cap="none" normalizeH="0" baseline="0" dirty="0">
                 <a:ln>
                   <a:noFill/>
                 </a:ln>
                 <a:solidFill>
-                  <a:srgbClr val="0000FF"/>
+                  <a:srgbClr val="808080"/>
                 </a:solidFill>
                 <a:effectLst/>
                 <a:latin typeface="Courier New" panose="02070309020205020404" pitchFamily="49" charset="0"/>
                 <a:cs typeface="Courier New" panose="02070309020205020404" pitchFamily="49" charset="0"/>
               </a:rPr>
-              <a:t>5</a:t>
-            </a:r>
-            <a:r>
-              <a:rPr kumimoji="0" lang="ru-RU" altLang="ru-RU" sz="2400" b="0" i="0" u="none" strike="noStrike" cap="none" normalizeH="0" baseline="0" dirty="0" smtClean="0">
-                <a:ln>
-                  <a:noFill/>
-                </a:ln>
-                <a:solidFill>
-                  <a:srgbClr val="000000"/>
-                </a:solidFill>
-                <a:effectLst/>
-                <a:latin typeface="Courier New" panose="02070309020205020404" pitchFamily="49" charset="0"/>
-                <a:cs typeface="Courier New" panose="02070309020205020404" pitchFamily="49" charset="0"/>
-              </a:rPr>
-              <a:t>))  </a:t>
-            </a:r>
-            <a:r>
-              <a:rPr kumimoji="0" lang="ru-RU" altLang="ru-RU" sz="2400" b="0" i="1" u="none" strike="noStrike" cap="none" normalizeH="0" baseline="0" dirty="0" smtClean="0">
-                <a:ln>
-                  <a:noFill/>
-                </a:ln>
-                <a:solidFill>
-                  <a:srgbClr val="808080"/>
-                </a:solidFill>
-                <a:effectLst/>
-                <a:latin typeface="Courier New" panose="02070309020205020404" pitchFamily="49" charset="0"/>
-                <a:cs typeface="Courier New" panose="02070309020205020404" pitchFamily="49" charset="0"/>
-              </a:rPr>
-              <a:t># Вызываем статический метод</a:t>
-            </a:r>
-            <a:br>
-              <a:rPr kumimoji="0" lang="ru-RU" altLang="ru-RU" sz="2400" b="0" i="1" u="none" strike="noStrike" cap="none" normalizeH="0" baseline="0" dirty="0" smtClean="0">
-                <a:ln>
-                  <a:noFill/>
-                </a:ln>
-                <a:solidFill>
-                  <a:srgbClr val="808080"/>
-                </a:solidFill>
-                <a:effectLst/>
-                <a:latin typeface="Courier New" panose="02070309020205020404" pitchFamily="49" charset="0"/>
-                <a:cs typeface="Courier New" panose="02070309020205020404" pitchFamily="49" charset="0"/>
-              </a:rPr>
-            </a:br>
-            <a:r>
-              <a:rPr kumimoji="0" lang="ru-RU" altLang="ru-RU" sz="2400" b="0" i="1" u="none" strike="noStrike" cap="none" normalizeH="0" baseline="0" dirty="0" smtClean="0">
-                <a:ln>
-                  <a:noFill/>
-                </a:ln>
-                <a:solidFill>
-                  <a:srgbClr val="808080"/>
-                </a:solidFill>
-                <a:effectLst/>
-                <a:latin typeface="Courier New" panose="02070309020205020404" pitchFamily="49" charset="0"/>
-                <a:cs typeface="Courier New" panose="02070309020205020404" pitchFamily="49" charset="0"/>
-              </a:rPr>
               <a:t># внутри класса</a:t>
             </a:r>
-            <a:endParaRPr kumimoji="0" lang="ru-RU" altLang="ru-RU" sz="4800" b="0" i="0" u="none" strike="noStrike" cap="none" normalizeH="0" baseline="0" dirty="0" smtClean="0">
+            <a:endParaRPr kumimoji="0" lang="ru-RU" altLang="ru-RU" sz="4800" b="0" i="0" u="none" strike="noStrike" cap="none" normalizeH="0" baseline="0" dirty="0">
               <a:ln>
                 <a:noFill/>
               </a:ln>
@@ -20598,13 +20396,6 @@
   <p:clrMapOvr>
     <a:masterClrMapping/>
   </p:clrMapOvr>
-  <p:timing>
-    <p:tnLst>
-      <p:par>
-        <p:cTn id="1" dur="indefinite" restart="never" nodeType="tmRoot"/>
-      </p:par>
-    </p:tnLst>
-  </p:timing>
 </p:sld>
 </file>
 
@@ -20661,7 +20452,7 @@
               <a:buSzPct val="25000"/>
             </a:pPr>
             <a:r>
-              <a:rPr lang="ru-RU" sz="8000" dirty="0" smtClean="0">
+              <a:rPr lang="ru-RU" sz="8000" dirty="0">
                 <a:solidFill>
                   <a:srgbClr val="CD0000"/>
                 </a:solidFill>
@@ -20745,15 +20536,25 @@
               </a:spcAft>
             </a:pPr>
             <a:r>
-              <a:rPr lang="ru-RU" altLang="ru-RU" sz="3200" dirty="0" smtClean="0">
+              <a:rPr lang="ru-RU" altLang="ru-RU" sz="3200" dirty="0">
                 <a:solidFill>
                   <a:schemeClr val="bg2"/>
                 </a:solidFill>
                 <a:latin typeface="Arial" panose="020B0604020202020204" pitchFamily="34" charset="0"/>
                 <a:cs typeface="Arial" panose="020B0604020202020204" pitchFamily="34" charset="0"/>
               </a:rPr>
-              <a:t>Метод </a:t>
-            </a:r>
+              <a:t>Метод класса — это такой метод, который получает класс (не</a:t>
+            </a:r>
+          </a:p>
+          <a:p>
+            <a:pPr lvl="0" eaLnBrk="0" fontAlgn="base" hangingPunct="0">
+              <a:spcBef>
+                <a:spcPct val="0"/>
+              </a:spcBef>
+              <a:spcAft>
+                <a:spcPct val="0"/>
+              </a:spcAft>
+            </a:pPr>
             <a:r>
               <a:rPr lang="ru-RU" altLang="ru-RU" sz="3200" dirty="0">
                 <a:solidFill>
@@ -20762,75 +20563,8 @@
                 <a:latin typeface="Arial" panose="020B0604020202020204" pitchFamily="34" charset="0"/>
                 <a:cs typeface="Arial" panose="020B0604020202020204" pitchFamily="34" charset="0"/>
               </a:rPr>
-              <a:t>класса — </a:t>
-            </a:r>
-            <a:r>
-              <a:rPr lang="ru-RU" altLang="ru-RU" sz="3200" dirty="0" smtClean="0">
-                <a:solidFill>
-                  <a:schemeClr val="bg2"/>
-                </a:solidFill>
-                <a:latin typeface="Arial" panose="020B0604020202020204" pitchFamily="34" charset="0"/>
-                <a:cs typeface="Arial" panose="020B0604020202020204" pitchFamily="34" charset="0"/>
-              </a:rPr>
-              <a:t>это такой метод, который </a:t>
-            </a:r>
-            <a:r>
-              <a:rPr lang="ru-RU" altLang="ru-RU" sz="3200" dirty="0">
-                <a:solidFill>
-                  <a:schemeClr val="bg2"/>
-                </a:solidFill>
-                <a:latin typeface="Arial" panose="020B0604020202020204" pitchFamily="34" charset="0"/>
-                <a:cs typeface="Arial" panose="020B0604020202020204" pitchFamily="34" charset="0"/>
-              </a:rPr>
-              <a:t>получает класс (не</a:t>
-            </a:r>
-          </a:p>
-          <a:p>
-            <a:pPr lvl="0" eaLnBrk="0" fontAlgn="base" hangingPunct="0">
-              <a:spcBef>
-                <a:spcPct val="0"/>
-              </a:spcBef>
-              <a:spcAft>
-                <a:spcPct val="0"/>
-              </a:spcAft>
-            </a:pPr>
-            <a:r>
-              <a:rPr lang="ru-RU" altLang="ru-RU" sz="3200" dirty="0">
-                <a:solidFill>
-                  <a:schemeClr val="bg2"/>
-                </a:solidFill>
-                <a:latin typeface="Arial" panose="020B0604020202020204" pitchFamily="34" charset="0"/>
-                <a:cs typeface="Arial" panose="020B0604020202020204" pitchFamily="34" charset="0"/>
-              </a:rPr>
-              <a:t>экземпляр!), это происходит примерно так же, как с обычными методами</a:t>
-            </a:r>
-            <a:r>
-              <a:rPr lang="ru-RU" altLang="ru-RU" sz="3200" dirty="0" smtClean="0">
-                <a:solidFill>
-                  <a:schemeClr val="bg2"/>
-                </a:solidFill>
-                <a:latin typeface="Arial" panose="020B0604020202020204" pitchFamily="34" charset="0"/>
-                <a:cs typeface="Arial" panose="020B0604020202020204" pitchFamily="34" charset="0"/>
-              </a:rPr>
-              <a:t>, которые </a:t>
-            </a:r>
-            <a:r>
-              <a:rPr lang="ru-RU" altLang="ru-RU" sz="3200" dirty="0">
-                <a:solidFill>
-                  <a:schemeClr val="bg2"/>
-                </a:solidFill>
-                <a:latin typeface="Arial" panose="020B0604020202020204" pitchFamily="34" charset="0"/>
-                <a:cs typeface="Arial" panose="020B0604020202020204" pitchFamily="34" charset="0"/>
-              </a:rPr>
-              <a:t>первым аргументом получают референс на экземпляр класса. </a:t>
-            </a:r>
-            <a:endParaRPr lang="ru-RU" altLang="ru-RU" sz="3200" dirty="0" smtClean="0">
-              <a:solidFill>
-                <a:schemeClr val="bg2"/>
-              </a:solidFill>
-              <a:latin typeface="Arial" panose="020B0604020202020204" pitchFamily="34" charset="0"/>
-              <a:cs typeface="Arial" panose="020B0604020202020204" pitchFamily="34" charset="0"/>
-            </a:endParaRPr>
+              <a:t>экземпляр!), это происходит примерно так же, как с обычными методами, которые первым аргументом получают референс на экземпляр класса. </a:t>
+            </a:r>
           </a:p>
           <a:p>
             <a:pPr lvl="0" eaLnBrk="0" fontAlgn="base" hangingPunct="0">
@@ -20859,76 +20593,16 @@
               </a:spcAft>
             </a:pPr>
             <a:r>
-              <a:rPr lang="ru-RU" altLang="ru-RU" sz="3200" dirty="0" smtClean="0">
+              <a:rPr lang="ru-RU" altLang="ru-RU" sz="3200" dirty="0">
                 <a:solidFill>
                   <a:schemeClr val="bg2"/>
                 </a:solidFill>
                 <a:latin typeface="Arial" panose="020B0604020202020204" pitchFamily="34" charset="0"/>
                 <a:cs typeface="Arial" panose="020B0604020202020204" pitchFamily="34" charset="0"/>
               </a:rPr>
-              <a:t>В </a:t>
-            </a:r>
-            <a:r>
-              <a:rPr lang="ru-RU" altLang="ru-RU" sz="3200" dirty="0">
-                <a:solidFill>
-                  <a:schemeClr val="bg2"/>
-                </a:solidFill>
-                <a:latin typeface="Arial" panose="020B0604020202020204" pitchFamily="34" charset="0"/>
-                <a:cs typeface="Arial" panose="020B0604020202020204" pitchFamily="34" charset="0"/>
-              </a:rPr>
-              <a:t>случае</a:t>
-            </a:r>
-            <a:r>
-              <a:rPr lang="ru-RU" altLang="ru-RU" sz="3200" dirty="0" smtClean="0">
-                <a:solidFill>
-                  <a:schemeClr val="bg2"/>
-                </a:solidFill>
-                <a:latin typeface="Arial" panose="020B0604020202020204" pitchFamily="34" charset="0"/>
-                <a:cs typeface="Arial" panose="020B0604020202020204" pitchFamily="34" charset="0"/>
-              </a:rPr>
-              <a:t>, когда </a:t>
-            </a:r>
-            <a:r>
-              <a:rPr lang="ru-RU" altLang="ru-RU" sz="3200" dirty="0">
-                <a:solidFill>
-                  <a:schemeClr val="bg2"/>
-                </a:solidFill>
-                <a:latin typeface="Arial" panose="020B0604020202020204" pitchFamily="34" charset="0"/>
-                <a:cs typeface="Arial" panose="020B0604020202020204" pitchFamily="34" charset="0"/>
-              </a:rPr>
-              <a:t>метод класса вызывается на инстансе, первым параметром </a:t>
-            </a:r>
-            <a:r>
-              <a:rPr lang="ru-RU" altLang="ru-RU" sz="3200" dirty="0" smtClean="0">
-                <a:solidFill>
-                  <a:schemeClr val="bg2"/>
-                </a:solidFill>
-                <a:latin typeface="Arial" panose="020B0604020202020204" pitchFamily="34" charset="0"/>
-                <a:cs typeface="Arial" panose="020B0604020202020204" pitchFamily="34" charset="0"/>
-              </a:rPr>
-              <a:t>передаётся актуальный </a:t>
-            </a:r>
-            <a:r>
-              <a:rPr lang="ru-RU" altLang="ru-RU" sz="3200" dirty="0">
-                <a:solidFill>
-                  <a:schemeClr val="bg2"/>
-                </a:solidFill>
-                <a:latin typeface="Arial" panose="020B0604020202020204" pitchFamily="34" charset="0"/>
-                <a:cs typeface="Arial" panose="020B0604020202020204" pitchFamily="34" charset="0"/>
-              </a:rPr>
-              <a:t>класс </a:t>
-            </a:r>
-            <a:r>
-              <a:rPr lang="ru-RU" altLang="ru-RU" sz="3200" dirty="0" smtClean="0">
-                <a:solidFill>
-                  <a:schemeClr val="bg2"/>
-                </a:solidFill>
-                <a:latin typeface="Arial" panose="020B0604020202020204" pitchFamily="34" charset="0"/>
-                <a:cs typeface="Arial" panose="020B0604020202020204" pitchFamily="34" charset="0"/>
-              </a:rPr>
-              <a:t>инстанса.</a:t>
-            </a:r>
-            <a:endParaRPr kumimoji="0" lang="ru-RU" altLang="ru-RU" sz="3200" i="0" u="none" strike="noStrike" cap="none" normalizeH="0" baseline="0" dirty="0" smtClean="0">
+              <a:t>В случае, когда метод класса вызывается на инстансе, первым параметром передаётся актуальный класс инстанса.</a:t>
+            </a:r>
+            <a:endParaRPr kumimoji="0" lang="ru-RU" altLang="ru-RU" sz="3200" i="0" u="none" strike="noStrike" cap="none" normalizeH="0" baseline="0" dirty="0">
               <a:ln>
                 <a:noFill/>
               </a:ln>
@@ -20952,13 +20626,6 @@
   <p:clrMapOvr>
     <a:masterClrMapping/>
   </p:clrMapOvr>
-  <p:timing>
-    <p:tnLst>
-      <p:par>
-        <p:cTn id="1" dur="indefinite" restart="never" nodeType="tmRoot"/>
-      </p:par>
-    </p:tnLst>
-  </p:timing>
 </p:sld>
 </file>
 
@@ -21015,7 +20682,7 @@
               <a:buSzPct val="25000"/>
             </a:pPr>
             <a:r>
-              <a:rPr lang="ru-RU" sz="8000" dirty="0" smtClean="0">
+              <a:rPr lang="ru-RU" sz="8000" dirty="0">
                 <a:solidFill>
                   <a:srgbClr val="CD0000"/>
                 </a:solidFill>
@@ -21107,7 +20774,7 @@
               <a:tabLst/>
             </a:pPr>
             <a:r>
-              <a:rPr kumimoji="0" lang="ru-RU" altLang="ru-RU" sz="3200" b="1" i="0" u="none" strike="noStrike" cap="none" normalizeH="0" baseline="0" dirty="0" smtClean="0">
+              <a:rPr kumimoji="0" lang="ru-RU" altLang="ru-RU" sz="3200" b="1" i="0" u="none" strike="noStrike" cap="none" normalizeH="0" baseline="0" dirty="0">
                 <a:ln>
                   <a:noFill/>
                 </a:ln>
@@ -21121,7 +20788,7 @@
               <a:t>class </a:t>
             </a:r>
             <a:r>
-              <a:rPr kumimoji="0" lang="ru-RU" altLang="ru-RU" sz="3200" b="0" i="0" u="none" strike="noStrike" cap="none" normalizeH="0" baseline="0" dirty="0" smtClean="0">
+              <a:rPr kumimoji="0" lang="ru-RU" altLang="ru-RU" sz="3200" b="0" i="0" u="none" strike="noStrike" cap="none" normalizeH="0" baseline="0" dirty="0">
                 <a:ln>
                   <a:noFill/>
                 </a:ln>
@@ -21135,7 +20802,7 @@
               <a:t>TestClass(</a:t>
             </a:r>
             <a:r>
-              <a:rPr kumimoji="0" lang="ru-RU" altLang="ru-RU" sz="3200" b="0" i="0" u="none" strike="noStrike" cap="none" normalizeH="0" baseline="0" dirty="0" smtClean="0">
+              <a:rPr kumimoji="0" lang="ru-RU" altLang="ru-RU" sz="3200" b="0" i="0" u="none" strike="noStrike" cap="none" normalizeH="0" baseline="0" dirty="0">
                 <a:ln>
                   <a:noFill/>
                 </a:ln>
@@ -21149,7 +20816,7 @@
               <a:t>object</a:t>
             </a:r>
             <a:r>
-              <a:rPr kumimoji="0" lang="ru-RU" altLang="ru-RU" sz="3200" b="0" i="0" u="none" strike="noStrike" cap="none" normalizeH="0" baseline="0" dirty="0" smtClean="0">
+              <a:rPr kumimoji="0" lang="ru-RU" altLang="ru-RU" sz="3200" b="0" i="0" u="none" strike="noStrike" cap="none" normalizeH="0" baseline="0" dirty="0">
                 <a:ln>
                   <a:noFill/>
                 </a:ln>
@@ -21163,7 +20830,7 @@
               <a:t>):</a:t>
             </a:r>
             <a:br>
-              <a:rPr kumimoji="0" lang="ru-RU" altLang="ru-RU" sz="3200" b="0" i="0" u="none" strike="noStrike" cap="none" normalizeH="0" baseline="0" dirty="0" smtClean="0">
+              <a:rPr kumimoji="0" lang="ru-RU" altLang="ru-RU" sz="3200" b="0" i="0" u="none" strike="noStrike" cap="none" normalizeH="0" baseline="0" dirty="0">
                 <a:ln>
                   <a:noFill/>
                 </a:ln>
@@ -21176,7 +20843,7 @@
               </a:rPr>
             </a:br>
             <a:r>
-              <a:rPr kumimoji="0" lang="ru-RU" altLang="ru-RU" sz="3200" b="0" i="0" u="none" strike="noStrike" cap="none" normalizeH="0" baseline="0" dirty="0" smtClean="0">
+              <a:rPr kumimoji="0" lang="ru-RU" altLang="ru-RU" sz="3200" b="0" i="0" u="none" strike="noStrike" cap="none" normalizeH="0" baseline="0" dirty="0">
                 <a:ln>
                   <a:noFill/>
                 </a:ln>
@@ -21215,7 +20882,7 @@
               <a:t>	</a:t>
             </a:r>
             <a:r>
-              <a:rPr kumimoji="0" lang="ru-RU" altLang="ru-RU" sz="3200" b="0" i="0" u="none" strike="noStrike" cap="none" normalizeH="0" baseline="0" dirty="0" smtClean="0">
+              <a:rPr kumimoji="0" lang="ru-RU" altLang="ru-RU" sz="3200" b="0" i="0" u="none" strike="noStrike" cap="none" normalizeH="0" baseline="0" dirty="0">
                 <a:ln>
                   <a:noFill/>
                 </a:ln>
@@ -21229,7 +20896,7 @@
               <a:t>@</a:t>
             </a:r>
             <a:r>
-              <a:rPr kumimoji="0" lang="ru-RU" altLang="ru-RU" sz="3200" b="0" i="0" u="none" strike="noStrike" cap="none" normalizeH="0" baseline="0" dirty="0" smtClean="0">
+              <a:rPr kumimoji="0" lang="ru-RU" altLang="ru-RU" sz="3200" b="0" i="0" u="none" strike="noStrike" cap="none" normalizeH="0" baseline="0" dirty="0">
                 <a:ln>
                   <a:noFill/>
                 </a:ln>
@@ -21243,7 +20910,7 @@
               <a:t>classmethod</a:t>
             </a:r>
             <a:br>
-              <a:rPr kumimoji="0" lang="ru-RU" altLang="ru-RU" sz="3200" b="0" i="0" u="none" strike="noStrike" cap="none" normalizeH="0" baseline="0" dirty="0" smtClean="0">
+              <a:rPr kumimoji="0" lang="ru-RU" altLang="ru-RU" sz="3200" b="0" i="0" u="none" strike="noStrike" cap="none" normalizeH="0" baseline="0" dirty="0">
                 <a:ln>
                   <a:noFill/>
                 </a:ln>
@@ -21256,7 +20923,7 @@
               </a:rPr>
             </a:br>
             <a:r>
-              <a:rPr kumimoji="0" lang="ru-RU" altLang="ru-RU" sz="3200" b="0" i="0" u="none" strike="noStrike" cap="none" normalizeH="0" baseline="0" dirty="0" smtClean="0">
+              <a:rPr kumimoji="0" lang="ru-RU" altLang="ru-RU" sz="3200" b="0" i="0" u="none" strike="noStrike" cap="none" normalizeH="0" baseline="0" dirty="0">
                 <a:ln>
                   <a:noFill/>
                 </a:ln>
@@ -21270,7 +20937,7 @@
               <a:t>    </a:t>
             </a:r>
             <a:r>
-              <a:rPr kumimoji="0" lang="ru-RU" altLang="ru-RU" sz="3200" b="1" i="0" u="none" strike="noStrike" cap="none" normalizeH="0" baseline="0" dirty="0" smtClean="0">
+              <a:rPr kumimoji="0" lang="ru-RU" altLang="ru-RU" sz="3200" b="1" i="0" u="none" strike="noStrike" cap="none" normalizeH="0" baseline="0" dirty="0">
                 <a:ln>
                   <a:noFill/>
                 </a:ln>
@@ -21284,7 +20951,7 @@
               <a:t>def </a:t>
             </a:r>
             <a:r>
-              <a:rPr kumimoji="0" lang="ru-RU" altLang="ru-RU" sz="3200" b="0" i="0" u="none" strike="noStrike" cap="none" normalizeH="0" baseline="0" dirty="0" smtClean="0">
+              <a:rPr kumimoji="0" lang="ru-RU" altLang="ru-RU" sz="3200" b="0" i="0" u="none" strike="noStrike" cap="none" normalizeH="0" baseline="0" dirty="0">
                 <a:ln>
                   <a:noFill/>
                 </a:ln>
@@ -21298,7 +20965,7 @@
               <a:t>f1(</a:t>
             </a:r>
             <a:r>
-              <a:rPr kumimoji="0" lang="ru-RU" altLang="ru-RU" sz="3200" b="0" i="0" u="none" strike="noStrike" cap="none" normalizeH="0" baseline="0" dirty="0" smtClean="0">
+              <a:rPr kumimoji="0" lang="ru-RU" altLang="ru-RU" sz="3200" b="0" i="0" u="none" strike="noStrike" cap="none" normalizeH="0" baseline="0" dirty="0">
                 <a:ln>
                   <a:noFill/>
                 </a:ln>
@@ -21312,7 +20979,7 @@
               <a:t>cls</a:t>
             </a:r>
             <a:r>
-              <a:rPr kumimoji="0" lang="ru-RU" altLang="ru-RU" sz="3200" b="0" i="0" u="none" strike="noStrike" cap="none" normalizeH="0" baseline="0" dirty="0" smtClean="0">
+              <a:rPr kumimoji="0" lang="ru-RU" altLang="ru-RU" sz="3200" b="0" i="0" u="none" strike="noStrike" cap="none" normalizeH="0" baseline="0" dirty="0">
                 <a:ln>
                   <a:noFill/>
                 </a:ln>
@@ -21326,7 +20993,7 @@
               <a:t>):</a:t>
             </a:r>
             <a:br>
-              <a:rPr kumimoji="0" lang="ru-RU" altLang="ru-RU" sz="3200" b="0" i="0" u="none" strike="noStrike" cap="none" normalizeH="0" baseline="0" dirty="0" smtClean="0">
+              <a:rPr kumimoji="0" lang="ru-RU" altLang="ru-RU" sz="3200" b="0" i="0" u="none" strike="noStrike" cap="none" normalizeH="0" baseline="0" dirty="0">
                 <a:ln>
                   <a:noFill/>
                 </a:ln>
@@ -21339,7 +21006,7 @@
               </a:rPr>
             </a:br>
             <a:r>
-              <a:rPr kumimoji="0" lang="ru-RU" altLang="ru-RU" sz="3200" b="0" i="0" u="none" strike="noStrike" cap="none" normalizeH="0" baseline="0" dirty="0" smtClean="0">
+              <a:rPr kumimoji="0" lang="ru-RU" altLang="ru-RU" sz="3200" b="0" i="0" u="none" strike="noStrike" cap="none" normalizeH="0" baseline="0" dirty="0">
                 <a:ln>
                   <a:noFill/>
                 </a:ln>
@@ -21353,7 +21020,7 @@
               <a:t>        </a:t>
             </a:r>
             <a:r>
-              <a:rPr kumimoji="0" lang="ru-RU" altLang="ru-RU" sz="3200" b="0" i="0" u="none" strike="noStrike" cap="none" normalizeH="0" baseline="0" dirty="0" err="1" smtClean="0">
+              <a:rPr kumimoji="0" lang="ru-RU" altLang="ru-RU" sz="3200" b="0" i="0" u="none" strike="noStrike" cap="none" normalizeH="0" baseline="0" dirty="0" err="1">
                 <a:ln>
                   <a:noFill/>
                 </a:ln>
@@ -21367,7 +21034,7 @@
               <a:t>print</a:t>
             </a:r>
             <a:r>
-              <a:rPr kumimoji="0" lang="ru-RU" altLang="ru-RU" sz="3200" b="0" i="0" u="none" strike="noStrike" cap="none" normalizeH="0" baseline="0" dirty="0" smtClean="0">
+              <a:rPr kumimoji="0" lang="ru-RU" altLang="ru-RU" sz="3200" b="0" i="0" u="none" strike="noStrike" cap="none" normalizeH="0" baseline="0" dirty="0">
                 <a:ln>
                   <a:noFill/>
                 </a:ln>
@@ -21381,7 +21048,7 @@
               <a:t> (</a:t>
             </a:r>
             <a:r>
-              <a:rPr kumimoji="0" lang="ru-RU" altLang="ru-RU" sz="3200" b="0" i="0" u="none" strike="noStrike" cap="none" normalizeH="0" baseline="0" dirty="0" err="1" smtClean="0">
+              <a:rPr kumimoji="0" lang="ru-RU" altLang="ru-RU" sz="3200" b="0" i="0" u="none" strike="noStrike" cap="none" normalizeH="0" baseline="0" dirty="0" err="1">
                 <a:ln>
                   <a:noFill/>
                 </a:ln>
@@ -21395,7 +21062,7 @@
               <a:t>cls</a:t>
             </a:r>
             <a:r>
-              <a:rPr kumimoji="0" lang="ru-RU" altLang="ru-RU" sz="3200" b="0" i="0" u="none" strike="noStrike" cap="none" normalizeH="0" baseline="0" dirty="0" smtClean="0">
+              <a:rPr kumimoji="0" lang="ru-RU" altLang="ru-RU" sz="3200" b="0" i="0" u="none" strike="noStrike" cap="none" normalizeH="0" baseline="0" dirty="0">
                 <a:ln>
                   <a:noFill/>
                 </a:ln>
@@ -21409,7 +21076,7 @@
               <a:t>.</a:t>
             </a:r>
             <a:r>
-              <a:rPr kumimoji="0" lang="ru-RU" altLang="ru-RU" sz="3200" b="0" i="0" u="none" strike="noStrike" cap="none" normalizeH="0" baseline="0" dirty="0" smtClean="0">
+              <a:rPr kumimoji="0" lang="ru-RU" altLang="ru-RU" sz="3200" b="0" i="0" u="none" strike="noStrike" cap="none" normalizeH="0" baseline="0" dirty="0">
                 <a:ln>
                   <a:noFill/>
                 </a:ln>
@@ -21423,7 +21090,7 @@
               <a:t>__</a:t>
             </a:r>
             <a:r>
-              <a:rPr kumimoji="0" lang="ru-RU" altLang="ru-RU" sz="3200" b="0" i="0" u="none" strike="noStrike" cap="none" normalizeH="0" baseline="0" dirty="0" err="1" smtClean="0">
+              <a:rPr kumimoji="0" lang="ru-RU" altLang="ru-RU" sz="3200" b="0" i="0" u="none" strike="noStrike" cap="none" normalizeH="0" baseline="0" dirty="0" err="1">
                 <a:ln>
                   <a:noFill/>
                 </a:ln>
@@ -21437,7 +21104,7 @@
               <a:t>name</a:t>
             </a:r>
             <a:r>
-              <a:rPr kumimoji="0" lang="ru-RU" altLang="ru-RU" sz="3200" b="0" i="0" u="none" strike="noStrike" cap="none" normalizeH="0" baseline="0" dirty="0" smtClean="0">
+              <a:rPr kumimoji="0" lang="ru-RU" altLang="ru-RU" sz="3200" b="0" i="0" u="none" strike="noStrike" cap="none" normalizeH="0" baseline="0" dirty="0">
                 <a:ln>
                   <a:noFill/>
                 </a:ln>
@@ -21496,7 +21163,7 @@
               </a:spcAft>
             </a:pPr>
             <a:r>
-              <a:rPr lang="ru-RU" altLang="ru-RU" sz="3200" b="1" dirty="0" smtClean="0">
+              <a:rPr lang="ru-RU" altLang="ru-RU" sz="3200" b="1" dirty="0">
                 <a:solidFill>
                   <a:srgbClr val="000080"/>
                 </a:solidFill>
@@ -21506,7 +21173,7 @@
               <a:t>	</a:t>
             </a:r>
             <a:r>
-              <a:rPr lang="ru-RU" altLang="ru-RU" sz="3200" b="1" dirty="0" err="1" smtClean="0">
+              <a:rPr lang="ru-RU" altLang="ru-RU" sz="3200" b="1" dirty="0" err="1">
                 <a:solidFill>
                   <a:srgbClr val="000080"/>
                 </a:solidFill>
@@ -21516,7 +21183,7 @@
               <a:t>def</a:t>
             </a:r>
             <a:r>
-              <a:rPr lang="ru-RU" altLang="ru-RU" sz="3200" b="1" dirty="0" smtClean="0">
+              <a:rPr lang="ru-RU" altLang="ru-RU" sz="3200" b="1" dirty="0">
                 <a:solidFill>
                   <a:srgbClr val="000080"/>
                 </a:solidFill>
@@ -21524,34 +21191,27 @@
                 <a:cs typeface="Courier New" panose="02070309020205020404" pitchFamily="49" charset="0"/>
               </a:rPr>
               <a:t> </a:t>
-            </a:r>
-            <a:r>
-              <a:rPr lang="ru-RU" altLang="ru-RU" sz="3200" dirty="0" smtClean="0">
-                <a:latin typeface="Courier New" panose="02070309020205020404" pitchFamily="49" charset="0"/>
-                <a:cs typeface="Courier New" panose="02070309020205020404" pitchFamily="49" charset="0"/>
-              </a:rPr>
-              <a:t>f2(</a:t>
-            </a:r>
-            <a:r>
-              <a:rPr lang="en-US" altLang="ru-RU" sz="3200" dirty="0" smtClean="0">
-                <a:latin typeface="Courier New" panose="02070309020205020404" pitchFamily="49" charset="0"/>
-                <a:cs typeface="Courier New" panose="02070309020205020404" pitchFamily="49" charset="0"/>
-              </a:rPr>
-              <a:t>self</a:t>
-            </a:r>
-            <a:r>
-              <a:rPr lang="ru-RU" altLang="ru-RU" sz="3200" dirty="0" smtClean="0">
-                <a:latin typeface="Courier New" panose="02070309020205020404" pitchFamily="49" charset="0"/>
-                <a:cs typeface="Courier New" panose="02070309020205020404" pitchFamily="49" charset="0"/>
-              </a:rPr>
-              <a:t>):</a:t>
             </a:r>
             <a:r>
               <a:rPr lang="ru-RU" altLang="ru-RU" sz="3200" dirty="0">
                 <a:latin typeface="Courier New" panose="02070309020205020404" pitchFamily="49" charset="0"/>
                 <a:cs typeface="Courier New" panose="02070309020205020404" pitchFamily="49" charset="0"/>
               </a:rPr>
-              <a:t/>
+              <a:t>f2(</a:t>
+            </a:r>
+            <a:r>
+              <a:rPr lang="en-US" altLang="ru-RU" sz="3200" dirty="0">
+                <a:latin typeface="Courier New" panose="02070309020205020404" pitchFamily="49" charset="0"/>
+                <a:cs typeface="Courier New" panose="02070309020205020404" pitchFamily="49" charset="0"/>
+              </a:rPr>
+              <a:t>self</a:t>
+            </a:r>
+            <a:r>
+              <a:rPr lang="ru-RU" altLang="ru-RU" sz="3200" dirty="0">
+                <a:latin typeface="Courier New" panose="02070309020205020404" pitchFamily="49" charset="0"/>
+                <a:cs typeface="Courier New" panose="02070309020205020404" pitchFamily="49" charset="0"/>
+              </a:rPr>
+              <a:t>):</a:t>
             </a:r>
             <a:br>
               <a:rPr lang="ru-RU" altLang="ru-RU" sz="3200" dirty="0">
@@ -21584,40 +21244,30 @@
                 <a:latin typeface="Courier New" panose="02070309020205020404" pitchFamily="49" charset="0"/>
                 <a:cs typeface="Courier New" panose="02070309020205020404" pitchFamily="49" charset="0"/>
               </a:rPr>
-              <a:t> </a:t>
-            </a:r>
-            <a:r>
-              <a:rPr lang="ru-RU" altLang="ru-RU" sz="3200" dirty="0" smtClean="0">
+              <a:t> (</a:t>
+            </a:r>
+            <a:r>
+              <a:rPr lang="en-US" altLang="ru-RU" sz="3200" dirty="0">
                 <a:solidFill>
                   <a:srgbClr val="000080"/>
                 </a:solidFill>
                 <a:latin typeface="Courier New" panose="02070309020205020404" pitchFamily="49" charset="0"/>
                 <a:cs typeface="Courier New" panose="02070309020205020404" pitchFamily="49" charset="0"/>
               </a:rPr>
-              <a:t>(</a:t>
-            </a:r>
-            <a:r>
-              <a:rPr lang="en-US" altLang="ru-RU" sz="3200" dirty="0" smtClean="0">
+              <a:t>“simple method”</a:t>
+            </a:r>
+            <a:r>
+              <a:rPr lang="ru-RU" altLang="ru-RU" sz="3200" dirty="0">
                 <a:solidFill>
                   <a:srgbClr val="000080"/>
                 </a:solidFill>
                 <a:latin typeface="Courier New" panose="02070309020205020404" pitchFamily="49" charset="0"/>
                 <a:cs typeface="Courier New" panose="02070309020205020404" pitchFamily="49" charset="0"/>
               </a:rPr>
-              <a:t>“simple method”</a:t>
-            </a:r>
-            <a:r>
-              <a:rPr lang="ru-RU" altLang="ru-RU" sz="3200" dirty="0">
-                <a:solidFill>
-                  <a:srgbClr val="000080"/>
-                </a:solidFill>
-                <a:latin typeface="Courier New" panose="02070309020205020404" pitchFamily="49" charset="0"/>
-                <a:cs typeface="Courier New" panose="02070309020205020404" pitchFamily="49" charset="0"/>
-              </a:rPr>
               <a:t>)</a:t>
             </a:r>
-            <a:r>
-              <a:rPr kumimoji="0" lang="ru-RU" altLang="ru-RU" sz="3200" b="0" i="0" u="none" strike="noStrike" cap="none" normalizeH="0" baseline="0" dirty="0" smtClean="0">
+            <a:br>
+              <a:rPr kumimoji="0" lang="ru-RU" altLang="ru-RU" sz="3200" b="0" i="0" u="none" strike="noStrike" cap="none" normalizeH="0" baseline="0" dirty="0">
                 <a:ln>
                   <a:noFill/>
                 </a:ln>
@@ -21628,10 +21278,9 @@
                 <a:latin typeface="Courier New" panose="02070309020205020404" pitchFamily="49" charset="0"/>
                 <a:cs typeface="Courier New" panose="02070309020205020404" pitchFamily="49" charset="0"/>
               </a:rPr>
-              <a:t/>
-            </a:r>
-            <a:br>
-              <a:rPr kumimoji="0" lang="ru-RU" altLang="ru-RU" sz="3200" b="0" i="0" u="none" strike="noStrike" cap="none" normalizeH="0" baseline="0" dirty="0" smtClean="0">
+            </a:br>
+            <a:r>
+              <a:rPr kumimoji="0" lang="ru-RU" altLang="ru-RU" sz="3200" b="0" i="0" u="none" strike="noStrike" cap="none" normalizeH="0" baseline="0" dirty="0">
                 <a:ln>
                   <a:noFill/>
                 </a:ln>
@@ -21642,22 +21291,9 @@
                 <a:latin typeface="Courier New" panose="02070309020205020404" pitchFamily="49" charset="0"/>
                 <a:cs typeface="Courier New" panose="02070309020205020404" pitchFamily="49" charset="0"/>
               </a:rPr>
-            </a:br>
-            <a:r>
-              <a:rPr kumimoji="0" lang="ru-RU" altLang="ru-RU" sz="3200" b="0" i="0" u="none" strike="noStrike" cap="none" normalizeH="0" baseline="0" dirty="0" smtClean="0">
-                <a:ln>
-                  <a:noFill/>
-                </a:ln>
-                <a:solidFill>
-                  <a:srgbClr val="B200B2"/>
-                </a:solidFill>
-                <a:effectLst/>
-                <a:latin typeface="Courier New" panose="02070309020205020404" pitchFamily="49" charset="0"/>
-                <a:cs typeface="Courier New" panose="02070309020205020404" pitchFamily="49" charset="0"/>
-              </a:rPr>
               <a:t>    </a:t>
             </a:r>
-            <a:endParaRPr kumimoji="0" lang="ru-RU" altLang="ru-RU" sz="6000" b="0" i="0" u="none" strike="noStrike" cap="none" normalizeH="0" baseline="0" dirty="0" smtClean="0">
+            <a:endParaRPr kumimoji="0" lang="ru-RU" altLang="ru-RU" sz="6000" b="0" i="0" u="none" strike="noStrike" cap="none" normalizeH="0" baseline="0" dirty="0">
               <a:ln>
                 <a:noFill/>
               </a:ln>
@@ -21680,13 +21316,6 @@
   <p:clrMapOvr>
     <a:masterClrMapping/>
   </p:clrMapOvr>
-  <p:timing>
-    <p:tnLst>
-      <p:par>
-        <p:cTn id="1" dur="indefinite" restart="never" nodeType="tmRoot"/>
-      </p:par>
-    </p:tnLst>
-  </p:timing>
 </p:sld>
 </file>
 
@@ -21760,19 +21389,7 @@
                 <a:cs typeface="Cabin"/>
                 <a:sym typeface="Cabin"/>
               </a:rPr>
-              <a:t>И</a:t>
-            </a:r>
-            <a:r>
-              <a:rPr lang="ru-RU" sz="7800" dirty="0" smtClean="0">
-                <a:solidFill>
-                  <a:srgbClr val="00FF00"/>
-                </a:solidFill>
-                <a:latin typeface="Cabin"/>
-                <a:ea typeface="Cabin"/>
-                <a:cs typeface="Cabin"/>
-                <a:sym typeface="Cabin"/>
-              </a:rPr>
-              <a:t>тераторы</a:t>
+              <a:t>Итераторы</a:t>
             </a:r>
             <a:endParaRPr lang="en-US" sz="7800" dirty="0">
               <a:solidFill>
@@ -21815,17 +21432,17 @@
                 <a:latin typeface="Arial" panose="020B0604020202020204" pitchFamily="34" charset="0"/>
                 <a:cs typeface="Arial" panose="020B0604020202020204" pitchFamily="34" charset="0"/>
               </a:rPr>
-              <a:t>Когда вы </a:t>
-            </a:r>
-            <a:r>
-              <a:rPr lang="ru-RU" sz="3600" dirty="0" smtClean="0">
+              <a:t>Когда вы создается список, то его элементы можно считывать один за другим —</a:t>
+            </a:r>
+            <a:r>
+              <a:rPr lang="en-US" sz="3600" dirty="0">
                 <a:solidFill>
                   <a:schemeClr val="bg2"/>
                 </a:solidFill>
                 <a:latin typeface="Arial" panose="020B0604020202020204" pitchFamily="34" charset="0"/>
                 <a:cs typeface="Arial" panose="020B0604020202020204" pitchFamily="34" charset="0"/>
               </a:rPr>
-              <a:t>создается </a:t>
+              <a:t> </a:t>
             </a:r>
             <a:r>
               <a:rPr lang="ru-RU" sz="3600" dirty="0">
@@ -21835,87 +21452,7 @@
                 <a:latin typeface="Arial" panose="020B0604020202020204" pitchFamily="34" charset="0"/>
                 <a:cs typeface="Arial" panose="020B0604020202020204" pitchFamily="34" charset="0"/>
               </a:rPr>
-              <a:t>список, </a:t>
-            </a:r>
-            <a:r>
-              <a:rPr lang="ru-RU" sz="3600" dirty="0" smtClean="0">
-                <a:solidFill>
-                  <a:schemeClr val="bg2"/>
-                </a:solidFill>
-                <a:latin typeface="Arial" panose="020B0604020202020204" pitchFamily="34" charset="0"/>
-                <a:cs typeface="Arial" panose="020B0604020202020204" pitchFamily="34" charset="0"/>
-              </a:rPr>
-              <a:t>то его элементы можно </a:t>
-            </a:r>
-            <a:r>
-              <a:rPr lang="ru-RU" sz="3600" dirty="0">
-                <a:solidFill>
-                  <a:schemeClr val="bg2"/>
-                </a:solidFill>
-                <a:latin typeface="Arial" panose="020B0604020202020204" pitchFamily="34" charset="0"/>
-                <a:cs typeface="Arial" panose="020B0604020202020204" pitchFamily="34" charset="0"/>
-              </a:rPr>
-              <a:t>считывать </a:t>
-            </a:r>
-            <a:r>
-              <a:rPr lang="ru-RU" sz="3600" dirty="0" smtClean="0">
-                <a:solidFill>
-                  <a:schemeClr val="bg2"/>
-                </a:solidFill>
-                <a:latin typeface="Arial" panose="020B0604020202020204" pitchFamily="34" charset="0"/>
-                <a:cs typeface="Arial" panose="020B0604020202020204" pitchFamily="34" charset="0"/>
-              </a:rPr>
-              <a:t>один </a:t>
-            </a:r>
-            <a:r>
-              <a:rPr lang="ru-RU" sz="3600" dirty="0">
-                <a:solidFill>
-                  <a:schemeClr val="bg2"/>
-                </a:solidFill>
-                <a:latin typeface="Arial" panose="020B0604020202020204" pitchFamily="34" charset="0"/>
-                <a:cs typeface="Arial" panose="020B0604020202020204" pitchFamily="34" charset="0"/>
-              </a:rPr>
-              <a:t>за другим </a:t>
-            </a:r>
-            <a:r>
-              <a:rPr lang="ru-RU" sz="3600" dirty="0" smtClean="0">
-                <a:solidFill>
-                  <a:schemeClr val="bg2"/>
-                </a:solidFill>
-                <a:latin typeface="Arial" panose="020B0604020202020204" pitchFamily="34" charset="0"/>
-                <a:cs typeface="Arial" panose="020B0604020202020204" pitchFamily="34" charset="0"/>
-              </a:rPr>
-              <a:t>—</a:t>
-            </a:r>
-            <a:r>
-              <a:rPr lang="en-US" sz="3600" dirty="0" smtClean="0">
-                <a:solidFill>
-                  <a:schemeClr val="bg2"/>
-                </a:solidFill>
-                <a:latin typeface="Arial" panose="020B0604020202020204" pitchFamily="34" charset="0"/>
-                <a:cs typeface="Arial" panose="020B0604020202020204" pitchFamily="34" charset="0"/>
-              </a:rPr>
-              <a:t> </a:t>
-            </a:r>
-            <a:r>
-              <a:rPr lang="ru-RU" sz="3600" dirty="0" smtClean="0">
-                <a:solidFill>
-                  <a:schemeClr val="bg2"/>
-                </a:solidFill>
-                <a:latin typeface="Arial" panose="020B0604020202020204" pitchFamily="34" charset="0"/>
-                <a:cs typeface="Arial" panose="020B0604020202020204" pitchFamily="34" charset="0"/>
-              </a:rPr>
-              <a:t>это </a:t>
-            </a:r>
-            <a:r>
-              <a:rPr lang="ru-RU" sz="3600" dirty="0">
-                <a:solidFill>
-                  <a:schemeClr val="bg2"/>
-                </a:solidFill>
-                <a:latin typeface="Arial" panose="020B0604020202020204" pitchFamily="34" charset="0"/>
-                <a:cs typeface="Arial" panose="020B0604020202020204" pitchFamily="34" charset="0"/>
-              </a:rPr>
-              <a:t>называется итерацией:</a:t>
+              <a:t>это называется итерацией:</a:t>
             </a:r>
           </a:p>
         </p:txBody>
@@ -21991,7 +21528,7 @@
               <a:tabLst/>
             </a:pPr>
             <a:r>
-              <a:rPr kumimoji="0" lang="ru-RU" altLang="ru-RU" sz="3200" b="0" i="0" u="none" strike="noStrike" cap="none" normalizeH="0" baseline="0" dirty="0" smtClean="0">
+              <a:rPr kumimoji="0" lang="ru-RU" altLang="ru-RU" sz="3200" b="0" i="0" u="none" strike="noStrike" cap="none" normalizeH="0" baseline="0" dirty="0">
                 <a:ln>
                   <a:noFill/>
                 </a:ln>
@@ -22005,7 +21542,7 @@
               <a:t>&gt;&gt;&gt; mylist = [</a:t>
             </a:r>
             <a:r>
-              <a:rPr kumimoji="0" lang="ru-RU" altLang="ru-RU" sz="3200" b="0" i="0" u="none" strike="noStrike" cap="none" normalizeH="0" baseline="0" dirty="0" smtClean="0">
+              <a:rPr kumimoji="0" lang="ru-RU" altLang="ru-RU" sz="3200" b="0" i="0" u="none" strike="noStrike" cap="none" normalizeH="0" baseline="0" dirty="0">
                 <a:ln>
                   <a:noFill/>
                 </a:ln>
@@ -22019,7 +21556,7 @@
               <a:t>1</a:t>
             </a:r>
             <a:r>
-              <a:rPr kumimoji="0" lang="ru-RU" altLang="ru-RU" sz="3200" b="0" i="0" u="none" strike="noStrike" cap="none" normalizeH="0" baseline="0" dirty="0" smtClean="0">
+              <a:rPr kumimoji="0" lang="ru-RU" altLang="ru-RU" sz="3200" b="0" i="0" u="none" strike="noStrike" cap="none" normalizeH="0" baseline="0" dirty="0">
                 <a:ln>
                   <a:noFill/>
                 </a:ln>
@@ -22033,7 +21570,7 @@
               <a:t>, </a:t>
             </a:r>
             <a:r>
-              <a:rPr kumimoji="0" lang="ru-RU" altLang="ru-RU" sz="3200" b="0" i="0" u="none" strike="noStrike" cap="none" normalizeH="0" baseline="0" dirty="0" smtClean="0">
+              <a:rPr kumimoji="0" lang="ru-RU" altLang="ru-RU" sz="3200" b="0" i="0" u="none" strike="noStrike" cap="none" normalizeH="0" baseline="0" dirty="0">
                 <a:ln>
                   <a:noFill/>
                 </a:ln>
@@ -22047,7 +21584,7 @@
               <a:t>2</a:t>
             </a:r>
             <a:r>
-              <a:rPr kumimoji="0" lang="ru-RU" altLang="ru-RU" sz="3200" b="0" i="0" u="none" strike="noStrike" cap="none" normalizeH="0" baseline="0" dirty="0" smtClean="0">
+              <a:rPr kumimoji="0" lang="ru-RU" altLang="ru-RU" sz="3200" b="0" i="0" u="none" strike="noStrike" cap="none" normalizeH="0" baseline="0" dirty="0">
                 <a:ln>
                   <a:noFill/>
                 </a:ln>
@@ -22061,7 +21598,7 @@
               <a:t>, </a:t>
             </a:r>
             <a:r>
-              <a:rPr kumimoji="0" lang="ru-RU" altLang="ru-RU" sz="3200" b="0" i="0" u="none" strike="noStrike" cap="none" normalizeH="0" baseline="0" dirty="0" smtClean="0">
+              <a:rPr kumimoji="0" lang="ru-RU" altLang="ru-RU" sz="3200" b="0" i="0" u="none" strike="noStrike" cap="none" normalizeH="0" baseline="0" dirty="0">
                 <a:ln>
                   <a:noFill/>
                 </a:ln>
@@ -22075,7 +21612,7 @@
               <a:t>3</a:t>
             </a:r>
             <a:r>
-              <a:rPr kumimoji="0" lang="ru-RU" altLang="ru-RU" sz="3200" b="0" i="0" u="none" strike="noStrike" cap="none" normalizeH="0" baseline="0" dirty="0" smtClean="0">
+              <a:rPr kumimoji="0" lang="ru-RU" altLang="ru-RU" sz="3200" b="0" i="0" u="none" strike="noStrike" cap="none" normalizeH="0" baseline="0" dirty="0">
                 <a:ln>
                   <a:noFill/>
                 </a:ln>
@@ -22089,7 +21626,7 @@
               <a:t>]</a:t>
             </a:r>
             <a:br>
-              <a:rPr kumimoji="0" lang="ru-RU" altLang="ru-RU" sz="3200" b="0" i="0" u="none" strike="noStrike" cap="none" normalizeH="0" baseline="0" dirty="0" smtClean="0">
+              <a:rPr kumimoji="0" lang="ru-RU" altLang="ru-RU" sz="3200" b="0" i="0" u="none" strike="noStrike" cap="none" normalizeH="0" baseline="0" dirty="0">
                 <a:ln>
                   <a:noFill/>
                 </a:ln>
@@ -22102,7 +21639,7 @@
               </a:rPr>
             </a:br>
             <a:r>
-              <a:rPr kumimoji="0" lang="ru-RU" altLang="ru-RU" sz="3200" b="0" i="0" u="none" strike="noStrike" cap="none" normalizeH="0" baseline="0" dirty="0" smtClean="0">
+              <a:rPr kumimoji="0" lang="ru-RU" altLang="ru-RU" sz="3200" b="0" i="0" u="none" strike="noStrike" cap="none" normalizeH="0" baseline="0" dirty="0">
                 <a:ln>
                   <a:noFill/>
                 </a:ln>
@@ -22116,7 +21653,7 @@
               <a:t>&gt;&gt;&gt; </a:t>
             </a:r>
             <a:r>
-              <a:rPr kumimoji="0" lang="ru-RU" altLang="ru-RU" sz="3200" b="1" i="0" u="none" strike="noStrike" cap="none" normalizeH="0" baseline="0" dirty="0" smtClean="0">
+              <a:rPr kumimoji="0" lang="ru-RU" altLang="ru-RU" sz="3200" b="1" i="0" u="none" strike="noStrike" cap="none" normalizeH="0" baseline="0" dirty="0">
                 <a:ln>
                   <a:noFill/>
                 </a:ln>
@@ -22130,7 +21667,7 @@
               <a:t>for </a:t>
             </a:r>
             <a:r>
-              <a:rPr kumimoji="0" lang="ru-RU" altLang="ru-RU" sz="3200" b="0" i="0" u="none" strike="noStrike" cap="none" normalizeH="0" baseline="0" dirty="0" smtClean="0">
+              <a:rPr kumimoji="0" lang="ru-RU" altLang="ru-RU" sz="3200" b="0" i="0" u="none" strike="noStrike" cap="none" normalizeH="0" baseline="0" dirty="0">
                 <a:ln>
                   <a:noFill/>
                 </a:ln>
@@ -22144,7 +21681,7 @@
               <a:t>i </a:t>
             </a:r>
             <a:r>
-              <a:rPr kumimoji="0" lang="ru-RU" altLang="ru-RU" sz="3200" b="1" i="0" u="none" strike="noStrike" cap="none" normalizeH="0" baseline="0" dirty="0" smtClean="0">
+              <a:rPr kumimoji="0" lang="ru-RU" altLang="ru-RU" sz="3200" b="1" i="0" u="none" strike="noStrike" cap="none" normalizeH="0" baseline="0" dirty="0">
                 <a:ln>
                   <a:noFill/>
                 </a:ln>
@@ -22158,7 +21695,7 @@
               <a:t>in </a:t>
             </a:r>
             <a:r>
-              <a:rPr kumimoji="0" lang="ru-RU" altLang="ru-RU" sz="3200" b="0" i="0" u="none" strike="noStrike" cap="none" normalizeH="0" baseline="0" dirty="0" smtClean="0">
+              <a:rPr kumimoji="0" lang="ru-RU" altLang="ru-RU" sz="3200" b="0" i="0" u="none" strike="noStrike" cap="none" normalizeH="0" baseline="0" dirty="0">
                 <a:ln>
                   <a:noFill/>
                 </a:ln>
@@ -22172,7 +21709,7 @@
               <a:t>mylist :</a:t>
             </a:r>
             <a:br>
-              <a:rPr kumimoji="0" lang="ru-RU" altLang="ru-RU" sz="3200" b="0" i="0" u="none" strike="noStrike" cap="none" normalizeH="0" baseline="0" dirty="0" smtClean="0">
+              <a:rPr kumimoji="0" lang="ru-RU" altLang="ru-RU" sz="3200" b="0" i="0" u="none" strike="noStrike" cap="none" normalizeH="0" baseline="0" dirty="0">
                 <a:ln>
                   <a:noFill/>
                 </a:ln>
@@ -22185,7 +21722,7 @@
               </a:rPr>
             </a:br>
             <a:r>
-              <a:rPr kumimoji="0" lang="ru-RU" altLang="ru-RU" sz="3200" b="0" i="0" u="none" strike="noStrike" cap="none" normalizeH="0" baseline="0" dirty="0" smtClean="0">
+              <a:rPr kumimoji="0" lang="ru-RU" altLang="ru-RU" sz="3200" b="0" i="0" u="none" strike="noStrike" cap="none" normalizeH="0" baseline="0" dirty="0">
                 <a:ln>
                   <a:noFill/>
                 </a:ln>
@@ -22199,7 +21736,7 @@
               <a:t>... </a:t>
             </a:r>
             <a:r>
-              <a:rPr kumimoji="0" lang="ru-RU" altLang="ru-RU" sz="3200" b="0" i="0" u="none" strike="noStrike" cap="none" normalizeH="0" baseline="0" dirty="0" smtClean="0">
+              <a:rPr kumimoji="0" lang="ru-RU" altLang="ru-RU" sz="3200" b="0" i="0" u="none" strike="noStrike" cap="none" normalizeH="0" baseline="0" dirty="0">
                 <a:ln>
                   <a:noFill/>
                 </a:ln>
@@ -22213,7 +21750,7 @@
               <a:t>print</a:t>
             </a:r>
             <a:r>
-              <a:rPr kumimoji="0" lang="ru-RU" altLang="ru-RU" sz="3200" b="0" i="0" u="none" strike="noStrike" cap="none" normalizeH="0" baseline="0" dirty="0" smtClean="0">
+              <a:rPr kumimoji="0" lang="ru-RU" altLang="ru-RU" sz="3200" b="0" i="0" u="none" strike="noStrike" cap="none" normalizeH="0" baseline="0" dirty="0">
                 <a:ln>
                   <a:noFill/>
                 </a:ln>
@@ -22227,7 +21764,7 @@
               <a:t>(i)</a:t>
             </a:r>
             <a:br>
-              <a:rPr kumimoji="0" lang="ru-RU" altLang="ru-RU" sz="3200" b="0" i="0" u="none" strike="noStrike" cap="none" normalizeH="0" baseline="0" dirty="0" smtClean="0">
+              <a:rPr kumimoji="0" lang="ru-RU" altLang="ru-RU" sz="3200" b="0" i="0" u="none" strike="noStrike" cap="none" normalizeH="0" baseline="0" dirty="0">
                 <a:ln>
                   <a:noFill/>
                 </a:ln>
@@ -22240,7 +21777,7 @@
               </a:rPr>
             </a:br>
             <a:r>
-              <a:rPr kumimoji="0" lang="ru-RU" altLang="ru-RU" sz="3200" b="0" i="0" u="none" strike="noStrike" cap="none" normalizeH="0" baseline="0" dirty="0" smtClean="0">
+              <a:rPr kumimoji="0" lang="ru-RU" altLang="ru-RU" sz="3200" b="0" i="0" u="none" strike="noStrike" cap="none" normalizeH="0" baseline="0" dirty="0">
                 <a:ln>
                   <a:noFill/>
                 </a:ln>
@@ -22254,7 +21791,7 @@
               <a:t>1</a:t>
             </a:r>
             <a:br>
-              <a:rPr kumimoji="0" lang="ru-RU" altLang="ru-RU" sz="3200" b="0" i="0" u="none" strike="noStrike" cap="none" normalizeH="0" baseline="0" dirty="0" smtClean="0">
+              <a:rPr kumimoji="0" lang="ru-RU" altLang="ru-RU" sz="3200" b="0" i="0" u="none" strike="noStrike" cap="none" normalizeH="0" baseline="0" dirty="0">
                 <a:ln>
                   <a:noFill/>
                 </a:ln>
@@ -22267,7 +21804,7 @@
               </a:rPr>
             </a:br>
             <a:r>
-              <a:rPr kumimoji="0" lang="ru-RU" altLang="ru-RU" sz="3200" b="0" i="0" u="none" strike="noStrike" cap="none" normalizeH="0" baseline="0" dirty="0" smtClean="0">
+              <a:rPr kumimoji="0" lang="ru-RU" altLang="ru-RU" sz="3200" b="0" i="0" u="none" strike="noStrike" cap="none" normalizeH="0" baseline="0" dirty="0">
                 <a:ln>
                   <a:noFill/>
                 </a:ln>
@@ -22281,7 +21818,7 @@
               <a:t>2</a:t>
             </a:r>
             <a:br>
-              <a:rPr kumimoji="0" lang="ru-RU" altLang="ru-RU" sz="3200" b="0" i="0" u="none" strike="noStrike" cap="none" normalizeH="0" baseline="0" dirty="0" smtClean="0">
+              <a:rPr kumimoji="0" lang="ru-RU" altLang="ru-RU" sz="3200" b="0" i="0" u="none" strike="noStrike" cap="none" normalizeH="0" baseline="0" dirty="0">
                 <a:ln>
                   <a:noFill/>
                 </a:ln>
@@ -22294,7 +21831,7 @@
               </a:rPr>
             </a:br>
             <a:r>
-              <a:rPr kumimoji="0" lang="ru-RU" altLang="ru-RU" sz="3200" b="0" i="0" u="none" strike="noStrike" cap="none" normalizeH="0" baseline="0" dirty="0" smtClean="0">
+              <a:rPr kumimoji="0" lang="ru-RU" altLang="ru-RU" sz="3200" b="0" i="0" u="none" strike="noStrike" cap="none" normalizeH="0" baseline="0" dirty="0">
                 <a:ln>
                   <a:noFill/>
                 </a:ln>
@@ -22307,7 +21844,7 @@
               </a:rPr>
               <a:t>3</a:t>
             </a:r>
-            <a:endParaRPr kumimoji="0" lang="ru-RU" altLang="ru-RU" sz="6000" b="0" i="0" u="none" strike="noStrike" cap="none" normalizeH="0" baseline="0" dirty="0" smtClean="0">
+            <a:endParaRPr kumimoji="0" lang="ru-RU" altLang="ru-RU" sz="6000" b="0" i="0" u="none" strike="noStrike" cap="none" normalizeH="0" baseline="0" dirty="0">
               <a:ln>
                 <a:noFill/>
               </a:ln>
@@ -22527,19 +22064,7 @@
                 <a:cs typeface="Cabin"/>
                 <a:sym typeface="Cabin"/>
               </a:rPr>
-              <a:t>И</a:t>
-            </a:r>
-            <a:r>
-              <a:rPr lang="ru-RU" sz="7800" dirty="0" smtClean="0">
-                <a:solidFill>
-                  <a:srgbClr val="00FF00"/>
-                </a:solidFill>
-                <a:latin typeface="Cabin"/>
-                <a:ea typeface="Cabin"/>
-                <a:cs typeface="Cabin"/>
-                <a:sym typeface="Cabin"/>
-              </a:rPr>
-              <a:t>тераторы</a:t>
+              <a:t>Итераторы</a:t>
             </a:r>
             <a:endParaRPr lang="en-US" sz="7800" dirty="0">
               <a:solidFill>
@@ -22575,7 +22100,7 @@
           <a:lstStyle/>
           <a:p>
             <a:r>
-              <a:rPr lang="ru-RU" sz="3600" dirty="0" smtClean="0">
+              <a:rPr lang="ru-RU" sz="3600" dirty="0">
                 <a:solidFill>
                   <a:srgbClr val="3333B3"/>
                 </a:solidFill>
@@ -22589,45 +22114,31 @@
                 <a:latin typeface="Arial" panose="020B0604020202020204" pitchFamily="34" charset="0"/>
                 <a:cs typeface="Arial" panose="020B0604020202020204" pitchFamily="34" charset="0"/>
               </a:rPr>
-              <a:t>Итератор — это экземпляр класса, который реализует </a:t>
-            </a:r>
-            <a:r>
-              <a:rPr lang="ru-RU" sz="3600" dirty="0" smtClean="0">
+              <a:t>Итератор — это экземпляр класса, который реализует два</a:t>
+            </a:r>
+            <a:r>
+              <a:rPr lang="en-US" sz="3600" dirty="0">
                 <a:latin typeface="Arial" panose="020B0604020202020204" pitchFamily="34" charset="0"/>
                 <a:cs typeface="Arial" panose="020B0604020202020204" pitchFamily="34" charset="0"/>
               </a:rPr>
-              <a:t>два</a:t>
-            </a:r>
-            <a:r>
-              <a:rPr lang="en-US" sz="3600" dirty="0" smtClean="0">
-                <a:latin typeface="Arial" panose="020B0604020202020204" pitchFamily="34" charset="0"/>
-                <a:cs typeface="Arial" panose="020B0604020202020204" pitchFamily="34" charset="0"/>
-              </a:rPr>
               <a:t> </a:t>
-            </a:r>
-            <a:r>
-              <a:rPr lang="ru-RU" sz="3600" dirty="0" smtClean="0">
-                <a:latin typeface="Arial" panose="020B0604020202020204" pitchFamily="34" charset="0"/>
-                <a:cs typeface="Arial" panose="020B0604020202020204" pitchFamily="34" charset="0"/>
-              </a:rPr>
-              <a:t>метода </a:t>
             </a:r>
             <a:r>
               <a:rPr lang="ru-RU" sz="3600" dirty="0">
                 <a:latin typeface="Arial" panose="020B0604020202020204" pitchFamily="34" charset="0"/>
                 <a:cs typeface="Arial" panose="020B0604020202020204" pitchFamily="34" charset="0"/>
               </a:rPr>
-              <a:t>__</a:t>
-            </a:r>
-            <a:r>
-              <a:rPr lang="en-US" sz="3600" dirty="0" err="1" smtClean="0">
+              <a:t>метода __</a:t>
+            </a:r>
+            <a:r>
+              <a:rPr lang="en-US" sz="3600" dirty="0" err="1">
                 <a:latin typeface="Arial" panose="020B0604020202020204" pitchFamily="34" charset="0"/>
                 <a:cs typeface="Arial" panose="020B0604020202020204" pitchFamily="34" charset="0"/>
               </a:rPr>
               <a:t>iter</a:t>
             </a:r>
             <a:r>
-              <a:rPr lang="en-US" sz="3600" dirty="0" smtClean="0">
+              <a:rPr lang="en-US" sz="3600" dirty="0">
                 <a:latin typeface="Arial" panose="020B0604020202020204" pitchFamily="34" charset="0"/>
                 <a:cs typeface="Arial" panose="020B0604020202020204" pitchFamily="34" charset="0"/>
               </a:rPr>
@@ -22649,7 +22160,7 @@
             </a:r>
           </a:p>
           <a:p>
-            <a:endParaRPr lang="en-US" sz="3600" dirty="0" smtClean="0">
+            <a:endParaRPr lang="en-US" sz="3600" dirty="0">
               <a:solidFill>
                 <a:srgbClr val="3333B3"/>
               </a:solidFill>
@@ -22659,7 +22170,7 @@
           </a:p>
           <a:p>
             <a:r>
-              <a:rPr lang="ru-RU" sz="3600" dirty="0" smtClean="0">
+              <a:rPr lang="ru-RU" sz="3600" dirty="0">
                 <a:solidFill>
                   <a:srgbClr val="3333B3"/>
                 </a:solidFill>
@@ -22673,39 +22184,25 @@
                 <a:latin typeface="Arial" panose="020B0604020202020204" pitchFamily="34" charset="0"/>
                 <a:cs typeface="Arial" panose="020B0604020202020204" pitchFamily="34" charset="0"/>
               </a:rPr>
-              <a:t>Альтернативно можно воспользоваться реализацией </a:t>
-            </a:r>
-            <a:r>
-              <a:rPr lang="ru-RU" sz="3600" dirty="0" smtClean="0">
+              <a:t>Альтернативно можно воспользоваться реализацией этих</a:t>
+            </a:r>
+            <a:r>
+              <a:rPr lang="en-US" sz="3600" dirty="0">
                 <a:latin typeface="Arial" panose="020B0604020202020204" pitchFamily="34" charset="0"/>
                 <a:cs typeface="Arial" panose="020B0604020202020204" pitchFamily="34" charset="0"/>
               </a:rPr>
-              <a:t>этих</a:t>
-            </a:r>
-            <a:r>
-              <a:rPr lang="en-US" sz="3600" dirty="0" smtClean="0">
-                <a:latin typeface="Arial" panose="020B0604020202020204" pitchFamily="34" charset="0"/>
-                <a:cs typeface="Arial" panose="020B0604020202020204" pitchFamily="34" charset="0"/>
-              </a:rPr>
               <a:t> </a:t>
-            </a:r>
-            <a:r>
-              <a:rPr lang="ru-RU" sz="3600" dirty="0" smtClean="0">
-                <a:latin typeface="Arial" panose="020B0604020202020204" pitchFamily="34" charset="0"/>
-                <a:cs typeface="Arial" panose="020B0604020202020204" pitchFamily="34" charset="0"/>
-              </a:rPr>
-              <a:t>методов </a:t>
             </a:r>
             <a:r>
               <a:rPr lang="ru-RU" sz="3600" dirty="0">
                 <a:latin typeface="Arial" panose="020B0604020202020204" pitchFamily="34" charset="0"/>
                 <a:cs typeface="Arial" panose="020B0604020202020204" pitchFamily="34" charset="0"/>
               </a:rPr>
-              <a:t>по умолчанию и определить метод __getitem__.</a:t>
-            </a:r>
-          </a:p>
-          <a:p>
-            <a:endParaRPr lang="en-US" sz="3600" dirty="0" smtClean="0">
+              <a:t>методов по умолчанию и определить метод __getitem__.</a:t>
+            </a:r>
+          </a:p>
+          <a:p>
+            <a:endParaRPr lang="en-US" sz="3600" dirty="0">
               <a:solidFill>
                 <a:srgbClr val="3333B3"/>
               </a:solidFill>
@@ -22715,7 +22212,7 @@
           </a:p>
           <a:p>
             <a:r>
-              <a:rPr lang="ru-RU" sz="3600" dirty="0" smtClean="0">
+              <a:rPr lang="ru-RU" sz="3600" dirty="0">
                 <a:solidFill>
                   <a:schemeClr val="bg2"/>
                 </a:solidFill>
@@ -22723,26 +22220,19 @@
                 <a:cs typeface="Arial" panose="020B0604020202020204" pitchFamily="34" charset="0"/>
               </a:rPr>
               <a:t>И</a:t>
-            </a:r>
-            <a:r>
-              <a:rPr lang="ru-RU" sz="3600" dirty="0" smtClean="0">
-                <a:latin typeface="Arial" panose="020B0604020202020204" pitchFamily="34" charset="0"/>
-                <a:cs typeface="Arial" panose="020B0604020202020204" pitchFamily="34" charset="0"/>
-              </a:rPr>
-              <a:t>тераторы </a:t>
             </a:r>
             <a:r>
               <a:rPr lang="ru-RU" sz="3600" dirty="0">
                 <a:latin typeface="Arial" panose="020B0604020202020204" pitchFamily="34" charset="0"/>
                 <a:cs typeface="Arial" panose="020B0604020202020204" pitchFamily="34" charset="0"/>
               </a:rPr>
-              <a:t>используется:</a:t>
+              <a:t>тераторы используется:</a:t>
             </a:r>
           </a:p>
           <a:p>
             <a:pPr lvl="2"/>
             <a:r>
-              <a:rPr lang="en-US" sz="3600" dirty="0" smtClean="0">
+              <a:rPr lang="en-US" sz="3600" dirty="0">
                 <a:solidFill>
                   <a:srgbClr val="3333B3"/>
                 </a:solidFill>
@@ -22752,7 +22242,7 @@
               <a:t>	</a:t>
             </a:r>
             <a:r>
-              <a:rPr lang="ru-RU" sz="3600" dirty="0" smtClean="0">
+              <a:rPr lang="ru-RU" sz="3600" dirty="0">
                 <a:solidFill>
                   <a:srgbClr val="3333B3"/>
                 </a:solidFill>
@@ -22789,7 +22279,7 @@
           <a:p>
             <a:pPr lvl="2"/>
             <a:r>
-              <a:rPr lang="en-US" sz="3600" dirty="0" smtClean="0">
+              <a:rPr lang="en-US" sz="3600" dirty="0">
                 <a:solidFill>
                   <a:srgbClr val="3333B3"/>
                 </a:solidFill>
@@ -22799,7 +22289,7 @@
               <a:t>	</a:t>
             </a:r>
             <a:r>
-              <a:rPr lang="ru-RU" sz="3600" dirty="0" smtClean="0">
+              <a:rPr lang="ru-RU" sz="3600" dirty="0">
                 <a:solidFill>
                   <a:srgbClr val="3333B3"/>
                 </a:solidFill>
@@ -22851,7 +22341,7 @@
             </a:r>
           </a:p>
           <a:p>
-            <a:endParaRPr lang="en-US" sz="3600" dirty="0" smtClean="0">
+            <a:endParaRPr lang="en-US" sz="3600" dirty="0">
               <a:solidFill>
                 <a:srgbClr val="3333B3"/>
               </a:solidFill>
@@ -22861,7 +22351,7 @@
           </a:p>
           <a:p>
             <a:r>
-              <a:rPr lang="ru-RU" sz="3600" dirty="0" smtClean="0">
+              <a:rPr lang="ru-RU" sz="3600" dirty="0">
                 <a:solidFill>
                   <a:srgbClr val="3333B3"/>
                 </a:solidFill>
@@ -22871,7 +22361,7 @@
               <a:t>• </a:t>
             </a:r>
             <a:r>
-              <a:rPr lang="ru-RU" sz="3600" dirty="0" smtClean="0">
+              <a:rPr lang="ru-RU" sz="3600" dirty="0">
                 <a:solidFill>
                   <a:schemeClr val="bg2"/>
                 </a:solidFill>
@@ -22879,41 +22369,13 @@
                 <a:cs typeface="Arial" panose="020B0604020202020204" pitchFamily="34" charset="0"/>
               </a:rPr>
               <a:t>И</a:t>
-            </a:r>
-            <a:r>
-              <a:rPr lang="ru-RU" sz="3600" dirty="0" smtClean="0">
-                <a:latin typeface="Arial" panose="020B0604020202020204" pitchFamily="34" charset="0"/>
-                <a:cs typeface="Arial" panose="020B0604020202020204" pitchFamily="34" charset="0"/>
-              </a:rPr>
-              <a:t>тераторы </a:t>
             </a:r>
             <a:r>
               <a:rPr lang="ru-RU" sz="3600" dirty="0">
                 <a:latin typeface="Arial" panose="020B0604020202020204" pitchFamily="34" charset="0"/>
                 <a:cs typeface="Arial" panose="020B0604020202020204" pitchFamily="34" charset="0"/>
               </a:rPr>
-              <a:t>реализуется всеми </a:t>
-            </a:r>
-            <a:r>
-              <a:rPr lang="ru-RU" sz="3600" dirty="0" smtClean="0">
-                <a:latin typeface="Arial" panose="020B0604020202020204" pitchFamily="34" charset="0"/>
-                <a:cs typeface="Arial" panose="020B0604020202020204" pitchFamily="34" charset="0"/>
-              </a:rPr>
-              <a:t>встроенными коллекциями</a:t>
-            </a:r>
-            <a:r>
-              <a:rPr lang="ru-RU" sz="3600" dirty="0">
-                <a:latin typeface="Arial" panose="020B0604020202020204" pitchFamily="34" charset="0"/>
-                <a:cs typeface="Arial" panose="020B0604020202020204" pitchFamily="34" charset="0"/>
-              </a:rPr>
-              <a:t>, а также, например, файлами и </a:t>
-            </a:r>
-            <a:r>
-              <a:rPr lang="ru-RU" sz="3600" dirty="0" smtClean="0">
-                <a:latin typeface="Arial" panose="020B0604020202020204" pitchFamily="34" charset="0"/>
-                <a:cs typeface="Arial" panose="020B0604020202020204" pitchFamily="34" charset="0"/>
-              </a:rPr>
-              <a:t>объектами типа </a:t>
+              <a:t>тераторы реализуется всеми встроенными коллекциями, а также, например, файлами и объектами типа </a:t>
             </a:r>
             <a:r>
               <a:rPr lang="en-US" sz="3600" dirty="0">
@@ -23286,7 +22748,7 @@
               <a:buSzPct val="25000"/>
             </a:pPr>
             <a:r>
-              <a:rPr lang="ru-RU" sz="7800" dirty="0" smtClean="0">
+              <a:rPr lang="ru-RU" sz="7800" dirty="0">
                 <a:solidFill>
                   <a:srgbClr val="00FF00"/>
                 </a:solidFill>
@@ -23372,28 +22834,22 @@
           </a:p>
           <a:p>
             <a:r>
-              <a:rPr lang="ru-RU" sz="3200" dirty="0" smtClean="0">
+              <a:rPr lang="ru-RU" sz="3200" dirty="0">
                 <a:latin typeface="+mn-lt"/>
               </a:rPr>
               <a:t>	</a:t>
             </a:r>
             <a:r>
-              <a:rPr lang="en-US" sz="3200" dirty="0" err="1" smtClean="0">
+              <a:rPr lang="en-US" sz="3200" dirty="0" err="1">
                 <a:latin typeface="+mn-lt"/>
               </a:rPr>
               <a:t>do_something</a:t>
-            </a:r>
-            <a:r>
-              <a:rPr lang="en-US" sz="3200" dirty="0" smtClean="0">
-                <a:latin typeface="+mn-lt"/>
-              </a:rPr>
-              <a:t>(x</a:t>
             </a:r>
             <a:r>
               <a:rPr lang="en-US" sz="3200" dirty="0">
                 <a:latin typeface="+mn-lt"/>
               </a:rPr>
-              <a:t>)</a:t>
+              <a:t>(x)</a:t>
             </a:r>
             <a:endParaRPr lang="ru-RU" sz="5400" dirty="0">
               <a:latin typeface="+mn-lt"/>
@@ -23438,22 +22894,10 @@
               <a:t>for </a:t>
             </a:r>
             <a:r>
-              <a:rPr lang="ru-RU" sz="2800" dirty="0" smtClean="0">
-                <a:latin typeface="+mn-lt"/>
-              </a:rPr>
-              <a:t>можно записать </a:t>
-            </a:r>
-            <a:r>
               <a:rPr lang="ru-RU" sz="2800" dirty="0">
                 <a:latin typeface="+mn-lt"/>
               </a:rPr>
-              <a:t>так</a:t>
-            </a:r>
-            <a:r>
-              <a:rPr lang="ru-RU" sz="2800" dirty="0" smtClean="0">
-                <a:latin typeface="+mn-lt"/>
-              </a:rPr>
-              <a:t>:</a:t>
+              <a:t>можно записать так:</a:t>
             </a:r>
           </a:p>
           <a:p>
@@ -23507,22 +22951,13 @@
           </a:p>
           <a:p>
             <a:r>
-              <a:rPr lang="en-US" sz="2800" b="1" dirty="0" smtClean="0">
+              <a:rPr lang="en-US" sz="2800" b="1" dirty="0">
                 <a:solidFill>
                   <a:srgbClr val="008000"/>
                 </a:solidFill>
                 <a:latin typeface="+mn-lt"/>
               </a:rPr>
-              <a:t>while </a:t>
-            </a:r>
-            <a:r>
-              <a:rPr lang="en-US" sz="2800" b="1" dirty="0">
-                <a:solidFill>
-                  <a:srgbClr val="008000"/>
-                </a:solidFill>
-                <a:latin typeface="+mn-lt"/>
-              </a:rPr>
-              <a:t>True</a:t>
+              <a:t>while True</a:t>
             </a:r>
             <a:r>
               <a:rPr lang="en-US" sz="2800" dirty="0">
@@ -23533,7 +22968,7 @@
           </a:p>
           <a:p>
             <a:r>
-              <a:rPr lang="ru-RU" sz="2800" b="1" dirty="0" smtClean="0">
+              <a:rPr lang="ru-RU" sz="2800" b="1" dirty="0">
                 <a:solidFill>
                   <a:srgbClr val="008000"/>
                 </a:solidFill>
@@ -23542,7 +22977,7 @@
               <a:t>	</a:t>
             </a:r>
             <a:r>
-              <a:rPr lang="en-US" sz="2800" b="1" dirty="0" smtClean="0">
+              <a:rPr lang="en-US" sz="2800" b="1" dirty="0">
                 <a:solidFill>
                   <a:srgbClr val="008000"/>
                 </a:solidFill>
@@ -23560,136 +22995,118 @@
           <a:p>
             <a:pPr lvl="3"/>
             <a:r>
-              <a:rPr lang="ru-RU" sz="2800" dirty="0" smtClean="0">
-                <a:latin typeface="+mn-lt"/>
-              </a:rPr>
-              <a:t>	</a:t>
-            </a:r>
-            <a:r>
               <a:rPr lang="ru-RU" sz="2800" dirty="0">
                 <a:latin typeface="+mn-lt"/>
               </a:rPr>
-              <a:t>	</a:t>
-            </a:r>
-            <a:r>
-              <a:rPr lang="en-US" sz="2800" dirty="0" smtClean="0">
-                <a:latin typeface="+mn-lt"/>
-              </a:rPr>
-              <a:t>x </a:t>
-            </a:r>
-            <a:r>
-              <a:rPr lang="en-US" sz="2800" dirty="0">
-                <a:solidFill>
-                  <a:srgbClr val="666666"/>
-                </a:solidFill>
-                <a:latin typeface="+mn-lt"/>
-              </a:rPr>
-              <a:t>= </a:t>
-            </a:r>
-            <a:r>
-              <a:rPr lang="en-US" sz="2800" dirty="0">
-                <a:solidFill>
-                  <a:srgbClr val="008000"/>
-                </a:solidFill>
-                <a:latin typeface="+mn-lt"/>
-              </a:rPr>
-              <a:t>next</a:t>
+              <a:t>		</a:t>
             </a:r>
             <a:r>
               <a:rPr lang="en-US" sz="2800" dirty="0">
                 <a:latin typeface="+mn-lt"/>
               </a:rPr>
-              <a:t>(it)</a:t>
-            </a:r>
-          </a:p>
-          <a:p>
-            <a:pPr lvl="3"/>
-            <a:r>
-              <a:rPr lang="ru-RU" sz="2800" b="1" dirty="0" smtClean="0">
+              <a:t>x </a:t>
+            </a:r>
+            <a:r>
+              <a:rPr lang="en-US" sz="2800" dirty="0">
+                <a:solidFill>
+                  <a:srgbClr val="666666"/>
+                </a:solidFill>
+                <a:latin typeface="+mn-lt"/>
+              </a:rPr>
+              <a:t>= </a:t>
+            </a:r>
+            <a:r>
+              <a:rPr lang="en-US" sz="2800" dirty="0">
                 <a:solidFill>
                   <a:srgbClr val="008000"/>
                 </a:solidFill>
                 <a:latin typeface="+mn-lt"/>
               </a:rPr>
-              <a:t>	</a:t>
-            </a:r>
-            <a:r>
-              <a:rPr lang="en-US" sz="2800" b="1" dirty="0" smtClean="0">
-                <a:solidFill>
-                  <a:srgbClr val="008000"/>
-                </a:solidFill>
-                <a:latin typeface="+mn-lt"/>
-              </a:rPr>
-              <a:t>except </a:t>
-            </a:r>
-            <a:r>
-              <a:rPr lang="en-US" sz="2800" b="1" dirty="0" err="1">
-                <a:solidFill>
-                  <a:srgbClr val="D2403B"/>
-                </a:solidFill>
-                <a:latin typeface="+mn-lt"/>
-              </a:rPr>
-              <a:t>StopIteration</a:t>
+              <a:t>next</a:t>
             </a:r>
             <a:r>
               <a:rPr lang="en-US" sz="2800" dirty="0">
                 <a:latin typeface="+mn-lt"/>
               </a:rPr>
-              <a:t>:</a:t>
+              <a:t>(it)</a:t>
             </a:r>
           </a:p>
           <a:p>
             <a:pPr lvl="3"/>
             <a:r>
-              <a:rPr lang="ru-RU" sz="2800" b="1" dirty="0" smtClean="0">
+              <a:rPr lang="ru-RU" sz="2800" b="1" dirty="0">
                 <a:solidFill>
                   <a:srgbClr val="008000"/>
                 </a:solidFill>
                 <a:latin typeface="+mn-lt"/>
               </a:rPr>
-              <a:t>		</a:t>
-            </a:r>
-            <a:r>
-              <a:rPr lang="en-US" sz="2800" b="1" dirty="0" smtClean="0">
+              <a:t>	</a:t>
+            </a:r>
+            <a:r>
+              <a:rPr lang="en-US" sz="2800" b="1" dirty="0">
                 <a:solidFill>
                   <a:srgbClr val="008000"/>
                 </a:solidFill>
                 <a:latin typeface="+mn-lt"/>
               </a:rPr>
-              <a:t>break</a:t>
-            </a:r>
-            <a:endParaRPr lang="en-US" sz="2800" b="1" dirty="0">
-              <a:solidFill>
-                <a:srgbClr val="008000"/>
-              </a:solidFill>
-              <a:latin typeface="+mn-lt"/>
-            </a:endParaRPr>
-          </a:p>
-          <a:p>
-            <a:pPr lvl="3"/>
-            <a:r>
-              <a:rPr lang="ru-RU" sz="2800" dirty="0" smtClean="0">
+              <a:t>except </a:t>
+            </a:r>
+            <a:r>
+              <a:rPr lang="en-US" sz="2800" b="1" dirty="0" err="1">
+                <a:solidFill>
+                  <a:srgbClr val="D2403B"/>
+                </a:solidFill>
                 <a:latin typeface="+mn-lt"/>
               </a:rPr>
-              <a:t>	</a:t>
-            </a:r>
-            <a:r>
-              <a:rPr lang="en-US" sz="2800" dirty="0" err="1" smtClean="0">
-                <a:latin typeface="+mn-lt"/>
-              </a:rPr>
-              <a:t>do_something</a:t>
-            </a:r>
-            <a:r>
-              <a:rPr lang="en-US" sz="2800" dirty="0" smtClean="0">
-                <a:latin typeface="+mn-lt"/>
-              </a:rPr>
-              <a:t>(x</a:t>
+              <a:t>StopIteration</a:t>
             </a:r>
             <a:r>
               <a:rPr lang="en-US" sz="2800" dirty="0">
                 <a:latin typeface="+mn-lt"/>
               </a:rPr>
-              <a:t>)</a:t>
+              <a:t>:</a:t>
+            </a:r>
+          </a:p>
+          <a:p>
+            <a:pPr lvl="3"/>
+            <a:r>
+              <a:rPr lang="ru-RU" sz="2800" b="1" dirty="0">
+                <a:solidFill>
+                  <a:srgbClr val="008000"/>
+                </a:solidFill>
+                <a:latin typeface="+mn-lt"/>
+              </a:rPr>
+              <a:t>		</a:t>
+            </a:r>
+            <a:r>
+              <a:rPr lang="en-US" sz="2800" b="1" dirty="0">
+                <a:solidFill>
+                  <a:srgbClr val="008000"/>
+                </a:solidFill>
+                <a:latin typeface="+mn-lt"/>
+              </a:rPr>
+              <a:t>break</a:t>
+            </a:r>
+          </a:p>
+          <a:p>
+            <a:pPr lvl="3"/>
+            <a:r>
+              <a:rPr lang="ru-RU" sz="2800" dirty="0">
+                <a:latin typeface="+mn-lt"/>
+              </a:rPr>
+              <a:t>	</a:t>
+            </a:r>
+            <a:r>
+              <a:rPr lang="en-US" sz="2800" dirty="0" err="1">
+                <a:latin typeface="+mn-lt"/>
+              </a:rPr>
+              <a:t>do_something</a:t>
+            </a:r>
+            <a:r>
+              <a:rPr lang="en-US" sz="2800" dirty="0">
+                <a:latin typeface="+mn-lt"/>
+              </a:rPr>
+              <a:t>(x)</a:t>
             </a:r>
           </a:p>
           <a:p>
@@ -23709,13 +23126,6 @@
   <p:clrMapOvr>
     <a:masterClrMapping/>
   </p:clrMapOvr>
-  <p:timing>
-    <p:tnLst>
-      <p:par>
-        <p:cTn id="1" dur="indefinite" restart="never" nodeType="tmRoot"/>
-      </p:par>
-    </p:tnLst>
-  </p:timing>
 </p:sld>
 </file>
 
